--- a/doc/task14/Task14.pptx
+++ b/doc/task14/Task14.pptx
@@ -5,17 +5,26 @@
     <p:sldMasterId id="2147483669" r:id="rId4"/>
   </p:sldMasterIdLst>
   <p:notesMasterIdLst>
-    <p:notesMasterId r:id="rId10"/>
+    <p:notesMasterId r:id="rId19"/>
   </p:notesMasterIdLst>
   <p:handoutMasterIdLst>
-    <p:handoutMasterId r:id="rId11"/>
+    <p:handoutMasterId r:id="rId20"/>
   </p:handoutMasterIdLst>
   <p:sldIdLst>
     <p:sldId id="259" r:id="rId5"/>
     <p:sldId id="310" r:id="rId6"/>
     <p:sldId id="309" r:id="rId7"/>
     <p:sldId id="308" r:id="rId8"/>
-    <p:sldId id="305" r:id="rId9"/>
+    <p:sldId id="312" r:id="rId9"/>
+    <p:sldId id="313" r:id="rId10"/>
+    <p:sldId id="314" r:id="rId11"/>
+    <p:sldId id="315" r:id="rId12"/>
+    <p:sldId id="316" r:id="rId13"/>
+    <p:sldId id="311" r:id="rId14"/>
+    <p:sldId id="318" r:id="rId15"/>
+    <p:sldId id="317" r:id="rId16"/>
+    <p:sldId id="319" r:id="rId17"/>
+    <p:sldId id="305" r:id="rId18"/>
   </p:sldIdLst>
   <p:sldSz cx="9144000" cy="6858000" type="screen4x3"/>
   <p:notesSz cx="6669088" cy="9926638"/>
@@ -259,7 +268,7 @@
           <a:p>
             <a:fld id="{EFA0D184-D464-48E9-9CA0-A94E873F6C2C}" type="datetimeFigureOut">
               <a:rPr lang="de-CH" smtClean="0"/>
-              <a:t>18.01.16</a:t>
+              <a:t>tt.01.jjjj</a:t>
             </a:fld>
             <a:endParaRPr lang="de-CH"/>
           </a:p>
@@ -424,7 +433,7 @@
           <a:p>
             <a:fld id="{5AF2B663-2BA9-4D7E-8201-5DE4109E1EDD}" type="datetimeFigureOut">
               <a:rPr lang="de-CH" smtClean="0"/>
-              <a:t>18.01.16</a:t>
+              <a:t>tt.01.jjjj</a:t>
             </a:fld>
             <a:endParaRPr lang="de-CH"/>
           </a:p>
@@ -776,6 +785,90 @@
 </p:notes>
 </file>
 
+<file path=ppt/notesSlides/notesSlide2.xml><?xml version="1.0" encoding="utf-8"?>
+<p:notes xmlns:a="http://schemas.openxmlformats.org/drawingml/2006/main" xmlns:r="http://schemas.openxmlformats.org/officeDocument/2006/relationships" xmlns:p="http://schemas.openxmlformats.org/presentationml/2006/main">
+  <p:cSld>
+    <p:spTree>
+      <p:nvGrpSpPr>
+        <p:cNvPr id="1" name=""/>
+        <p:cNvGrpSpPr/>
+        <p:nvPr/>
+      </p:nvGrpSpPr>
+      <p:grpSpPr>
+        <a:xfrm>
+          <a:off x="0" y="0"/>
+          <a:ext cx="0" cy="0"/>
+          <a:chOff x="0" y="0"/>
+          <a:chExt cx="0" cy="0"/>
+        </a:xfrm>
+      </p:grpSpPr>
+      <p:sp>
+        <p:nvSpPr>
+          <p:cNvPr id="2" name="Folienbildplatzhalter 1"/>
+          <p:cNvSpPr>
+            <a:spLocks noGrp="1" noRot="1" noChangeAspect="1"/>
+          </p:cNvSpPr>
+          <p:nvPr>
+            <p:ph type="sldImg"/>
+          </p:nvPr>
+        </p:nvSpPr>
+        <p:spPr/>
+      </p:sp>
+      <p:sp>
+        <p:nvSpPr>
+          <p:cNvPr id="3" name="Notizenplatzhalter 2"/>
+          <p:cNvSpPr>
+            <a:spLocks noGrp="1"/>
+          </p:cNvSpPr>
+          <p:nvPr>
+            <p:ph type="body" idx="1"/>
+          </p:nvPr>
+        </p:nvSpPr>
+        <p:spPr/>
+        <p:txBody>
+          <a:bodyPr/>
+          <a:lstStyle/>
+          <a:p>
+            <a:endParaRPr lang="de-CH" dirty="0"/>
+          </a:p>
+        </p:txBody>
+      </p:sp>
+      <p:sp>
+        <p:nvSpPr>
+          <p:cNvPr id="4" name="Foliennummernplatzhalter 3"/>
+          <p:cNvSpPr>
+            <a:spLocks noGrp="1"/>
+          </p:cNvSpPr>
+          <p:nvPr>
+            <p:ph type="sldNum" sz="quarter" idx="10"/>
+          </p:nvPr>
+        </p:nvSpPr>
+        <p:spPr/>
+        <p:txBody>
+          <a:bodyPr/>
+          <a:lstStyle/>
+          <a:p>
+            <a:fld id="{37E44704-8E6D-4CF2-8CFA-A0F7BC751896}" type="slidenum">
+              <a:rPr lang="de-CH" smtClean="0"/>
+              <a:t>13</a:t>
+            </a:fld>
+            <a:endParaRPr lang="de-CH"/>
+          </a:p>
+        </p:txBody>
+      </p:sp>
+    </p:spTree>
+    <p:extLst>
+      <p:ext uri="{BB962C8B-B14F-4D97-AF65-F5344CB8AC3E}">
+        <p14:creationId xmlns:p14="http://schemas.microsoft.com/office/powerpoint/2010/main" val="1632356723"/>
+      </p:ext>
+    </p:extLst>
+  </p:cSld>
+  <p:clrMapOvr>
+    <a:masterClrMapping/>
+  </p:clrMapOvr>
+</p:notes>
+</file>
+
 <file path=ppt/slideLayouts/slideLayout1.xml><?xml version="1.0" encoding="utf-8"?>
 <p:sldLayout xmlns:a="http://schemas.openxmlformats.org/drawingml/2006/main" xmlns:r="http://schemas.openxmlformats.org/officeDocument/2006/relationships" xmlns:p="http://schemas.openxmlformats.org/presentationml/2006/main" preserve="1" userDrawn="1">
   <p:cSld name="Titelfolie mit Bild">
@@ -6300,13 +6393,6 @@
     <p:sldLayoutId id="2147483789" r:id="rId10"/>
     <p:sldLayoutId id="2147483790" r:id="rId11"/>
   </p:sldLayoutIdLst>
-  <p:timing>
-    <p:tnLst>
-      <p:par>
-        <p:cTn id="1" dur="indefinite" restart="never" nodeType="tmRoot"/>
-      </p:par>
-    </p:tnLst>
-  </p:timing>
   <p:hf sldNum="0" hdr="0" ftr="0" dt="0"/>
   <p:txStyles>
     <p:titleStyle>
@@ -6801,13 +6887,409 @@
   <p:clrMapOvr>
     <a:masterClrMapping/>
   </p:clrMapOvr>
-  <p:timing>
-    <p:tnLst>
-      <p:par>
-        <p:cTn id="1" dur="indefinite" restart="never" nodeType="tmRoot"/>
-      </p:par>
-    </p:tnLst>
-  </p:timing>
+</p:sld>
+</file>
+
+<file path=ppt/slides/slide10.xml><?xml version="1.0" encoding="utf-8"?>
+<p:sld xmlns:a="http://schemas.openxmlformats.org/drawingml/2006/main" xmlns:r="http://schemas.openxmlformats.org/officeDocument/2006/relationships" xmlns:p="http://schemas.openxmlformats.org/presentationml/2006/main">
+  <p:cSld>
+    <p:spTree>
+      <p:nvGrpSpPr>
+        <p:cNvPr id="1" name=""/>
+        <p:cNvGrpSpPr/>
+        <p:nvPr/>
+      </p:nvGrpSpPr>
+      <p:grpSpPr>
+        <a:xfrm>
+          <a:off x="0" y="0"/>
+          <a:ext cx="0" cy="0"/>
+          <a:chOff x="0" y="0"/>
+          <a:chExt cx="0" cy="0"/>
+        </a:xfrm>
+      </p:grpSpPr>
+      <p:sp>
+        <p:nvSpPr>
+          <p:cNvPr id="4" name="Title 3"/>
+          <p:cNvSpPr>
+            <a:spLocks noGrp="1"/>
+          </p:cNvSpPr>
+          <p:nvPr>
+            <p:ph type="ctrTitle"/>
+          </p:nvPr>
+        </p:nvSpPr>
+        <p:spPr/>
+        <p:txBody>
+          <a:bodyPr/>
+          <a:lstStyle/>
+          <a:p>
+            <a:r>
+              <a:rPr lang="de-CH" dirty="0" err="1" smtClean="0"/>
+              <a:t>Lessons</a:t>
+            </a:r>
+            <a:r>
+              <a:rPr lang="de-CH" dirty="0" smtClean="0"/>
+              <a:t> </a:t>
+            </a:r>
+            <a:r>
+              <a:rPr lang="de-CH" dirty="0" err="1" smtClean="0"/>
+              <a:t>learnt</a:t>
+            </a:r>
+            <a:endParaRPr lang="de-CH" dirty="0"/>
+          </a:p>
+        </p:txBody>
+      </p:sp>
+      <p:sp>
+        <p:nvSpPr>
+          <p:cNvPr id="5" name="Subtitle 4"/>
+          <p:cNvSpPr>
+            <a:spLocks noGrp="1"/>
+          </p:cNvSpPr>
+          <p:nvPr>
+            <p:ph type="subTitle" idx="1"/>
+          </p:nvPr>
+        </p:nvSpPr>
+        <p:spPr/>
+        <p:txBody>
+          <a:bodyPr/>
+          <a:lstStyle/>
+          <a:p>
+            <a:endParaRPr lang="de-CH"/>
+          </a:p>
+        </p:txBody>
+      </p:sp>
+    </p:spTree>
+    <p:extLst>
+      <p:ext uri="{BB962C8B-B14F-4D97-AF65-F5344CB8AC3E}">
+        <p14:creationId xmlns:p14="http://schemas.microsoft.com/office/powerpoint/2010/main" val="4126872880"/>
+      </p:ext>
+    </p:extLst>
+  </p:cSld>
+  <p:clrMapOvr>
+    <a:masterClrMapping/>
+  </p:clrMapOvr>
+</p:sld>
+</file>
+
+<file path=ppt/slides/slide11.xml><?xml version="1.0" encoding="utf-8"?>
+<p:sld xmlns:a="http://schemas.openxmlformats.org/drawingml/2006/main" xmlns:r="http://schemas.openxmlformats.org/officeDocument/2006/relationships" xmlns:p="http://schemas.openxmlformats.org/presentationml/2006/main">
+  <p:cSld>
+    <p:spTree>
+      <p:nvGrpSpPr>
+        <p:cNvPr id="1" name=""/>
+        <p:cNvGrpSpPr/>
+        <p:nvPr/>
+      </p:nvGrpSpPr>
+      <p:grpSpPr>
+        <a:xfrm>
+          <a:off x="0" y="0"/>
+          <a:ext cx="0" cy="0"/>
+          <a:chOff x="0" y="0"/>
+          <a:chExt cx="0" cy="0"/>
+        </a:xfrm>
+      </p:grpSpPr>
+      <p:sp>
+        <p:nvSpPr>
+          <p:cNvPr id="2" name="Inhaltsplatzhalter 1"/>
+          <p:cNvSpPr>
+            <a:spLocks noGrp="1"/>
+          </p:cNvSpPr>
+          <p:nvPr>
+            <p:ph sz="half" idx="1"/>
+          </p:nvPr>
+        </p:nvSpPr>
+        <p:spPr/>
+        <p:txBody>
+          <a:bodyPr/>
+          <a:lstStyle/>
+          <a:p>
+            <a:endParaRPr lang="de-CH" dirty="0" smtClean="0"/>
+          </a:p>
+        </p:txBody>
+      </p:sp>
+      <p:sp>
+        <p:nvSpPr>
+          <p:cNvPr id="3" name="Titel 2"/>
+          <p:cNvSpPr>
+            <a:spLocks noGrp="1"/>
+          </p:cNvSpPr>
+          <p:nvPr>
+            <p:ph type="ctrTitle"/>
+          </p:nvPr>
+        </p:nvSpPr>
+        <p:spPr/>
+        <p:txBody>
+          <a:bodyPr/>
+          <a:lstStyle/>
+          <a:p>
+            <a:r>
+              <a:rPr lang="de-CH" sz="2000" dirty="0" err="1" smtClean="0"/>
+              <a:t>storyboard</a:t>
+            </a:r>
+            <a:r>
+              <a:rPr lang="de-CH" sz="2000" dirty="0" smtClean="0"/>
+              <a:t> </a:t>
+            </a:r>
+            <a:r>
+              <a:rPr lang="de-CH" sz="2000" dirty="0"/>
+              <a:t>↔ </a:t>
+            </a:r>
+            <a:r>
+              <a:rPr lang="de-CH" sz="2000" dirty="0" err="1"/>
+              <a:t>requirements</a:t>
+            </a:r>
+            <a:r>
+              <a:rPr lang="de-CH" sz="2000" dirty="0"/>
+              <a:t> ↔design ↔</a:t>
+            </a:r>
+            <a:r>
+              <a:rPr lang="de-CH" sz="2000" dirty="0" err="1"/>
+              <a:t>implementation</a:t>
+            </a:r>
+            <a:endParaRPr lang="de-CH" sz="2000" dirty="0"/>
+          </a:p>
+        </p:txBody>
+      </p:sp>
+    </p:spTree>
+    <p:extLst>
+      <p:ext uri="{BB962C8B-B14F-4D97-AF65-F5344CB8AC3E}">
+        <p14:creationId xmlns:p14="http://schemas.microsoft.com/office/powerpoint/2010/main" val="588067539"/>
+      </p:ext>
+    </p:extLst>
+  </p:cSld>
+  <p:clrMapOvr>
+    <a:masterClrMapping/>
+  </p:clrMapOvr>
+</p:sld>
+</file>
+
+<file path=ppt/slides/slide12.xml><?xml version="1.0" encoding="utf-8"?>
+<p:sld xmlns:a="http://schemas.openxmlformats.org/drawingml/2006/main" xmlns:r="http://schemas.openxmlformats.org/officeDocument/2006/relationships" xmlns:p="http://schemas.openxmlformats.org/presentationml/2006/main">
+  <p:cSld>
+    <p:spTree>
+      <p:nvGrpSpPr>
+        <p:cNvPr id="1" name=""/>
+        <p:cNvGrpSpPr/>
+        <p:nvPr/>
+      </p:nvGrpSpPr>
+      <p:grpSpPr>
+        <a:xfrm>
+          <a:off x="0" y="0"/>
+          <a:ext cx="0" cy="0"/>
+          <a:chOff x="0" y="0"/>
+          <a:chExt cx="0" cy="0"/>
+        </a:xfrm>
+      </p:grpSpPr>
+      <p:sp>
+        <p:nvSpPr>
+          <p:cNvPr id="2" name="Inhaltsplatzhalter 1"/>
+          <p:cNvSpPr>
+            <a:spLocks noGrp="1"/>
+          </p:cNvSpPr>
+          <p:nvPr>
+            <p:ph sz="half" idx="1"/>
+          </p:nvPr>
+        </p:nvSpPr>
+        <p:spPr/>
+        <p:txBody>
+          <a:bodyPr/>
+          <a:lstStyle/>
+          <a:p>
+            <a:r>
+              <a:rPr lang="de-CH" dirty="0" smtClean="0"/>
+              <a:t>Scrum1</a:t>
+            </a:r>
+          </a:p>
+          <a:p>
+            <a:endParaRPr lang="de-CH" dirty="0"/>
+          </a:p>
+          <a:p>
+            <a:r>
+              <a:rPr lang="de-CH" dirty="0" smtClean="0"/>
+              <a:t>Scrum2</a:t>
+            </a:r>
+          </a:p>
+          <a:p>
+            <a:endParaRPr lang="de-CH" dirty="0"/>
+          </a:p>
+          <a:p>
+            <a:r>
+              <a:rPr lang="de-CH" dirty="0" smtClean="0"/>
+              <a:t>Scrum3</a:t>
+            </a:r>
+            <a:endParaRPr lang="de-CH" dirty="0"/>
+          </a:p>
+        </p:txBody>
+      </p:sp>
+      <p:sp>
+        <p:nvSpPr>
+          <p:cNvPr id="3" name="Titel 2"/>
+          <p:cNvSpPr>
+            <a:spLocks noGrp="1"/>
+          </p:cNvSpPr>
+          <p:nvPr>
+            <p:ph type="ctrTitle"/>
+          </p:nvPr>
+        </p:nvSpPr>
+        <p:spPr/>
+        <p:txBody>
+          <a:bodyPr/>
+          <a:lstStyle/>
+          <a:p>
+            <a:r>
+              <a:rPr lang="de-CH" dirty="0" err="1" smtClean="0"/>
+              <a:t>Scrum</a:t>
+            </a:r>
+            <a:r>
+              <a:rPr lang="de-CH" dirty="0" smtClean="0"/>
+              <a:t> </a:t>
+            </a:r>
+            <a:r>
+              <a:rPr lang="de-CH" dirty="0" err="1" smtClean="0"/>
+              <a:t>retrospective</a:t>
+            </a:r>
+            <a:endParaRPr lang="de-CH" dirty="0"/>
+          </a:p>
+        </p:txBody>
+      </p:sp>
+    </p:spTree>
+    <p:extLst>
+      <p:ext uri="{BB962C8B-B14F-4D97-AF65-F5344CB8AC3E}">
+        <p14:creationId xmlns:p14="http://schemas.microsoft.com/office/powerpoint/2010/main" val="1121024654"/>
+      </p:ext>
+    </p:extLst>
+  </p:cSld>
+  <p:clrMapOvr>
+    <a:masterClrMapping/>
+  </p:clrMapOvr>
+</p:sld>
+</file>
+
+<file path=ppt/slides/slide13.xml><?xml version="1.0" encoding="utf-8"?>
+<p:sld xmlns:a="http://schemas.openxmlformats.org/drawingml/2006/main" xmlns:r="http://schemas.openxmlformats.org/officeDocument/2006/relationships" xmlns:p="http://schemas.openxmlformats.org/presentationml/2006/main">
+  <p:cSld>
+    <p:spTree>
+      <p:nvGrpSpPr>
+        <p:cNvPr id="1" name=""/>
+        <p:cNvGrpSpPr/>
+        <p:nvPr/>
+      </p:nvGrpSpPr>
+      <p:grpSpPr>
+        <a:xfrm>
+          <a:off x="0" y="0"/>
+          <a:ext cx="0" cy="0"/>
+          <a:chOff x="0" y="0"/>
+          <a:chExt cx="0" cy="0"/>
+        </a:xfrm>
+      </p:grpSpPr>
+      <p:sp>
+        <p:nvSpPr>
+          <p:cNvPr id="2" name="Inhaltsplatzhalter 1"/>
+          <p:cNvSpPr>
+            <a:spLocks noGrp="1"/>
+          </p:cNvSpPr>
+          <p:nvPr>
+            <p:ph sz="half" idx="1"/>
+          </p:nvPr>
+        </p:nvSpPr>
+        <p:spPr/>
+        <p:txBody>
+          <a:bodyPr/>
+          <a:lstStyle/>
+          <a:p>
+            <a:endParaRPr lang="de-CH" dirty="0"/>
+          </a:p>
+        </p:txBody>
+      </p:sp>
+      <p:sp>
+        <p:nvSpPr>
+          <p:cNvPr id="3" name="Titel 2"/>
+          <p:cNvSpPr>
+            <a:spLocks noGrp="1"/>
+          </p:cNvSpPr>
+          <p:nvPr>
+            <p:ph type="ctrTitle"/>
+          </p:nvPr>
+        </p:nvSpPr>
+        <p:spPr/>
+        <p:txBody>
+          <a:bodyPr/>
+          <a:lstStyle/>
+          <a:p>
+            <a:r>
+              <a:rPr lang="de-CH" dirty="0" smtClean="0"/>
+              <a:t>Team</a:t>
+            </a:r>
+            <a:endParaRPr lang="de-CH" dirty="0"/>
+          </a:p>
+        </p:txBody>
+      </p:sp>
+    </p:spTree>
+    <p:extLst>
+      <p:ext uri="{BB962C8B-B14F-4D97-AF65-F5344CB8AC3E}">
+        <p14:creationId xmlns:p14="http://schemas.microsoft.com/office/powerpoint/2010/main" val="2861580105"/>
+      </p:ext>
+    </p:extLst>
+  </p:cSld>
+  <p:clrMapOvr>
+    <a:masterClrMapping/>
+  </p:clrMapOvr>
+</p:sld>
+</file>
+
+<file path=ppt/slides/slide14.xml><?xml version="1.0" encoding="utf-8"?>
+<p:sld xmlns:a="http://schemas.openxmlformats.org/drawingml/2006/main" xmlns:r="http://schemas.openxmlformats.org/officeDocument/2006/relationships" xmlns:p="http://schemas.openxmlformats.org/presentationml/2006/main">
+  <p:cSld>
+    <p:spTree>
+      <p:nvGrpSpPr>
+        <p:cNvPr id="1" name=""/>
+        <p:cNvGrpSpPr/>
+        <p:nvPr/>
+      </p:nvGrpSpPr>
+      <p:grpSpPr>
+        <a:xfrm>
+          <a:off x="0" y="0"/>
+          <a:ext cx="0" cy="0"/>
+          <a:chOff x="0" y="0"/>
+          <a:chExt cx="0" cy="0"/>
+        </a:xfrm>
+      </p:grpSpPr>
+      <p:sp>
+        <p:nvSpPr>
+          <p:cNvPr id="2" name="Titel 1"/>
+          <p:cNvSpPr>
+            <a:spLocks noGrp="1"/>
+          </p:cNvSpPr>
+          <p:nvPr>
+            <p:ph type="ctrTitle"/>
+          </p:nvPr>
+        </p:nvSpPr>
+        <p:spPr/>
+        <p:txBody>
+          <a:bodyPr/>
+          <a:lstStyle/>
+          <a:p>
+            <a:r>
+              <a:rPr lang="de-DE" dirty="0" err="1" smtClean="0"/>
+              <a:t>Thanks</a:t>
+            </a:r>
+            <a:r>
+              <a:rPr lang="de-DE" dirty="0" smtClean="0"/>
+              <a:t>!</a:t>
+            </a:r>
+            <a:endParaRPr lang="de-CH" dirty="0"/>
+          </a:p>
+        </p:txBody>
+      </p:sp>
+    </p:spTree>
+    <p:extLst>
+      <p:ext uri="{BB962C8B-B14F-4D97-AF65-F5344CB8AC3E}">
+        <p14:creationId xmlns:p14="http://schemas.microsoft.com/office/powerpoint/2010/main" val="1252526614"/>
+      </p:ext>
+    </p:extLst>
+  </p:cSld>
+  <p:clrMapOvr>
+    <a:masterClrMapping/>
+  </p:clrMapOvr>
 </p:sld>
 </file>
 
@@ -7050,40 +7532,12 @@
           <a:lstStyle/>
           <a:p>
             <a:r>
-              <a:rPr lang="de-CH" dirty="0" err="1"/>
-              <a:t>Stuff</a:t>
-            </a:r>
-            <a:r>
-              <a:rPr lang="de-CH" dirty="0"/>
-              <a:t> </a:t>
-            </a:r>
-            <a:r>
-              <a:rPr lang="de-CH" dirty="0" err="1"/>
-              <a:t>of</a:t>
-            </a:r>
-            <a:r>
-              <a:rPr lang="de-CH" dirty="0"/>
-              <a:t> </a:t>
-            </a:r>
-            <a:r>
-              <a:rPr lang="de-CH" dirty="0" err="1"/>
-              <a:t>each</a:t>
-            </a:r>
-            <a:r>
-              <a:rPr lang="de-CH" dirty="0"/>
-              <a:t> </a:t>
-            </a:r>
-            <a:r>
-              <a:rPr lang="de-CH" dirty="0" err="1"/>
-              <a:t>team</a:t>
-            </a:r>
-            <a:r>
-              <a:rPr lang="de-CH" dirty="0"/>
-              <a:t> </a:t>
-            </a:r>
-            <a:r>
-              <a:rPr lang="de-CH" dirty="0" err="1"/>
-              <a:t>member</a:t>
+              <a:rPr lang="de-CH" dirty="0" smtClean="0"/>
+              <a:t>Personal </a:t>
+            </a:r>
+            <a:r>
+              <a:rPr lang="de-CH" dirty="0" err="1" smtClean="0"/>
+              <a:t>contribution</a:t>
             </a:r>
             <a:endParaRPr lang="de-CH" dirty="0"/>
           </a:p>
@@ -7140,12 +7594,12 @@
       </p:grpSpPr>
       <p:sp>
         <p:nvSpPr>
-          <p:cNvPr id="2" name="Titel 1"/>
-          <p:cNvSpPr>
-            <a:spLocks noGrp="1"/>
-          </p:cNvSpPr>
-          <p:nvPr>
-            <p:ph type="ctrTitle"/>
+          <p:cNvPr id="2" name="Inhaltsplatzhalter 1"/>
+          <p:cNvSpPr>
+            <a:spLocks noGrp="1"/>
+          </p:cNvSpPr>
+          <p:nvPr>
+            <p:ph sz="half" idx="1"/>
           </p:nvPr>
         </p:nvSpPr>
         <p:spPr/>
@@ -7153,13 +7607,28 @@
           <a:bodyPr/>
           <a:lstStyle/>
           <a:p>
-            <a:r>
-              <a:rPr lang="de-DE" dirty="0" err="1" smtClean="0"/>
-              <a:t>Thanks</a:t>
-            </a:r>
-            <a:r>
-              <a:rPr lang="de-DE" dirty="0" smtClean="0"/>
-              <a:t>!</a:t>
+            <a:endParaRPr lang="de-CH" dirty="0"/>
+          </a:p>
+        </p:txBody>
+      </p:sp>
+      <p:sp>
+        <p:nvSpPr>
+          <p:cNvPr id="3" name="Titel 2"/>
+          <p:cNvSpPr>
+            <a:spLocks noGrp="1"/>
+          </p:cNvSpPr>
+          <p:nvPr>
+            <p:ph type="ctrTitle"/>
+          </p:nvPr>
+        </p:nvSpPr>
+        <p:spPr/>
+        <p:txBody>
+          <a:bodyPr/>
+          <a:lstStyle/>
+          <a:p>
+            <a:r>
+              <a:rPr lang="de-CH" dirty="0" smtClean="0"/>
+              <a:t>Stefan Iseli</a:t>
             </a:r>
             <a:endParaRPr lang="de-CH" dirty="0"/>
           </a:p>
@@ -7168,20 +7637,301 @@
     </p:spTree>
     <p:extLst>
       <p:ext uri="{BB962C8B-B14F-4D97-AF65-F5344CB8AC3E}">
-        <p14:creationId xmlns:p14="http://schemas.microsoft.com/office/powerpoint/2010/main" val="1252526614"/>
+        <p14:creationId xmlns:p14="http://schemas.microsoft.com/office/powerpoint/2010/main" val="3080710229"/>
       </p:ext>
     </p:extLst>
   </p:cSld>
   <p:clrMapOvr>
     <a:masterClrMapping/>
   </p:clrMapOvr>
-  <p:timing>
-    <p:tnLst>
-      <p:par>
-        <p:cTn id="1" dur="indefinite" restart="never" nodeType="tmRoot"/>
-      </p:par>
-    </p:tnLst>
-  </p:timing>
+</p:sld>
+</file>
+
+<file path=ppt/slides/slide6.xml><?xml version="1.0" encoding="utf-8"?>
+<p:sld xmlns:a="http://schemas.openxmlformats.org/drawingml/2006/main" xmlns:r="http://schemas.openxmlformats.org/officeDocument/2006/relationships" xmlns:p="http://schemas.openxmlformats.org/presentationml/2006/main">
+  <p:cSld>
+    <p:spTree>
+      <p:nvGrpSpPr>
+        <p:cNvPr id="1" name=""/>
+        <p:cNvGrpSpPr/>
+        <p:nvPr/>
+      </p:nvGrpSpPr>
+      <p:grpSpPr>
+        <a:xfrm>
+          <a:off x="0" y="0"/>
+          <a:ext cx="0" cy="0"/>
+          <a:chOff x="0" y="0"/>
+          <a:chExt cx="0" cy="0"/>
+        </a:xfrm>
+      </p:grpSpPr>
+      <p:sp>
+        <p:nvSpPr>
+          <p:cNvPr id="2" name="Inhaltsplatzhalter 1"/>
+          <p:cNvSpPr>
+            <a:spLocks noGrp="1"/>
+          </p:cNvSpPr>
+          <p:nvPr>
+            <p:ph sz="half" idx="1"/>
+          </p:nvPr>
+        </p:nvSpPr>
+        <p:spPr/>
+        <p:txBody>
+          <a:bodyPr/>
+          <a:lstStyle/>
+          <a:p>
+            <a:endParaRPr lang="de-CH" dirty="0"/>
+          </a:p>
+        </p:txBody>
+      </p:sp>
+      <p:sp>
+        <p:nvSpPr>
+          <p:cNvPr id="3" name="Titel 2"/>
+          <p:cNvSpPr>
+            <a:spLocks noGrp="1"/>
+          </p:cNvSpPr>
+          <p:nvPr>
+            <p:ph type="ctrTitle"/>
+          </p:nvPr>
+        </p:nvSpPr>
+        <p:spPr/>
+        <p:txBody>
+          <a:bodyPr/>
+          <a:lstStyle/>
+          <a:p>
+            <a:r>
+              <a:rPr lang="de-CH" dirty="0" smtClean="0"/>
+              <a:t>Tim Dorner</a:t>
+            </a:r>
+            <a:endParaRPr lang="de-CH" dirty="0"/>
+          </a:p>
+        </p:txBody>
+      </p:sp>
+    </p:spTree>
+    <p:extLst>
+      <p:ext uri="{BB962C8B-B14F-4D97-AF65-F5344CB8AC3E}">
+        <p14:creationId xmlns:p14="http://schemas.microsoft.com/office/powerpoint/2010/main" val="3233346993"/>
+      </p:ext>
+    </p:extLst>
+  </p:cSld>
+  <p:clrMapOvr>
+    <a:masterClrMapping/>
+  </p:clrMapOvr>
+</p:sld>
+</file>
+
+<file path=ppt/slides/slide7.xml><?xml version="1.0" encoding="utf-8"?>
+<p:sld xmlns:a="http://schemas.openxmlformats.org/drawingml/2006/main" xmlns:r="http://schemas.openxmlformats.org/officeDocument/2006/relationships" xmlns:p="http://schemas.openxmlformats.org/presentationml/2006/main">
+  <p:cSld>
+    <p:spTree>
+      <p:nvGrpSpPr>
+        <p:cNvPr id="1" name=""/>
+        <p:cNvGrpSpPr/>
+        <p:nvPr/>
+      </p:nvGrpSpPr>
+      <p:grpSpPr>
+        <a:xfrm>
+          <a:off x="0" y="0"/>
+          <a:ext cx="0" cy="0"/>
+          <a:chOff x="0" y="0"/>
+          <a:chExt cx="0" cy="0"/>
+        </a:xfrm>
+      </p:grpSpPr>
+      <p:sp>
+        <p:nvSpPr>
+          <p:cNvPr id="2" name="Inhaltsplatzhalter 1"/>
+          <p:cNvSpPr>
+            <a:spLocks noGrp="1"/>
+          </p:cNvSpPr>
+          <p:nvPr>
+            <p:ph sz="half" idx="1"/>
+          </p:nvPr>
+        </p:nvSpPr>
+        <p:spPr/>
+        <p:txBody>
+          <a:bodyPr/>
+          <a:lstStyle/>
+          <a:p>
+            <a:endParaRPr lang="de-CH" dirty="0"/>
+          </a:p>
+        </p:txBody>
+      </p:sp>
+      <p:sp>
+        <p:nvSpPr>
+          <p:cNvPr id="3" name="Titel 2"/>
+          <p:cNvSpPr>
+            <a:spLocks noGrp="1"/>
+          </p:cNvSpPr>
+          <p:nvPr>
+            <p:ph type="ctrTitle"/>
+          </p:nvPr>
+        </p:nvSpPr>
+        <p:spPr/>
+        <p:txBody>
+          <a:bodyPr/>
+          <a:lstStyle/>
+          <a:p>
+            <a:r>
+              <a:rPr lang="de-CH" dirty="0" smtClean="0"/>
+              <a:t>Lukas Hügi</a:t>
+            </a:r>
+            <a:endParaRPr lang="de-CH" dirty="0"/>
+          </a:p>
+        </p:txBody>
+      </p:sp>
+    </p:spTree>
+    <p:extLst>
+      <p:ext uri="{BB962C8B-B14F-4D97-AF65-F5344CB8AC3E}">
+        <p14:creationId xmlns:p14="http://schemas.microsoft.com/office/powerpoint/2010/main" val="1496770157"/>
+      </p:ext>
+    </p:extLst>
+  </p:cSld>
+  <p:clrMapOvr>
+    <a:masterClrMapping/>
+  </p:clrMapOvr>
+</p:sld>
+</file>
+
+<file path=ppt/slides/slide8.xml><?xml version="1.0" encoding="utf-8"?>
+<p:sld xmlns:a="http://schemas.openxmlformats.org/drawingml/2006/main" xmlns:r="http://schemas.openxmlformats.org/officeDocument/2006/relationships" xmlns:p="http://schemas.openxmlformats.org/presentationml/2006/main">
+  <p:cSld>
+    <p:spTree>
+      <p:nvGrpSpPr>
+        <p:cNvPr id="1" name=""/>
+        <p:cNvGrpSpPr/>
+        <p:nvPr/>
+      </p:nvGrpSpPr>
+      <p:grpSpPr>
+        <a:xfrm>
+          <a:off x="0" y="0"/>
+          <a:ext cx="0" cy="0"/>
+          <a:chOff x="0" y="0"/>
+          <a:chExt cx="0" cy="0"/>
+        </a:xfrm>
+      </p:grpSpPr>
+      <p:sp>
+        <p:nvSpPr>
+          <p:cNvPr id="2" name="Inhaltsplatzhalter 1"/>
+          <p:cNvSpPr>
+            <a:spLocks noGrp="1"/>
+          </p:cNvSpPr>
+          <p:nvPr>
+            <p:ph sz="half" idx="1"/>
+          </p:nvPr>
+        </p:nvSpPr>
+        <p:spPr/>
+        <p:txBody>
+          <a:bodyPr/>
+          <a:lstStyle/>
+          <a:p>
+            <a:endParaRPr lang="de-CH" dirty="0"/>
+          </a:p>
+        </p:txBody>
+      </p:sp>
+      <p:sp>
+        <p:nvSpPr>
+          <p:cNvPr id="3" name="Titel 2"/>
+          <p:cNvSpPr>
+            <a:spLocks noGrp="1"/>
+          </p:cNvSpPr>
+          <p:nvPr>
+            <p:ph type="ctrTitle"/>
+          </p:nvPr>
+        </p:nvSpPr>
+        <p:spPr/>
+        <p:txBody>
+          <a:bodyPr/>
+          <a:lstStyle/>
+          <a:p>
+            <a:r>
+              <a:rPr lang="de-CH" dirty="0" smtClean="0"/>
+              <a:t>Fabian Zwahlen</a:t>
+            </a:r>
+            <a:endParaRPr lang="de-CH" dirty="0"/>
+          </a:p>
+        </p:txBody>
+      </p:sp>
+    </p:spTree>
+    <p:extLst>
+      <p:ext uri="{BB962C8B-B14F-4D97-AF65-F5344CB8AC3E}">
+        <p14:creationId xmlns:p14="http://schemas.microsoft.com/office/powerpoint/2010/main" val="1846725204"/>
+      </p:ext>
+    </p:extLst>
+  </p:cSld>
+  <p:clrMapOvr>
+    <a:masterClrMapping/>
+  </p:clrMapOvr>
+</p:sld>
+</file>
+
+<file path=ppt/slides/slide9.xml><?xml version="1.0" encoding="utf-8"?>
+<p:sld xmlns:a="http://schemas.openxmlformats.org/drawingml/2006/main" xmlns:r="http://schemas.openxmlformats.org/officeDocument/2006/relationships" xmlns:p="http://schemas.openxmlformats.org/presentationml/2006/main">
+  <p:cSld>
+    <p:spTree>
+      <p:nvGrpSpPr>
+        <p:cNvPr id="1" name=""/>
+        <p:cNvGrpSpPr/>
+        <p:nvPr/>
+      </p:nvGrpSpPr>
+      <p:grpSpPr>
+        <a:xfrm>
+          <a:off x="0" y="0"/>
+          <a:ext cx="0" cy="0"/>
+          <a:chOff x="0" y="0"/>
+          <a:chExt cx="0" cy="0"/>
+        </a:xfrm>
+      </p:grpSpPr>
+      <p:sp>
+        <p:nvSpPr>
+          <p:cNvPr id="2" name="Inhaltsplatzhalter 1"/>
+          <p:cNvSpPr>
+            <a:spLocks noGrp="1"/>
+          </p:cNvSpPr>
+          <p:nvPr>
+            <p:ph sz="half" idx="1"/>
+          </p:nvPr>
+        </p:nvSpPr>
+        <p:spPr/>
+        <p:txBody>
+          <a:bodyPr/>
+          <a:lstStyle/>
+          <a:p>
+            <a:endParaRPr lang="de-CH" dirty="0"/>
+          </a:p>
+        </p:txBody>
+      </p:sp>
+      <p:sp>
+        <p:nvSpPr>
+          <p:cNvPr id="3" name="Titel 2"/>
+          <p:cNvSpPr>
+            <a:spLocks noGrp="1"/>
+          </p:cNvSpPr>
+          <p:nvPr>
+            <p:ph type="ctrTitle"/>
+          </p:nvPr>
+        </p:nvSpPr>
+        <p:spPr/>
+        <p:txBody>
+          <a:bodyPr/>
+          <a:lstStyle/>
+          <a:p>
+            <a:r>
+              <a:rPr lang="de-CH" dirty="0" smtClean="0"/>
+              <a:t>Christine Noser</a:t>
+            </a:r>
+            <a:endParaRPr lang="de-CH" dirty="0"/>
+          </a:p>
+        </p:txBody>
+      </p:sp>
+    </p:spTree>
+    <p:extLst>
+      <p:ext uri="{BB962C8B-B14F-4D97-AF65-F5344CB8AC3E}">
+        <p14:creationId xmlns:p14="http://schemas.microsoft.com/office/powerpoint/2010/main" val="4274507909"/>
+      </p:ext>
+    </p:extLst>
+  </p:cSld>
+  <p:clrMapOvr>
+    <a:masterClrMapping/>
+  </p:clrMapOvr>
 </p:sld>
 </file>
 
@@ -8016,6 +8766,23 @@
 </file>
 
 <file path=customXml/item1.xml><?xml version="1.0" encoding="utf-8"?>
+<?mso-contentType ?>
+<FormTemplates xmlns="http://schemas.microsoft.com/sharepoint/v3/contenttype/forms">
+  <Display>DocumentLibraryForm</Display>
+  <Edit>DocumentLibraryForm</Edit>
+  <New>DocumentLibraryForm</New>
+</FormTemplates>
+</file>
+
+<file path=customXml/item2.xml><?xml version="1.0" encoding="utf-8"?>
+<p:properties xmlns:p="http://schemas.microsoft.com/office/2006/metadata/properties" xmlns:xsi="http://www.w3.org/2001/XMLSchema-instance">
+  <documentManagement>
+    <AVMTitle xmlns="5091c847-84be-4f4f-b16c-c018ad2ca66b">Präsentation BFH_2013</AVMTitle>
+  </documentManagement>
+</p:properties>
+</file>
+
+<file path=customXml/item3.xml><?xml version="1.0" encoding="utf-8"?>
 <ct:contentTypeSchema xmlns:ct="http://schemas.microsoft.com/office/2006/metadata/contentType" xmlns:ma="http://schemas.microsoft.com/office/2006/metadata/properties/metaAttributes" ct:_="" ma:_="" ma:contentTypeName="Dokument" ma:contentTypeID="0x010100EBE3A9EFF36793468C03E2811ACE2A2B" ma:contentTypeVersion="1" ma:contentTypeDescription="Ein neues Dokument erstellen." ma:contentTypeScope="" ma:versionID="e65be32cb1bfff77fc8c9c09bf542651">
   <xsd:schema xmlns:xsd="http://www.w3.org/2001/XMLSchema" xmlns:p="http://schemas.microsoft.com/office/2006/metadata/properties" xmlns:ns2="5091c847-84be-4f4f-b16c-c018ad2ca66b" targetNamespace="http://schemas.microsoft.com/office/2006/metadata/properties" ma:root="true" ma:fieldsID="7636c84aed5b7d09a166fcef888725d4" ns2:_="">
     <xsd:import namespace="5091c847-84be-4f4f-b16c-c018ad2ca66b"/>
@@ -8075,36 +8842,10 @@
 </ct:contentTypeSchema>
 </file>
 
-<file path=customXml/item2.xml><?xml version="1.0" encoding="utf-8"?>
-<p:properties xmlns:p="http://schemas.microsoft.com/office/2006/metadata/properties" xmlns:xsi="http://www.w3.org/2001/XMLSchema-instance">
-  <documentManagement>
-    <AVMTitle xmlns="5091c847-84be-4f4f-b16c-c018ad2ca66b">Präsentation BFH_2013</AVMTitle>
-  </documentManagement>
-</p:properties>
-</file>
-
-<file path=customXml/item3.xml><?xml version="1.0" encoding="utf-8"?>
-<?mso-contentType ?>
-<FormTemplates xmlns="http://schemas.microsoft.com/sharepoint/v3/contenttype/forms">
-  <Display>DocumentLibraryForm</Display>
-  <Edit>DocumentLibraryForm</Edit>
-  <New>DocumentLibraryForm</New>
-</FormTemplates>
-</file>
-
 <file path=customXml/itemProps1.xml><?xml version="1.0" encoding="utf-8"?>
-<ds:datastoreItem xmlns:ds="http://schemas.openxmlformats.org/officeDocument/2006/customXml" ds:itemID="{15287BEA-F3FF-4B87-929B-5D0092183197}">
+<ds:datastoreItem xmlns:ds="http://schemas.openxmlformats.org/officeDocument/2006/customXml" ds:itemID="{1851D33F-E468-417B-A30C-509B68D2BD09}">
   <ds:schemaRefs>
-    <ds:schemaRef ds:uri="http://schemas.microsoft.com/office/2006/metadata/contentType"/>
-    <ds:schemaRef ds:uri="http://schemas.microsoft.com/office/2006/metadata/properties/metaAttributes"/>
-    <ds:schemaRef ds:uri="http://www.w3.org/2001/XMLSchema"/>
-    <ds:schemaRef ds:uri="http://schemas.microsoft.com/office/2006/metadata/properties"/>
-    <ds:schemaRef ds:uri="5091c847-84be-4f4f-b16c-c018ad2ca66b"/>
-    <ds:schemaRef ds:uri="http://schemas.microsoft.com/office/2006/documentManagement/types"/>
-    <ds:schemaRef ds:uri="http://schemas.openxmlformats.org/package/2006/metadata/core-properties"/>
-    <ds:schemaRef ds:uri="http://purl.org/dc/elements/1.1/"/>
-    <ds:schemaRef ds:uri="http://purl.org/dc/terms/"/>
-    <ds:schemaRef ds:uri="http://schemas.microsoft.com/office/internal/2005/internalDocumentation"/>
+    <ds:schemaRef ds:uri="http://schemas.microsoft.com/sharepoint/v3/contenttype/forms"/>
   </ds:schemaRefs>
 </ds:datastoreItem>
 </file>
@@ -8125,9 +8866,18 @@
 </file>
 
 <file path=customXml/itemProps3.xml><?xml version="1.0" encoding="utf-8"?>
-<ds:datastoreItem xmlns:ds="http://schemas.openxmlformats.org/officeDocument/2006/customXml" ds:itemID="{1851D33F-E468-417B-A30C-509B68D2BD09}">
+<ds:datastoreItem xmlns:ds="http://schemas.openxmlformats.org/officeDocument/2006/customXml" ds:itemID="{15287BEA-F3FF-4B87-929B-5D0092183197}">
   <ds:schemaRefs>
-    <ds:schemaRef ds:uri="http://schemas.microsoft.com/sharepoint/v3/contenttype/forms"/>
+    <ds:schemaRef ds:uri="http://schemas.microsoft.com/office/2006/metadata/contentType"/>
+    <ds:schemaRef ds:uri="http://schemas.microsoft.com/office/2006/metadata/properties/metaAttributes"/>
+    <ds:schemaRef ds:uri="http://www.w3.org/2001/XMLSchema"/>
+    <ds:schemaRef ds:uri="http://schemas.microsoft.com/office/2006/metadata/properties"/>
+    <ds:schemaRef ds:uri="5091c847-84be-4f4f-b16c-c018ad2ca66b"/>
+    <ds:schemaRef ds:uri="http://schemas.microsoft.com/office/2006/documentManagement/types"/>
+    <ds:schemaRef ds:uri="http://schemas.openxmlformats.org/package/2006/metadata/core-properties"/>
+    <ds:schemaRef ds:uri="http://purl.org/dc/elements/1.1/"/>
+    <ds:schemaRef ds:uri="http://purl.org/dc/terms/"/>
+    <ds:schemaRef ds:uri="http://schemas.microsoft.com/office/internal/2005/internalDocumentation"/>
   </ds:schemaRefs>
 </ds:datastoreItem>
 </file>
--- a/doc/task14/Task14.pptx
+++ b/doc/task14/Task14.pptx
@@ -7196,6 +7196,46 @@
           <a:bodyPr/>
           <a:lstStyle/>
           <a:p>
+            <a:r>
+              <a:rPr lang="de-CH" dirty="0" smtClean="0"/>
+              <a:t>Lukas Hügi</a:t>
+            </a:r>
+          </a:p>
+          <a:p>
+            <a:endParaRPr lang="de-CH" dirty="0"/>
+          </a:p>
+          <a:p>
+            <a:r>
+              <a:rPr lang="de-CH" dirty="0" smtClean="0"/>
+              <a:t>Stefan Iseli</a:t>
+            </a:r>
+          </a:p>
+          <a:p>
+            <a:endParaRPr lang="de-CH" dirty="0"/>
+          </a:p>
+          <a:p>
+            <a:r>
+              <a:rPr lang="de-CH" dirty="0" smtClean="0"/>
+              <a:t>Christine Noser</a:t>
+            </a:r>
+          </a:p>
+          <a:p>
+            <a:endParaRPr lang="de-CH" dirty="0"/>
+          </a:p>
+          <a:p>
+            <a:r>
+              <a:rPr lang="de-CH" dirty="0" smtClean="0"/>
+              <a:t>Tim Dorner</a:t>
+            </a:r>
+          </a:p>
+          <a:p>
+            <a:endParaRPr lang="de-CH" dirty="0"/>
+          </a:p>
+          <a:p>
+            <a:r>
+              <a:rPr lang="de-CH" smtClean="0"/>
+              <a:t>Fabian Zwahlen</a:t>
+            </a:r>
             <a:endParaRPr lang="de-CH" dirty="0"/>
           </a:p>
         </p:txBody>
@@ -7326,65 +7366,35 @@
           <a:lstStyle/>
           <a:p>
             <a:r>
-              <a:rPr lang="de-CH" dirty="0" smtClean="0"/>
+              <a:rPr lang="de-CH" sz="2400" dirty="0" smtClean="0"/>
               <a:t>Live Demo</a:t>
             </a:r>
           </a:p>
           <a:p>
             <a:r>
-              <a:rPr lang="de-CH" dirty="0" err="1" smtClean="0"/>
-              <a:t>Stuff</a:t>
-            </a:r>
-            <a:r>
-              <a:rPr lang="de-CH" dirty="0" smtClean="0"/>
+              <a:rPr lang="de-CH" sz="2400" dirty="0" smtClean="0"/>
+              <a:t>Personal </a:t>
+            </a:r>
+            <a:r>
+              <a:rPr lang="de-CH" sz="2400" dirty="0" err="1" smtClean="0"/>
+              <a:t>Contribution</a:t>
+            </a:r>
+            <a:endParaRPr lang="de-CH" sz="2400" dirty="0" smtClean="0"/>
+          </a:p>
+          <a:p>
+            <a:r>
+              <a:rPr lang="de-CH" sz="2400" dirty="0" err="1" smtClean="0"/>
+              <a:t>Lessons</a:t>
+            </a:r>
+            <a:r>
+              <a:rPr lang="de-CH" sz="2400" dirty="0" smtClean="0"/>
               <a:t> </a:t>
             </a:r>
             <a:r>
-              <a:rPr lang="de-CH" dirty="0" err="1" smtClean="0"/>
-              <a:t>of</a:t>
-            </a:r>
-            <a:r>
-              <a:rPr lang="de-CH" dirty="0" smtClean="0"/>
-              <a:t> </a:t>
-            </a:r>
-            <a:r>
-              <a:rPr lang="de-CH" dirty="0" err="1" smtClean="0"/>
-              <a:t>each</a:t>
-            </a:r>
-            <a:r>
-              <a:rPr lang="de-CH" dirty="0" smtClean="0"/>
-              <a:t> </a:t>
-            </a:r>
-            <a:r>
-              <a:rPr lang="de-CH" dirty="0" err="1" smtClean="0"/>
-              <a:t>team</a:t>
-            </a:r>
-            <a:r>
-              <a:rPr lang="de-CH" dirty="0" smtClean="0"/>
-              <a:t> </a:t>
-            </a:r>
-            <a:r>
-              <a:rPr lang="de-CH" dirty="0" err="1" smtClean="0"/>
-              <a:t>member</a:t>
-            </a:r>
-            <a:endParaRPr lang="de-CH" dirty="0" smtClean="0"/>
-          </a:p>
-          <a:p>
-            <a:pPr lvl="1"/>
-            <a:endParaRPr lang="de-CH" dirty="0" smtClean="0"/>
-          </a:p>
-          <a:p>
-            <a:r>
-              <a:rPr lang="de-CH" dirty="0" smtClean="0"/>
-              <a:t>Knowledge</a:t>
-            </a:r>
-          </a:p>
-          <a:p>
-            <a:r>
-              <a:rPr lang="de-CH" dirty="0" err="1" smtClean="0"/>
-              <a:t>feedback</a:t>
-            </a:r>
-            <a:endParaRPr lang="de-CH" dirty="0" smtClean="0"/>
+              <a:rPr lang="de-CH" sz="2400" dirty="0" err="1" smtClean="0"/>
+              <a:t>learnt</a:t>
+            </a:r>
+            <a:endParaRPr lang="de-CH" sz="2400" dirty="0" smtClean="0"/>
           </a:p>
           <a:p>
             <a:endParaRPr lang="de-CH" dirty="0"/>
@@ -8766,23 +8776,6 @@
 </file>
 
 <file path=customXml/item1.xml><?xml version="1.0" encoding="utf-8"?>
-<?mso-contentType ?>
-<FormTemplates xmlns="http://schemas.microsoft.com/sharepoint/v3/contenttype/forms">
-  <Display>DocumentLibraryForm</Display>
-  <Edit>DocumentLibraryForm</Edit>
-  <New>DocumentLibraryForm</New>
-</FormTemplates>
-</file>
-
-<file path=customXml/item2.xml><?xml version="1.0" encoding="utf-8"?>
-<p:properties xmlns:p="http://schemas.microsoft.com/office/2006/metadata/properties" xmlns:xsi="http://www.w3.org/2001/XMLSchema-instance">
-  <documentManagement>
-    <AVMTitle xmlns="5091c847-84be-4f4f-b16c-c018ad2ca66b">Präsentation BFH_2013</AVMTitle>
-  </documentManagement>
-</p:properties>
-</file>
-
-<file path=customXml/item3.xml><?xml version="1.0" encoding="utf-8"?>
 <ct:contentTypeSchema xmlns:ct="http://schemas.microsoft.com/office/2006/metadata/contentType" xmlns:ma="http://schemas.microsoft.com/office/2006/metadata/properties/metaAttributes" ct:_="" ma:_="" ma:contentTypeName="Dokument" ma:contentTypeID="0x010100EBE3A9EFF36793468C03E2811ACE2A2B" ma:contentTypeVersion="1" ma:contentTypeDescription="Ein neues Dokument erstellen." ma:contentTypeScope="" ma:versionID="e65be32cb1bfff77fc8c9c09bf542651">
   <xsd:schema xmlns:xsd="http://www.w3.org/2001/XMLSchema" xmlns:p="http://schemas.microsoft.com/office/2006/metadata/properties" xmlns:ns2="5091c847-84be-4f4f-b16c-c018ad2ca66b" targetNamespace="http://schemas.microsoft.com/office/2006/metadata/properties" ma:root="true" ma:fieldsID="7636c84aed5b7d09a166fcef888725d4" ns2:_="">
     <xsd:import namespace="5091c847-84be-4f4f-b16c-c018ad2ca66b"/>
@@ -8842,10 +8835,36 @@
 </ct:contentTypeSchema>
 </file>
 
+<file path=customXml/item2.xml><?xml version="1.0" encoding="utf-8"?>
+<p:properties xmlns:p="http://schemas.microsoft.com/office/2006/metadata/properties" xmlns:xsi="http://www.w3.org/2001/XMLSchema-instance">
+  <documentManagement>
+    <AVMTitle xmlns="5091c847-84be-4f4f-b16c-c018ad2ca66b">Präsentation BFH_2013</AVMTitle>
+  </documentManagement>
+</p:properties>
+</file>
+
+<file path=customXml/item3.xml><?xml version="1.0" encoding="utf-8"?>
+<?mso-contentType ?>
+<FormTemplates xmlns="http://schemas.microsoft.com/sharepoint/v3/contenttype/forms">
+  <Display>DocumentLibraryForm</Display>
+  <Edit>DocumentLibraryForm</Edit>
+  <New>DocumentLibraryForm</New>
+</FormTemplates>
+</file>
+
 <file path=customXml/itemProps1.xml><?xml version="1.0" encoding="utf-8"?>
-<ds:datastoreItem xmlns:ds="http://schemas.openxmlformats.org/officeDocument/2006/customXml" ds:itemID="{1851D33F-E468-417B-A30C-509B68D2BD09}">
+<ds:datastoreItem xmlns:ds="http://schemas.openxmlformats.org/officeDocument/2006/customXml" ds:itemID="{15287BEA-F3FF-4B87-929B-5D0092183197}">
   <ds:schemaRefs>
-    <ds:schemaRef ds:uri="http://schemas.microsoft.com/sharepoint/v3/contenttype/forms"/>
+    <ds:schemaRef ds:uri="http://schemas.microsoft.com/office/2006/metadata/contentType"/>
+    <ds:schemaRef ds:uri="http://schemas.microsoft.com/office/2006/metadata/properties/metaAttributes"/>
+    <ds:schemaRef ds:uri="http://www.w3.org/2001/XMLSchema"/>
+    <ds:schemaRef ds:uri="http://schemas.microsoft.com/office/2006/metadata/properties"/>
+    <ds:schemaRef ds:uri="5091c847-84be-4f4f-b16c-c018ad2ca66b"/>
+    <ds:schemaRef ds:uri="http://schemas.microsoft.com/office/2006/documentManagement/types"/>
+    <ds:schemaRef ds:uri="http://schemas.openxmlformats.org/package/2006/metadata/core-properties"/>
+    <ds:schemaRef ds:uri="http://purl.org/dc/elements/1.1/"/>
+    <ds:schemaRef ds:uri="http://purl.org/dc/terms/"/>
+    <ds:schemaRef ds:uri="http://schemas.microsoft.com/office/internal/2005/internalDocumentation"/>
   </ds:schemaRefs>
 </ds:datastoreItem>
 </file>
@@ -8866,18 +8885,9 @@
 </file>
 
 <file path=customXml/itemProps3.xml><?xml version="1.0" encoding="utf-8"?>
-<ds:datastoreItem xmlns:ds="http://schemas.openxmlformats.org/officeDocument/2006/customXml" ds:itemID="{15287BEA-F3FF-4B87-929B-5D0092183197}">
+<ds:datastoreItem xmlns:ds="http://schemas.openxmlformats.org/officeDocument/2006/customXml" ds:itemID="{1851D33F-E468-417B-A30C-509B68D2BD09}">
   <ds:schemaRefs>
-    <ds:schemaRef ds:uri="http://schemas.microsoft.com/office/2006/metadata/contentType"/>
-    <ds:schemaRef ds:uri="http://schemas.microsoft.com/office/2006/metadata/properties/metaAttributes"/>
-    <ds:schemaRef ds:uri="http://www.w3.org/2001/XMLSchema"/>
-    <ds:schemaRef ds:uri="http://schemas.microsoft.com/office/2006/metadata/properties"/>
-    <ds:schemaRef ds:uri="5091c847-84be-4f4f-b16c-c018ad2ca66b"/>
-    <ds:schemaRef ds:uri="http://schemas.microsoft.com/office/2006/documentManagement/types"/>
-    <ds:schemaRef ds:uri="http://schemas.openxmlformats.org/package/2006/metadata/core-properties"/>
-    <ds:schemaRef ds:uri="http://purl.org/dc/elements/1.1/"/>
-    <ds:schemaRef ds:uri="http://purl.org/dc/terms/"/>
-    <ds:schemaRef ds:uri="http://schemas.microsoft.com/office/internal/2005/internalDocumentation"/>
+    <ds:schemaRef ds:uri="http://schemas.microsoft.com/sharepoint/v3/contenttype/forms"/>
   </ds:schemaRefs>
 </ds:datastoreItem>
 </file>
--- a/doc/task14/Task14.pptx
+++ b/doc/task14/Task14.pptx
@@ -5,26 +5,29 @@
     <p:sldMasterId id="2147483669" r:id="rId4"/>
   </p:sldMasterIdLst>
   <p:notesMasterIdLst>
-    <p:notesMasterId r:id="rId19"/>
+    <p:notesMasterId r:id="rId22"/>
   </p:notesMasterIdLst>
   <p:handoutMasterIdLst>
-    <p:handoutMasterId r:id="rId20"/>
+    <p:handoutMasterId r:id="rId23"/>
   </p:handoutMasterIdLst>
   <p:sldIdLst>
     <p:sldId id="259" r:id="rId5"/>
     <p:sldId id="310" r:id="rId6"/>
     <p:sldId id="309" r:id="rId7"/>
     <p:sldId id="308" r:id="rId8"/>
-    <p:sldId id="312" r:id="rId9"/>
-    <p:sldId id="313" r:id="rId10"/>
-    <p:sldId id="314" r:id="rId11"/>
+    <p:sldId id="316" r:id="rId9"/>
+    <p:sldId id="314" r:id="rId10"/>
+    <p:sldId id="313" r:id="rId11"/>
     <p:sldId id="315" r:id="rId12"/>
-    <p:sldId id="316" r:id="rId13"/>
+    <p:sldId id="312" r:id="rId13"/>
     <p:sldId id="311" r:id="rId14"/>
     <p:sldId id="318" r:id="rId15"/>
-    <p:sldId id="317" r:id="rId16"/>
-    <p:sldId id="319" r:id="rId17"/>
-    <p:sldId id="305" r:id="rId18"/>
+    <p:sldId id="322" r:id="rId16"/>
+    <p:sldId id="321" r:id="rId17"/>
+    <p:sldId id="320" r:id="rId18"/>
+    <p:sldId id="317" r:id="rId19"/>
+    <p:sldId id="319" r:id="rId20"/>
+    <p:sldId id="305" r:id="rId21"/>
   </p:sldIdLst>
   <p:sldSz cx="9144000" cy="6858000" type="screen4x3"/>
   <p:notesSz cx="6669088" cy="9926638"/>
@@ -268,7 +271,7 @@
           <a:p>
             <a:fld id="{EFA0D184-D464-48E9-9CA0-A94E873F6C2C}" type="datetimeFigureOut">
               <a:rPr lang="de-CH" smtClean="0"/>
-              <a:t>tt.01.jjjj</a:t>
+              <a:t>20.01.2016</a:t>
             </a:fld>
             <a:endParaRPr lang="de-CH"/>
           </a:p>
@@ -334,7 +337,7 @@
           <a:p>
             <a:fld id="{5F377753-DB7C-4FA7-98FC-17681D88797A}" type="slidenum">
               <a:rPr lang="de-CH" smtClean="0"/>
-              <a:t>‹Nr.›</a:t>
+              <a:t>‹#›</a:t>
             </a:fld>
             <a:endParaRPr lang="de-CH"/>
           </a:p>
@@ -433,7 +436,7 @@
           <a:p>
             <a:fld id="{5AF2B663-2BA9-4D7E-8201-5DE4109E1EDD}" type="datetimeFigureOut">
               <a:rPr lang="de-CH" smtClean="0"/>
-              <a:t>tt.01.jjjj</a:t>
+              <a:t>20.01.2016</a:t>
             </a:fld>
             <a:endParaRPr lang="de-CH"/>
           </a:p>
@@ -592,7 +595,7 @@
           <a:p>
             <a:fld id="{37E44704-8E6D-4CF2-8CFA-A0F7BC751896}" type="slidenum">
               <a:rPr lang="de-CH" smtClean="0"/>
-              <a:t>‹Nr.›</a:t>
+              <a:t>‹#›</a:t>
             </a:fld>
             <a:endParaRPr lang="de-CH"/>
           </a:p>
@@ -850,7 +853,7 @@
           <a:p>
             <a:fld id="{37E44704-8E6D-4CF2-8CFA-A0F7BC751896}" type="slidenum">
               <a:rPr lang="de-CH" smtClean="0"/>
-              <a:t>13</a:t>
+              <a:t>16</a:t>
             </a:fld>
             <a:endParaRPr lang="de-CH"/>
           </a:p>
@@ -2211,7 +2214,7 @@
           <a:p>
             <a:fld id="{F19AE9A8-34D4-4E8C-BE9C-13C550F1BED0}" type="slidenum">
               <a:rPr lang="de-CH" smtClean="0"/>
-              <a:t>‹Nr.›</a:t>
+              <a:t>‹#›</a:t>
             </a:fld>
             <a:endParaRPr lang="de-CH" dirty="0"/>
           </a:p>
@@ -2264,7 +2267,7 @@
           <a:p>
             <a:fld id="{F19AE9A8-34D4-4E8C-BE9C-13C550F1BED0}" type="slidenum">
               <a:rPr lang="de-CH" smtClean="0"/>
-              <a:t>‹Nr.›</a:t>
+              <a:t>‹#›</a:t>
             </a:fld>
             <a:endParaRPr lang="de-CH" dirty="0"/>
           </a:p>
@@ -3295,7 +3298,7 @@
           <a:p>
             <a:fld id="{F19AE9A8-34D4-4E8C-BE9C-13C550F1BED0}" type="slidenum">
               <a:rPr lang="de-CH" smtClean="0"/>
-              <a:t>‹Nr.›</a:t>
+              <a:t>‹#›</a:t>
             </a:fld>
             <a:endParaRPr lang="de-CH" dirty="0"/>
           </a:p>
@@ -3684,7 +3687,7 @@
           <a:p>
             <a:fld id="{F19AE9A8-34D4-4E8C-BE9C-13C550F1BED0}" type="slidenum">
               <a:rPr lang="de-CH" smtClean="0"/>
-              <a:t>‹Nr.›</a:t>
+              <a:t>‹#›</a:t>
             </a:fld>
             <a:endParaRPr lang="de-CH" dirty="0"/>
           </a:p>
@@ -3911,7 +3914,7 @@
           <a:p>
             <a:fld id="{F19AE9A8-34D4-4E8C-BE9C-13C550F1BED0}" type="slidenum">
               <a:rPr lang="de-CH" smtClean="0"/>
-              <a:t>‹Nr.›</a:t>
+              <a:t>‹#›</a:t>
             </a:fld>
             <a:endParaRPr lang="de-CH" dirty="0"/>
           </a:p>
@@ -4212,7 +4215,7 @@
           <a:p>
             <a:fld id="{F19AE9A8-34D4-4E8C-BE9C-13C550F1BED0}" type="slidenum">
               <a:rPr lang="de-CH" smtClean="0"/>
-              <a:t>‹Nr.›</a:t>
+              <a:t>‹#›</a:t>
             </a:fld>
             <a:endParaRPr lang="de-CH" dirty="0"/>
           </a:p>
@@ -4735,7 +4738,7 @@
           <a:p>
             <a:fld id="{F19AE9A8-34D4-4E8C-BE9C-13C550F1BED0}" type="slidenum">
               <a:rPr lang="de-CH" smtClean="0"/>
-              <a:t>‹Nr.›</a:t>
+              <a:t>‹#›</a:t>
             </a:fld>
             <a:endParaRPr lang="de-CH" dirty="0"/>
           </a:p>
@@ -5258,7 +5261,7 @@
           <a:p>
             <a:fld id="{F19AE9A8-34D4-4E8C-BE9C-13C550F1BED0}" type="slidenum">
               <a:rPr lang="de-CH" smtClean="0"/>
-              <a:t>‹Nr.›</a:t>
+              <a:t>‹#›</a:t>
             </a:fld>
             <a:endParaRPr lang="de-CH" dirty="0"/>
           </a:p>
@@ -5985,7 +5988,7 @@
             <a:fld id="{F19AE9A8-34D4-4E8C-BE9C-13C550F1BED0}" type="slidenum">
               <a:rPr lang="de-CH" smtClean="0"/>
               <a:pPr/>
-              <a:t>‹Nr.›</a:t>
+              <a:t>‹#›</a:t>
             </a:fld>
             <a:endParaRPr lang="de-CH" dirty="0"/>
           </a:p>
@@ -6371,7 +6374,7 @@
             <a:fld id="{F19AE9A8-34D4-4E8C-BE9C-13C550F1BED0}" type="slidenum">
               <a:rPr lang="de-CH" smtClean="0"/>
               <a:pPr/>
-              <a:t>‹Nr.›</a:t>
+              <a:t>‹#›</a:t>
             </a:fld>
             <a:endParaRPr lang="de-CH" dirty="0"/>
           </a:p>
@@ -7002,6 +7005,37 @@
           <a:bodyPr/>
           <a:lstStyle/>
           <a:p>
+            <a:r>
+              <a:rPr lang="de-CH" dirty="0" smtClean="0"/>
+              <a:t>Ausführlicher</a:t>
+            </a:r>
+          </a:p>
+          <a:p>
+            <a:r>
+              <a:rPr lang="de-CH" dirty="0" smtClean="0"/>
+              <a:t>Zu wenig Informationen</a:t>
+            </a:r>
+          </a:p>
+          <a:p>
+            <a:r>
+              <a:rPr lang="de-CH" dirty="0" smtClean="0"/>
+              <a:t>Zu wenig Vorkentnisse</a:t>
+            </a:r>
+          </a:p>
+          <a:p>
+            <a:r>
+              <a:rPr lang="de-CH" dirty="0" smtClean="0"/>
+              <a:t>Wurden zu wenig berücksichtigt</a:t>
+            </a:r>
+          </a:p>
+          <a:p>
+            <a:r>
+              <a:rPr lang="de-CH" dirty="0" smtClean="0"/>
+              <a:t>Fantasievoller</a:t>
+            </a:r>
+            <a:endParaRPr lang="de-CH" dirty="0" smtClean="0"/>
+          </a:p>
+          <a:p>
             <a:endParaRPr lang="de-CH" dirty="0" smtClean="0"/>
           </a:p>
         </p:txBody>
@@ -7022,30 +7056,10 @@
           <a:lstStyle/>
           <a:p>
             <a:r>
-              <a:rPr lang="de-CH" sz="2000" dirty="0" err="1" smtClean="0"/>
-              <a:t>storyboard</a:t>
-            </a:r>
-            <a:r>
-              <a:rPr lang="de-CH" sz="2000" dirty="0" smtClean="0"/>
-              <a:t> </a:t>
-            </a:r>
-            <a:r>
-              <a:rPr lang="de-CH" sz="2000" dirty="0"/>
-              <a:t>↔ </a:t>
-            </a:r>
-            <a:r>
-              <a:rPr lang="de-CH" sz="2000" dirty="0" err="1"/>
-              <a:t>requirements</a:t>
-            </a:r>
-            <a:r>
-              <a:rPr lang="de-CH" sz="2000" dirty="0"/>
-              <a:t> ↔design ↔</a:t>
-            </a:r>
-            <a:r>
-              <a:rPr lang="de-CH" sz="2000" dirty="0" err="1"/>
-              <a:t>implementation</a:t>
-            </a:r>
-            <a:endParaRPr lang="de-CH" sz="2000" dirty="0"/>
+              <a:rPr lang="de-CH" sz="2800" dirty="0" smtClean="0"/>
+              <a:t>Storyboard</a:t>
+            </a:r>
+            <a:endParaRPr lang="de-CH" sz="2800" dirty="0"/>
           </a:p>
         </p:txBody>
       </p:sp>
@@ -7096,27 +7110,48 @@
           <a:p>
             <a:r>
               <a:rPr lang="de-CH" dirty="0" smtClean="0"/>
-              <a:t>Scrum1</a:t>
-            </a:r>
-          </a:p>
-          <a:p>
-            <a:endParaRPr lang="de-CH" dirty="0"/>
+              <a:t>Fehlende Use Cases</a:t>
+            </a:r>
           </a:p>
           <a:p>
             <a:r>
               <a:rPr lang="de-CH" dirty="0" smtClean="0"/>
-              <a:t>Scrum2</a:t>
-            </a:r>
-          </a:p>
-          <a:p>
-            <a:endParaRPr lang="de-CH" dirty="0"/>
-          </a:p>
-          <a:p>
-            <a:r>
-              <a:rPr lang="de-CH" dirty="0" smtClean="0"/>
-              <a:t>Scrum3</a:t>
-            </a:r>
-            <a:endParaRPr lang="de-CH" dirty="0"/>
+              <a:t>Ziemlich ausfühlich </a:t>
+            </a:r>
+            <a:r>
+              <a:rPr lang="de-CH" dirty="0" smtClean="0">
+                <a:sym typeface="Wingdings" panose="05000000000000000000" pitchFamily="2" charset="2"/>
+              </a:rPr>
+              <a:t> Praktisch fürs weitere Vorgehen</a:t>
+            </a:r>
+          </a:p>
+          <a:p>
+            <a:r>
+              <a:rPr lang="de-CH" dirty="0" smtClean="0">
+                <a:sym typeface="Wingdings" panose="05000000000000000000" pitchFamily="2" charset="2"/>
+              </a:rPr>
+              <a:t>Interview weniger hilfreich</a:t>
+            </a:r>
+          </a:p>
+          <a:p>
+            <a:pPr lvl="1"/>
+            <a:r>
+              <a:rPr lang="de-CH" dirty="0" smtClean="0">
+                <a:sym typeface="Wingdings" panose="05000000000000000000" pitchFamily="2" charset="2"/>
+              </a:rPr>
+              <a:t>Wenn dann mehrere</a:t>
+            </a:r>
+          </a:p>
+          <a:p>
+            <a:r>
+              <a:rPr lang="de-CH" dirty="0" smtClean="0">
+                <a:sym typeface="Wingdings" panose="05000000000000000000" pitchFamily="2" charset="2"/>
+              </a:rPr>
+              <a:t>Projekt von Beginn begrenzen  Detailliertere Requirements</a:t>
+            </a:r>
+          </a:p>
+          <a:p>
+            <a:endParaRPr lang="de-CH" dirty="0" smtClean="0"/>
           </a:p>
         </p:txBody>
       </p:sp>
@@ -7136,25 +7171,21 @@
           <a:lstStyle/>
           <a:p>
             <a:r>
-              <a:rPr lang="de-CH" dirty="0" err="1" smtClean="0"/>
-              <a:t>Scrum</a:t>
-            </a:r>
-            <a:r>
-              <a:rPr lang="de-CH" dirty="0" smtClean="0"/>
+              <a:rPr lang="de-CH" sz="2800" dirty="0" smtClean="0"/>
+              <a:t>Requirements</a:t>
+            </a:r>
+            <a:r>
+              <a:rPr lang="de-CH" sz="2000" dirty="0" smtClean="0"/>
               <a:t> </a:t>
             </a:r>
-            <a:r>
-              <a:rPr lang="de-CH" dirty="0" err="1" smtClean="0"/>
-              <a:t>retrospective</a:t>
-            </a:r>
-            <a:endParaRPr lang="de-CH" dirty="0"/>
+            <a:endParaRPr lang="de-CH" sz="2000" dirty="0"/>
           </a:p>
         </p:txBody>
       </p:sp>
     </p:spTree>
     <p:extLst>
       <p:ext uri="{BB962C8B-B14F-4D97-AF65-F5344CB8AC3E}">
-        <p14:creationId xmlns:p14="http://schemas.microsoft.com/office/powerpoint/2010/main" val="1121024654"/>
+        <p14:creationId xmlns:p14="http://schemas.microsoft.com/office/powerpoint/2010/main" val="3636430964"/>
       </p:ext>
     </p:extLst>
   </p:cSld>
@@ -7198,7 +7229,389 @@
           <a:p>
             <a:r>
               <a:rPr lang="de-CH" dirty="0" smtClean="0"/>
+              <a:t>Praktische Mock-Ups</a:t>
+            </a:r>
+          </a:p>
+          <a:p>
+            <a:r>
+              <a:rPr lang="de-CH" dirty="0" smtClean="0"/>
+              <a:t>Teils sehr Detailliert</a:t>
+            </a:r>
+          </a:p>
+          <a:p>
+            <a:r>
+              <a:rPr lang="de-CH" dirty="0" smtClean="0"/>
+              <a:t>Vaadin Testframwork vor Mock-Ups</a:t>
+            </a:r>
+          </a:p>
+          <a:p>
+            <a:r>
+              <a:rPr lang="de-CH" dirty="0" smtClean="0"/>
+              <a:t>Evaluation durch mehrere Personen</a:t>
+            </a:r>
+          </a:p>
+          <a:p>
+            <a:r>
+              <a:rPr lang="de-CH" dirty="0" smtClean="0"/>
+              <a:t>Evaluation durch Leien und Fachpersonen</a:t>
+            </a:r>
+            <a:endParaRPr lang="de-CH" dirty="0" smtClean="0"/>
+          </a:p>
+        </p:txBody>
+      </p:sp>
+      <p:sp>
+        <p:nvSpPr>
+          <p:cNvPr id="3" name="Titel 2"/>
+          <p:cNvSpPr>
+            <a:spLocks noGrp="1"/>
+          </p:cNvSpPr>
+          <p:nvPr>
+            <p:ph type="ctrTitle"/>
+          </p:nvPr>
+        </p:nvSpPr>
+        <p:spPr>
+          <a:xfrm>
+            <a:off x="468000" y="360000"/>
+            <a:ext cx="8100000" cy="540000"/>
+          </a:xfrm>
+        </p:spPr>
+        <p:txBody>
+          <a:bodyPr/>
+          <a:lstStyle/>
+          <a:p>
+            <a:r>
+              <a:rPr lang="de-CH" sz="2800" dirty="0" smtClean="0"/>
+              <a:t>Design</a:t>
+            </a:r>
+            <a:endParaRPr lang="de-CH" sz="2800" dirty="0"/>
+          </a:p>
+        </p:txBody>
+      </p:sp>
+    </p:spTree>
+    <p:extLst>
+      <p:ext uri="{BB962C8B-B14F-4D97-AF65-F5344CB8AC3E}">
+        <p14:creationId xmlns:p14="http://schemas.microsoft.com/office/powerpoint/2010/main" val="3588187025"/>
+      </p:ext>
+    </p:extLst>
+  </p:cSld>
+  <p:clrMapOvr>
+    <a:masterClrMapping/>
+  </p:clrMapOvr>
+</p:sld>
+</file>
+
+<file path=ppt/slides/slide14.xml><?xml version="1.0" encoding="utf-8"?>
+<p:sld xmlns:a="http://schemas.openxmlformats.org/drawingml/2006/main" xmlns:r="http://schemas.openxmlformats.org/officeDocument/2006/relationships" xmlns:p="http://schemas.openxmlformats.org/presentationml/2006/main">
+  <p:cSld>
+    <p:spTree>
+      <p:nvGrpSpPr>
+        <p:cNvPr id="1" name=""/>
+        <p:cNvGrpSpPr/>
+        <p:nvPr/>
+      </p:nvGrpSpPr>
+      <p:grpSpPr>
+        <a:xfrm>
+          <a:off x="0" y="0"/>
+          <a:ext cx="0" cy="0"/>
+          <a:chOff x="0" y="0"/>
+          <a:chExt cx="0" cy="0"/>
+        </a:xfrm>
+      </p:grpSpPr>
+      <p:sp>
+        <p:nvSpPr>
+          <p:cNvPr id="2" name="Inhaltsplatzhalter 1"/>
+          <p:cNvSpPr>
+            <a:spLocks noGrp="1"/>
+          </p:cNvSpPr>
+          <p:nvPr>
+            <p:ph sz="half" idx="1"/>
+          </p:nvPr>
+        </p:nvSpPr>
+        <p:spPr/>
+        <p:txBody>
+          <a:bodyPr/>
+          <a:lstStyle/>
+          <a:p>
+            <a:r>
+              <a:rPr lang="de-CH" dirty="0" smtClean="0"/>
+              <a:t>Vielmals fehlendes Wissen</a:t>
+            </a:r>
+          </a:p>
+          <a:p>
+            <a:r>
+              <a:rPr lang="de-CH" dirty="0" smtClean="0"/>
+              <a:t>Testumgebung erst nach DB-Integration möglich</a:t>
+            </a:r>
+          </a:p>
+          <a:p>
+            <a:r>
+              <a:rPr lang="de-CH" dirty="0" smtClean="0"/>
+              <a:t>Implementation der DB am schluss OK</a:t>
+            </a:r>
+          </a:p>
+          <a:p>
+            <a:r>
+              <a:rPr lang="de-CH" dirty="0" smtClean="0"/>
+              <a:t>JPA Klassen jedoch zu Beginn</a:t>
+            </a:r>
+          </a:p>
+          <a:p>
+            <a:r>
+              <a:rPr lang="de-CH" dirty="0" smtClean="0"/>
+              <a:t>Unterschiedliches Wissen</a:t>
+            </a:r>
+          </a:p>
+        </p:txBody>
+      </p:sp>
+      <p:sp>
+        <p:nvSpPr>
+          <p:cNvPr id="3" name="Titel 2"/>
+          <p:cNvSpPr>
+            <a:spLocks noGrp="1"/>
+          </p:cNvSpPr>
+          <p:nvPr>
+            <p:ph type="ctrTitle"/>
+          </p:nvPr>
+        </p:nvSpPr>
+        <p:spPr/>
+        <p:txBody>
+          <a:bodyPr/>
+          <a:lstStyle/>
+          <a:p>
+            <a:r>
+              <a:rPr lang="de-CH" sz="2800" dirty="0" smtClean="0"/>
+              <a:t>Implementation</a:t>
+            </a:r>
+            <a:endParaRPr lang="de-CH" sz="2800" dirty="0"/>
+          </a:p>
+        </p:txBody>
+      </p:sp>
+    </p:spTree>
+    <p:extLst>
+      <p:ext uri="{BB962C8B-B14F-4D97-AF65-F5344CB8AC3E}">
+        <p14:creationId xmlns:p14="http://schemas.microsoft.com/office/powerpoint/2010/main" val="2472529032"/>
+      </p:ext>
+    </p:extLst>
+  </p:cSld>
+  <p:clrMapOvr>
+    <a:masterClrMapping/>
+  </p:clrMapOvr>
+</p:sld>
+</file>
+
+<file path=ppt/slides/slide15.xml><?xml version="1.0" encoding="utf-8"?>
+<p:sld xmlns:a="http://schemas.openxmlformats.org/drawingml/2006/main" xmlns:r="http://schemas.openxmlformats.org/officeDocument/2006/relationships" xmlns:p="http://schemas.openxmlformats.org/presentationml/2006/main">
+  <p:cSld>
+    <p:spTree>
+      <p:nvGrpSpPr>
+        <p:cNvPr id="1" name=""/>
+        <p:cNvGrpSpPr/>
+        <p:nvPr/>
+      </p:nvGrpSpPr>
+      <p:grpSpPr>
+        <a:xfrm>
+          <a:off x="0" y="0"/>
+          <a:ext cx="0" cy="0"/>
+          <a:chOff x="0" y="0"/>
+          <a:chExt cx="0" cy="0"/>
+        </a:xfrm>
+      </p:grpSpPr>
+      <p:sp>
+        <p:nvSpPr>
+          <p:cNvPr id="2" name="Inhaltsplatzhalter 1"/>
+          <p:cNvSpPr>
+            <a:spLocks noGrp="1"/>
+          </p:cNvSpPr>
+          <p:nvPr>
+            <p:ph sz="half" idx="1"/>
+          </p:nvPr>
+        </p:nvSpPr>
+        <p:spPr/>
+        <p:txBody>
+          <a:bodyPr/>
+          <a:lstStyle/>
+          <a:p>
+            <a:r>
+              <a:rPr lang="de-CH" dirty="0" smtClean="0"/>
+              <a:t>Developer</a:t>
+            </a:r>
+            <a:endParaRPr lang="de-CH" dirty="0"/>
+          </a:p>
+          <a:p>
+            <a:pPr lvl="1"/>
+            <a:r>
+              <a:rPr lang="de-CH" dirty="0" smtClean="0"/>
+              <a:t>Daily Scrum ok</a:t>
+            </a:r>
+          </a:p>
+          <a:p>
+            <a:pPr lvl="2"/>
+            <a:r>
+              <a:rPr lang="de-CH" dirty="0" smtClean="0"/>
+              <a:t>Etwas unnötig bei 10 min Dev-Zeit</a:t>
+            </a:r>
+          </a:p>
+          <a:p>
+            <a:pPr lvl="1"/>
+            <a:r>
+              <a:rPr lang="de-CH" dirty="0" smtClean="0"/>
+              <a:t>Daily Scrum nur Mi &amp; Do </a:t>
+            </a:r>
+            <a:r>
+              <a:rPr lang="de-CH" dirty="0" smtClean="0">
+                <a:sym typeface="Wingdings" panose="05000000000000000000" pitchFamily="2" charset="2"/>
+              </a:rPr>
+              <a:t></a:t>
+            </a:r>
+            <a:r>
+              <a:rPr lang="de-CH" dirty="0" smtClean="0"/>
+              <a:t> keinen Sinn</a:t>
+            </a:r>
+          </a:p>
+          <a:p>
+            <a:pPr lvl="1"/>
+            <a:r>
+              <a:rPr lang="de-CH" dirty="0" smtClean="0"/>
+              <a:t>Klarere Aufteilung</a:t>
+            </a:r>
+          </a:p>
+          <a:p>
+            <a:pPr lvl="1"/>
+            <a:r>
+              <a:rPr lang="de-CH" dirty="0" smtClean="0"/>
+              <a:t>Daily Scrum Time Boxing!!!</a:t>
+            </a:r>
+          </a:p>
+          <a:p>
+            <a:pPr lvl="1"/>
+            <a:r>
+              <a:rPr lang="de-CH" smtClean="0"/>
+              <a:t>Manchmal bla bla bla</a:t>
+            </a:r>
+            <a:endParaRPr lang="de-CH" dirty="0"/>
+          </a:p>
+          <a:p>
+            <a:r>
+              <a:rPr lang="de-CH" dirty="0" smtClean="0"/>
+              <a:t>Scrum Master</a:t>
+            </a:r>
+            <a:endParaRPr lang="de-CH" dirty="0"/>
+          </a:p>
+        </p:txBody>
+      </p:sp>
+      <p:sp>
+        <p:nvSpPr>
+          <p:cNvPr id="3" name="Titel 2"/>
+          <p:cNvSpPr>
+            <a:spLocks noGrp="1"/>
+          </p:cNvSpPr>
+          <p:nvPr>
+            <p:ph type="ctrTitle"/>
+          </p:nvPr>
+        </p:nvSpPr>
+        <p:spPr/>
+        <p:txBody>
+          <a:bodyPr/>
+          <a:lstStyle/>
+          <a:p>
+            <a:r>
+              <a:rPr lang="de-CH" dirty="0" err="1" smtClean="0"/>
+              <a:t>Scrum</a:t>
+            </a:r>
+            <a:r>
+              <a:rPr lang="de-CH" dirty="0" smtClean="0"/>
+              <a:t> </a:t>
+            </a:r>
+            <a:r>
+              <a:rPr lang="de-CH" dirty="0" err="1" smtClean="0"/>
+              <a:t>retrospective</a:t>
+            </a:r>
+            <a:endParaRPr lang="de-CH" dirty="0"/>
+          </a:p>
+        </p:txBody>
+      </p:sp>
+    </p:spTree>
+    <p:extLst>
+      <p:ext uri="{BB962C8B-B14F-4D97-AF65-F5344CB8AC3E}">
+        <p14:creationId xmlns:p14="http://schemas.microsoft.com/office/powerpoint/2010/main" val="1121024654"/>
+      </p:ext>
+    </p:extLst>
+  </p:cSld>
+  <p:clrMapOvr>
+    <a:masterClrMapping/>
+  </p:clrMapOvr>
+</p:sld>
+</file>
+
+<file path=ppt/slides/slide16.xml><?xml version="1.0" encoding="utf-8"?>
+<p:sld xmlns:a="http://schemas.openxmlformats.org/drawingml/2006/main" xmlns:r="http://schemas.openxmlformats.org/officeDocument/2006/relationships" xmlns:p="http://schemas.openxmlformats.org/presentationml/2006/main">
+  <p:cSld>
+    <p:spTree>
+      <p:nvGrpSpPr>
+        <p:cNvPr id="1" name=""/>
+        <p:cNvGrpSpPr/>
+        <p:nvPr/>
+      </p:nvGrpSpPr>
+      <p:grpSpPr>
+        <a:xfrm>
+          <a:off x="0" y="0"/>
+          <a:ext cx="0" cy="0"/>
+          <a:chOff x="0" y="0"/>
+          <a:chExt cx="0" cy="0"/>
+        </a:xfrm>
+      </p:grpSpPr>
+      <p:sp>
+        <p:nvSpPr>
+          <p:cNvPr id="2" name="Inhaltsplatzhalter 1"/>
+          <p:cNvSpPr>
+            <a:spLocks noGrp="1"/>
+          </p:cNvSpPr>
+          <p:nvPr>
+            <p:ph sz="half" idx="1"/>
+          </p:nvPr>
+        </p:nvSpPr>
+        <p:spPr/>
+        <p:txBody>
+          <a:bodyPr/>
+          <a:lstStyle/>
+          <a:p>
+            <a:r>
+              <a:rPr lang="de-CH" dirty="0" smtClean="0"/>
               <a:t>Lukas Hügi</a:t>
+            </a:r>
+          </a:p>
+          <a:p>
+            <a:pPr marL="0" indent="0">
+              <a:buNone/>
+            </a:pPr>
+            <a:endParaRPr lang="de-CH" dirty="0"/>
+          </a:p>
+          <a:p>
+            <a:r>
+              <a:rPr lang="de-CH" dirty="0" smtClean="0"/>
+              <a:t>Christine Noser</a:t>
+            </a:r>
+          </a:p>
+          <a:p>
+            <a:endParaRPr lang="de-CH" dirty="0"/>
+          </a:p>
+          <a:p>
+            <a:r>
+              <a:rPr lang="de-CH" dirty="0" smtClean="0"/>
+              <a:t>Tim Dorner</a:t>
+            </a:r>
+          </a:p>
+          <a:p>
+            <a:endParaRPr lang="de-CH" dirty="0"/>
+          </a:p>
+          <a:p>
+            <a:r>
+              <a:rPr lang="de-CH" dirty="0" smtClean="0"/>
+              <a:t>Fabian </a:t>
+            </a:r>
+            <a:r>
+              <a:rPr lang="de-CH" dirty="0" smtClean="0"/>
+              <a:t>Zwahlen</a:t>
             </a:r>
           </a:p>
           <a:p>
@@ -7208,33 +7621,6 @@
             <a:r>
               <a:rPr lang="de-CH" dirty="0" smtClean="0"/>
               <a:t>Stefan Iseli</a:t>
-            </a:r>
-          </a:p>
-          <a:p>
-            <a:endParaRPr lang="de-CH" dirty="0"/>
-          </a:p>
-          <a:p>
-            <a:r>
-              <a:rPr lang="de-CH" dirty="0" smtClean="0"/>
-              <a:t>Christine Noser</a:t>
-            </a:r>
-          </a:p>
-          <a:p>
-            <a:endParaRPr lang="de-CH" dirty="0"/>
-          </a:p>
-          <a:p>
-            <a:r>
-              <a:rPr lang="de-CH" dirty="0" smtClean="0"/>
-              <a:t>Tim Dorner</a:t>
-            </a:r>
-          </a:p>
-          <a:p>
-            <a:endParaRPr lang="de-CH" dirty="0"/>
-          </a:p>
-          <a:p>
-            <a:r>
-              <a:rPr lang="de-CH" smtClean="0"/>
-              <a:t>Fabian Zwahlen</a:t>
             </a:r>
             <a:endParaRPr lang="de-CH" dirty="0"/>
           </a:p>
@@ -7276,7 +7662,7 @@
 </p:sld>
 </file>
 
-<file path=ppt/slides/slide14.xml><?xml version="1.0" encoding="utf-8"?>
+<file path=ppt/slides/slide17.xml><?xml version="1.0" encoding="utf-8"?>
 <p:sld xmlns:a="http://schemas.openxmlformats.org/drawingml/2006/main" xmlns:r="http://schemas.openxmlformats.org/officeDocument/2006/relationships" xmlns:p="http://schemas.openxmlformats.org/presentationml/2006/main">
   <p:cSld>
     <p:spTree>
@@ -7638,7 +8024,7 @@
           <a:p>
             <a:r>
               <a:rPr lang="de-CH" dirty="0" smtClean="0"/>
-              <a:t>Stefan Iseli</a:t>
+              <a:t>Christine Noser</a:t>
             </a:r>
             <a:endParaRPr lang="de-CH" dirty="0"/>
           </a:p>
@@ -7647,7 +8033,7 @@
     </p:spTree>
     <p:extLst>
       <p:ext uri="{BB962C8B-B14F-4D97-AF65-F5344CB8AC3E}">
-        <p14:creationId xmlns:p14="http://schemas.microsoft.com/office/powerpoint/2010/main" val="3080710229"/>
+        <p14:creationId xmlns:p14="http://schemas.microsoft.com/office/powerpoint/2010/main" val="4274507909"/>
       </p:ext>
     </p:extLst>
   </p:cSld>
@@ -7710,7 +8096,7 @@
           <a:p>
             <a:r>
               <a:rPr lang="de-CH" dirty="0" smtClean="0"/>
-              <a:t>Tim Dorner</a:t>
+              <a:t>Lukas Hügi</a:t>
             </a:r>
             <a:endParaRPr lang="de-CH" dirty="0"/>
           </a:p>
@@ -7719,7 +8105,7 @@
     </p:spTree>
     <p:extLst>
       <p:ext uri="{BB962C8B-B14F-4D97-AF65-F5344CB8AC3E}">
-        <p14:creationId xmlns:p14="http://schemas.microsoft.com/office/powerpoint/2010/main" val="3233346993"/>
+        <p14:creationId xmlns:p14="http://schemas.microsoft.com/office/powerpoint/2010/main" val="1496770157"/>
       </p:ext>
     </p:extLst>
   </p:cSld>
@@ -7782,7 +8168,7 @@
           <a:p>
             <a:r>
               <a:rPr lang="de-CH" dirty="0" smtClean="0"/>
-              <a:t>Lukas Hügi</a:t>
+              <a:t>Tim Dorner</a:t>
             </a:r>
             <a:endParaRPr lang="de-CH" dirty="0"/>
           </a:p>
@@ -7791,7 +8177,7 @@
     </p:spTree>
     <p:extLst>
       <p:ext uri="{BB962C8B-B14F-4D97-AF65-F5344CB8AC3E}">
-        <p14:creationId xmlns:p14="http://schemas.microsoft.com/office/powerpoint/2010/main" val="1496770157"/>
+        <p14:creationId xmlns:p14="http://schemas.microsoft.com/office/powerpoint/2010/main" val="3233346993"/>
       </p:ext>
     </p:extLst>
   </p:cSld>
@@ -7926,7 +8312,7 @@
           <a:p>
             <a:r>
               <a:rPr lang="de-CH" dirty="0" smtClean="0"/>
-              <a:t>Christine Noser</a:t>
+              <a:t>Stefan Iseli</a:t>
             </a:r>
             <a:endParaRPr lang="de-CH" dirty="0"/>
           </a:p>
@@ -7935,7 +8321,7 @@
     </p:spTree>
     <p:extLst>
       <p:ext uri="{BB962C8B-B14F-4D97-AF65-F5344CB8AC3E}">
-        <p14:creationId xmlns:p14="http://schemas.microsoft.com/office/powerpoint/2010/main" val="4274507909"/>
+        <p14:creationId xmlns:p14="http://schemas.microsoft.com/office/powerpoint/2010/main" val="3080710229"/>
       </p:ext>
     </p:extLst>
   </p:cSld>
@@ -8776,6 +9162,14 @@
 </file>
 
 <file path=customXml/item1.xml><?xml version="1.0" encoding="utf-8"?>
+<p:properties xmlns:p="http://schemas.microsoft.com/office/2006/metadata/properties" xmlns:xsi="http://www.w3.org/2001/XMLSchema-instance">
+  <documentManagement>
+    <AVMTitle xmlns="5091c847-84be-4f4f-b16c-c018ad2ca66b">Präsentation BFH_2013</AVMTitle>
+  </documentManagement>
+</p:properties>
+</file>
+
+<file path=customXml/item2.xml><?xml version="1.0" encoding="utf-8"?>
 <ct:contentTypeSchema xmlns:ct="http://schemas.microsoft.com/office/2006/metadata/contentType" xmlns:ma="http://schemas.microsoft.com/office/2006/metadata/properties/metaAttributes" ct:_="" ma:_="" ma:contentTypeName="Dokument" ma:contentTypeID="0x010100EBE3A9EFF36793468C03E2811ACE2A2B" ma:contentTypeVersion="1" ma:contentTypeDescription="Ein neues Dokument erstellen." ma:contentTypeScope="" ma:versionID="e65be32cb1bfff77fc8c9c09bf542651">
   <xsd:schema xmlns:xsd="http://www.w3.org/2001/XMLSchema" xmlns:p="http://schemas.microsoft.com/office/2006/metadata/properties" xmlns:ns2="5091c847-84be-4f4f-b16c-c018ad2ca66b" targetNamespace="http://schemas.microsoft.com/office/2006/metadata/properties" ma:root="true" ma:fieldsID="7636c84aed5b7d09a166fcef888725d4" ns2:_="">
     <xsd:import namespace="5091c847-84be-4f4f-b16c-c018ad2ca66b"/>
@@ -8835,14 +9229,6 @@
 </ct:contentTypeSchema>
 </file>
 
-<file path=customXml/item2.xml><?xml version="1.0" encoding="utf-8"?>
-<p:properties xmlns:p="http://schemas.microsoft.com/office/2006/metadata/properties" xmlns:xsi="http://www.w3.org/2001/XMLSchema-instance">
-  <documentManagement>
-    <AVMTitle xmlns="5091c847-84be-4f4f-b16c-c018ad2ca66b">Präsentation BFH_2013</AVMTitle>
-  </documentManagement>
-</p:properties>
-</file>
-
 <file path=customXml/item3.xml><?xml version="1.0" encoding="utf-8"?>
 <?mso-contentType ?>
 <FormTemplates xmlns="http://schemas.microsoft.com/sharepoint/v3/contenttype/forms">
@@ -8853,6 +9239,21 @@
 </file>
 
 <file path=customXml/itemProps1.xml><?xml version="1.0" encoding="utf-8"?>
+<ds:datastoreItem xmlns:ds="http://schemas.openxmlformats.org/officeDocument/2006/customXml" ds:itemID="{32991507-CB83-4F49-BAFB-D322B1D04098}">
+  <ds:schemaRefs>
+    <ds:schemaRef ds:uri="http://purl.org/dc/terms/"/>
+    <ds:schemaRef ds:uri="http://schemas.openxmlformats.org/package/2006/metadata/core-properties"/>
+    <ds:schemaRef ds:uri="http://schemas.microsoft.com/office/2006/documentManagement/types"/>
+    <ds:schemaRef ds:uri="5091c847-84be-4f4f-b16c-c018ad2ca66b"/>
+    <ds:schemaRef ds:uri="http://purl.org/dc/elements/1.1/"/>
+    <ds:schemaRef ds:uri="http://schemas.microsoft.com/office/2006/metadata/properties"/>
+    <ds:schemaRef ds:uri="http://www.w3.org/XML/1998/namespace"/>
+    <ds:schemaRef ds:uri="http://purl.org/dc/dcmitype/"/>
+  </ds:schemaRefs>
+</ds:datastoreItem>
+</file>
+
+<file path=customXml/itemProps2.xml><?xml version="1.0" encoding="utf-8"?>
 <ds:datastoreItem xmlns:ds="http://schemas.openxmlformats.org/officeDocument/2006/customXml" ds:itemID="{15287BEA-F3FF-4B87-929B-5D0092183197}">
   <ds:schemaRefs>
     <ds:schemaRef ds:uri="http://schemas.microsoft.com/office/2006/metadata/contentType"/>
@@ -8869,21 +9270,6 @@
 </ds:datastoreItem>
 </file>
 
-<file path=customXml/itemProps2.xml><?xml version="1.0" encoding="utf-8"?>
-<ds:datastoreItem xmlns:ds="http://schemas.openxmlformats.org/officeDocument/2006/customXml" ds:itemID="{32991507-CB83-4F49-BAFB-D322B1D04098}">
-  <ds:schemaRefs>
-    <ds:schemaRef ds:uri="http://purl.org/dc/terms/"/>
-    <ds:schemaRef ds:uri="http://schemas.openxmlformats.org/package/2006/metadata/core-properties"/>
-    <ds:schemaRef ds:uri="http://schemas.microsoft.com/office/2006/documentManagement/types"/>
-    <ds:schemaRef ds:uri="5091c847-84be-4f4f-b16c-c018ad2ca66b"/>
-    <ds:schemaRef ds:uri="http://purl.org/dc/elements/1.1/"/>
-    <ds:schemaRef ds:uri="http://schemas.microsoft.com/office/2006/metadata/properties"/>
-    <ds:schemaRef ds:uri="http://www.w3.org/XML/1998/namespace"/>
-    <ds:schemaRef ds:uri="http://purl.org/dc/dcmitype/"/>
-  </ds:schemaRefs>
-</ds:datastoreItem>
-</file>
-
 <file path=customXml/itemProps3.xml><?xml version="1.0" encoding="utf-8"?>
 <ds:datastoreItem xmlns:ds="http://schemas.openxmlformats.org/officeDocument/2006/customXml" ds:itemID="{1851D33F-E468-417B-A30C-509B68D2BD09}">
   <ds:schemaRefs>

--- a/doc/task14/Task14.pptx
+++ b/doc/task14/Task14.pptx
@@ -7013,8 +7013,25 @@
           <a:p>
             <a:r>
               <a:rPr lang="de-CH" dirty="0" smtClean="0"/>
-              <a:t>Zu wenig Informationen</a:t>
-            </a:r>
+              <a:t>Zu wenig </a:t>
+            </a:r>
+            <a:r>
+              <a:rPr lang="de-CH" dirty="0" smtClean="0"/>
+              <a:t>Informationen </a:t>
+            </a:r>
+            <a:r>
+              <a:rPr lang="de-CH" dirty="0" smtClean="0">
+                <a:sym typeface="Wingdings" panose="05000000000000000000" pitchFamily="2" charset="2"/>
+              </a:rPr>
+              <a:t> Mehr </a:t>
+            </a:r>
+            <a:r>
+              <a:rPr lang="de-CH" dirty="0" err="1" smtClean="0">
+                <a:sym typeface="Wingdings" panose="05000000000000000000" pitchFamily="2" charset="2"/>
+              </a:rPr>
+              <a:t>einhohlen</a:t>
+            </a:r>
+            <a:endParaRPr lang="de-CH" dirty="0" smtClean="0"/>
           </a:p>
           <a:p>
             <a:r>
@@ -7025,7 +7042,11 @@
           <a:p>
             <a:r>
               <a:rPr lang="de-CH" dirty="0" smtClean="0"/>
-              <a:t>Wurden zu wenig berücksichtigt</a:t>
+              <a:t>Wurden in folge </a:t>
+            </a:r>
+            <a:r>
+              <a:rPr lang="de-CH" dirty="0" smtClean="0"/>
+              <a:t>zu wenig berücksichtigt</a:t>
             </a:r>
           </a:p>
           <a:p>
@@ -7033,7 +7054,6 @@
               <a:rPr lang="de-CH" dirty="0" smtClean="0"/>
               <a:t>Fantasievoller</a:t>
             </a:r>
-            <a:endParaRPr lang="de-CH" dirty="0" smtClean="0"/>
           </a:p>
           <a:p>
             <a:endParaRPr lang="de-CH" dirty="0" smtClean="0"/>
@@ -7255,7 +7275,6 @@
               <a:rPr lang="de-CH" dirty="0" smtClean="0"/>
               <a:t>Evaluation durch Leien und Fachpersonen</a:t>
             </a:r>
-            <a:endParaRPr lang="de-CH" dirty="0" smtClean="0"/>
           </a:p>
         </p:txBody>
       </p:sp>
@@ -7455,45 +7474,113 @@
             <a:pPr lvl="1"/>
             <a:r>
               <a:rPr lang="de-CH" dirty="0" smtClean="0"/>
-              <a:t>Daily Scrum nur Mi &amp; Do </a:t>
-            </a:r>
-            <a:r>
-              <a:rPr lang="de-CH" dirty="0" smtClean="0">
-                <a:sym typeface="Wingdings" panose="05000000000000000000" pitchFamily="2" charset="2"/>
-              </a:rPr>
-              <a:t></a:t>
+              <a:t>Daily </a:t>
+            </a:r>
+            <a:r>
+              <a:rPr lang="de-CH" dirty="0" err="1" smtClean="0"/>
+              <a:t>Scrum</a:t>
             </a:r>
             <a:r>
               <a:rPr lang="de-CH" dirty="0" smtClean="0"/>
-              <a:t> keinen Sinn</a:t>
+              <a:t> </a:t>
+            </a:r>
+            <a:r>
+              <a:rPr lang="de-CH" dirty="0" smtClean="0"/>
+              <a:t>nur Mo, </a:t>
+            </a:r>
+            <a:r>
+              <a:rPr lang="de-CH" dirty="0" smtClean="0"/>
+              <a:t>Mi &amp; </a:t>
+            </a:r>
+            <a:r>
+              <a:rPr lang="de-CH" dirty="0" smtClean="0"/>
+              <a:t>Do</a:t>
             </a:r>
           </a:p>
           <a:p>
             <a:pPr lvl="1"/>
             <a:r>
               <a:rPr lang="de-CH" dirty="0" smtClean="0"/>
-              <a:t>Klarere Aufteilung</a:t>
+              <a:t>Klarere </a:t>
+            </a:r>
+            <a:r>
+              <a:rPr lang="de-CH" dirty="0" smtClean="0"/>
+              <a:t>Aufteilung</a:t>
             </a:r>
           </a:p>
           <a:p>
             <a:pPr lvl="1"/>
             <a:r>
               <a:rPr lang="de-CH" dirty="0" smtClean="0"/>
-              <a:t>Daily Scrum Time Boxing!!!</a:t>
-            </a:r>
+              <a:t>Daily Scrum Time </a:t>
+            </a:r>
+            <a:r>
+              <a:rPr lang="de-CH" dirty="0" err="1" smtClean="0"/>
+              <a:t>Boxing</a:t>
+            </a:r>
+            <a:r>
+              <a:rPr lang="de-CH" dirty="0" smtClean="0"/>
+              <a:t>!</a:t>
+            </a:r>
+            <a:endParaRPr lang="de-CH" dirty="0" smtClean="0"/>
           </a:p>
           <a:p>
             <a:pPr lvl="1"/>
             <a:r>
-              <a:rPr lang="de-CH" smtClean="0"/>
-              <a:t>Manchmal bla bla bla</a:t>
+              <a:rPr lang="de-CH" dirty="0" smtClean="0"/>
+              <a:t>Manchmal </a:t>
+            </a:r>
+            <a:r>
+              <a:rPr lang="de-CH" dirty="0" smtClean="0"/>
+              <a:t>zu viel sonstiges besprochen</a:t>
+            </a:r>
+          </a:p>
+          <a:p>
+            <a:pPr lvl="2"/>
+            <a:r>
+              <a:rPr lang="de-CH" dirty="0" smtClean="0"/>
+              <a:t>Wirklich nur «was gemacht», «was als nächstes»</a:t>
             </a:r>
             <a:endParaRPr lang="de-CH" dirty="0"/>
           </a:p>
           <a:p>
             <a:r>
+              <a:rPr lang="de-CH" dirty="0" err="1" smtClean="0"/>
+              <a:t>Scrum</a:t>
+            </a:r>
+            <a:r>
               <a:rPr lang="de-CH" dirty="0" smtClean="0"/>
-              <a:t>Scrum Master</a:t>
+              <a:t> </a:t>
+            </a:r>
+            <a:r>
+              <a:rPr lang="de-CH" dirty="0" smtClean="0"/>
+              <a:t>Master</a:t>
+            </a:r>
+          </a:p>
+          <a:p>
+            <a:pPr lvl="1"/>
+            <a:r>
+              <a:rPr lang="de-CH" dirty="0" smtClean="0"/>
+              <a:t>Sprint </a:t>
+            </a:r>
+            <a:r>
+              <a:rPr lang="de-CH" dirty="0" err="1" smtClean="0"/>
+              <a:t>Planning</a:t>
+            </a:r>
+            <a:endParaRPr lang="de-CH" dirty="0" smtClean="0"/>
+          </a:p>
+          <a:p>
+            <a:pPr lvl="2"/>
+            <a:r>
+              <a:rPr lang="de-CH" dirty="0" smtClean="0"/>
+              <a:t>Aufwandsschätzung</a:t>
+            </a:r>
+          </a:p>
+          <a:p>
+            <a:pPr lvl="1"/>
+            <a:r>
+              <a:rPr lang="de-CH" dirty="0" smtClean="0"/>
+              <a:t>Selbständiger</a:t>
             </a:r>
             <a:endParaRPr lang="de-CH" dirty="0"/>
           </a:p>
@@ -7607,11 +7694,7 @@
           <a:p>
             <a:r>
               <a:rPr lang="de-CH" dirty="0" smtClean="0"/>
-              <a:t>Fabian </a:t>
-            </a:r>
-            <a:r>
-              <a:rPr lang="de-CH" dirty="0" smtClean="0"/>
-              <a:t>Zwahlen</a:t>
+              <a:t>Fabian Zwahlen</a:t>
             </a:r>
           </a:p>
           <a:p>
@@ -7643,7 +7726,19 @@
           <a:p>
             <a:r>
               <a:rPr lang="de-CH" dirty="0" smtClean="0"/>
-              <a:t>Team</a:t>
+              <a:t>Team </a:t>
+            </a:r>
+            <a:r>
+              <a:rPr lang="de-CH" dirty="0" err="1" smtClean="0"/>
+              <a:t>Lessons</a:t>
+            </a:r>
+            <a:r>
+              <a:rPr lang="de-CH" dirty="0" smtClean="0"/>
+              <a:t> </a:t>
+            </a:r>
+            <a:r>
+              <a:rPr lang="de-CH" dirty="0" err="1" smtClean="0"/>
+              <a:t>learned</a:t>
             </a:r>
             <a:endParaRPr lang="de-CH" dirty="0"/>
           </a:p>
@@ -9162,11 +9257,12 @@
 </file>
 
 <file path=customXml/item1.xml><?xml version="1.0" encoding="utf-8"?>
-<p:properties xmlns:p="http://schemas.microsoft.com/office/2006/metadata/properties" xmlns:xsi="http://www.w3.org/2001/XMLSchema-instance">
-  <documentManagement>
-    <AVMTitle xmlns="5091c847-84be-4f4f-b16c-c018ad2ca66b">Präsentation BFH_2013</AVMTitle>
-  </documentManagement>
-</p:properties>
+<?mso-contentType ?>
+<FormTemplates xmlns="http://schemas.microsoft.com/sharepoint/v3/contenttype/forms">
+  <Display>DocumentLibraryForm</Display>
+  <Edit>DocumentLibraryForm</Edit>
+  <New>DocumentLibraryForm</New>
+</FormTemplates>
 </file>
 
 <file path=customXml/item2.xml><?xml version="1.0" encoding="utf-8"?>
@@ -9230,25 +9326,17 @@
 </file>
 
 <file path=customXml/item3.xml><?xml version="1.0" encoding="utf-8"?>
-<?mso-contentType ?>
-<FormTemplates xmlns="http://schemas.microsoft.com/sharepoint/v3/contenttype/forms">
-  <Display>DocumentLibraryForm</Display>
-  <Edit>DocumentLibraryForm</Edit>
-  <New>DocumentLibraryForm</New>
-</FormTemplates>
+<p:properties xmlns:p="http://schemas.microsoft.com/office/2006/metadata/properties" xmlns:xsi="http://www.w3.org/2001/XMLSchema-instance">
+  <documentManagement>
+    <AVMTitle xmlns="5091c847-84be-4f4f-b16c-c018ad2ca66b">Präsentation BFH_2013</AVMTitle>
+  </documentManagement>
+</p:properties>
 </file>
 
 <file path=customXml/itemProps1.xml><?xml version="1.0" encoding="utf-8"?>
-<ds:datastoreItem xmlns:ds="http://schemas.openxmlformats.org/officeDocument/2006/customXml" ds:itemID="{32991507-CB83-4F49-BAFB-D322B1D04098}">
+<ds:datastoreItem xmlns:ds="http://schemas.openxmlformats.org/officeDocument/2006/customXml" ds:itemID="{1851D33F-E468-417B-A30C-509B68D2BD09}">
   <ds:schemaRefs>
-    <ds:schemaRef ds:uri="http://purl.org/dc/terms/"/>
-    <ds:schemaRef ds:uri="http://schemas.openxmlformats.org/package/2006/metadata/core-properties"/>
-    <ds:schemaRef ds:uri="http://schemas.microsoft.com/office/2006/documentManagement/types"/>
-    <ds:schemaRef ds:uri="5091c847-84be-4f4f-b16c-c018ad2ca66b"/>
-    <ds:schemaRef ds:uri="http://purl.org/dc/elements/1.1/"/>
-    <ds:schemaRef ds:uri="http://schemas.microsoft.com/office/2006/metadata/properties"/>
-    <ds:schemaRef ds:uri="http://www.w3.org/XML/1998/namespace"/>
-    <ds:schemaRef ds:uri="http://purl.org/dc/dcmitype/"/>
+    <ds:schemaRef ds:uri="http://schemas.microsoft.com/sharepoint/v3/contenttype/forms"/>
   </ds:schemaRefs>
 </ds:datastoreItem>
 </file>
@@ -9271,9 +9359,16 @@
 </file>
 
 <file path=customXml/itemProps3.xml><?xml version="1.0" encoding="utf-8"?>
-<ds:datastoreItem xmlns:ds="http://schemas.openxmlformats.org/officeDocument/2006/customXml" ds:itemID="{1851D33F-E468-417B-A30C-509B68D2BD09}">
+<ds:datastoreItem xmlns:ds="http://schemas.openxmlformats.org/officeDocument/2006/customXml" ds:itemID="{32991507-CB83-4F49-BAFB-D322B1D04098}">
   <ds:schemaRefs>
-    <ds:schemaRef ds:uri="http://schemas.microsoft.com/sharepoint/v3/contenttype/forms"/>
+    <ds:schemaRef ds:uri="http://purl.org/dc/terms/"/>
+    <ds:schemaRef ds:uri="http://schemas.openxmlformats.org/package/2006/metadata/core-properties"/>
+    <ds:schemaRef ds:uri="http://schemas.microsoft.com/office/2006/documentManagement/types"/>
+    <ds:schemaRef ds:uri="5091c847-84be-4f4f-b16c-c018ad2ca66b"/>
+    <ds:schemaRef ds:uri="http://purl.org/dc/elements/1.1/"/>
+    <ds:schemaRef ds:uri="http://schemas.microsoft.com/office/2006/metadata/properties"/>
+    <ds:schemaRef ds:uri="http://www.w3.org/XML/1998/namespace"/>
+    <ds:schemaRef ds:uri="http://purl.org/dc/dcmitype/"/>
   </ds:schemaRefs>
 </ds:datastoreItem>
 </file>
--- a/doc/task14/Task14.pptx
+++ b/doc/task14/Task14.pptx
@@ -271,7 +271,7 @@
           <a:p>
             <a:fld id="{EFA0D184-D464-48E9-9CA0-A94E873F6C2C}" type="datetimeFigureOut">
               <a:rPr lang="de-CH" smtClean="0"/>
-              <a:t>20.01.2016</a:t>
+              <a:t>tt.01.jjjj</a:t>
             </a:fld>
             <a:endParaRPr lang="de-CH"/>
           </a:p>
@@ -337,7 +337,7 @@
           <a:p>
             <a:fld id="{5F377753-DB7C-4FA7-98FC-17681D88797A}" type="slidenum">
               <a:rPr lang="de-CH" smtClean="0"/>
-              <a:t>‹#›</a:t>
+              <a:t>‹Nr.›</a:t>
             </a:fld>
             <a:endParaRPr lang="de-CH"/>
           </a:p>
@@ -436,7 +436,7 @@
           <a:p>
             <a:fld id="{5AF2B663-2BA9-4D7E-8201-5DE4109E1EDD}" type="datetimeFigureOut">
               <a:rPr lang="de-CH" smtClean="0"/>
-              <a:t>20.01.2016</a:t>
+              <a:t>tt.01.jjjj</a:t>
             </a:fld>
             <a:endParaRPr lang="de-CH"/>
           </a:p>
@@ -595,7 +595,7 @@
           <a:p>
             <a:fld id="{37E44704-8E6D-4CF2-8CFA-A0F7BC751896}" type="slidenum">
               <a:rPr lang="de-CH" smtClean="0"/>
-              <a:t>‹#›</a:t>
+              <a:t>‹Nr.›</a:t>
             </a:fld>
             <a:endParaRPr lang="de-CH"/>
           </a:p>
@@ -2214,7 +2214,7 @@
           <a:p>
             <a:fld id="{F19AE9A8-34D4-4E8C-BE9C-13C550F1BED0}" type="slidenum">
               <a:rPr lang="de-CH" smtClean="0"/>
-              <a:t>‹#›</a:t>
+              <a:t>‹Nr.›</a:t>
             </a:fld>
             <a:endParaRPr lang="de-CH" dirty="0"/>
           </a:p>
@@ -2267,7 +2267,7 @@
           <a:p>
             <a:fld id="{F19AE9A8-34D4-4E8C-BE9C-13C550F1BED0}" type="slidenum">
               <a:rPr lang="de-CH" smtClean="0"/>
-              <a:t>‹#›</a:t>
+              <a:t>‹Nr.›</a:t>
             </a:fld>
             <a:endParaRPr lang="de-CH" dirty="0"/>
           </a:p>
@@ -3298,7 +3298,7 @@
           <a:p>
             <a:fld id="{F19AE9A8-34D4-4E8C-BE9C-13C550F1BED0}" type="slidenum">
               <a:rPr lang="de-CH" smtClean="0"/>
-              <a:t>‹#›</a:t>
+              <a:t>‹Nr.›</a:t>
             </a:fld>
             <a:endParaRPr lang="de-CH" dirty="0"/>
           </a:p>
@@ -3687,7 +3687,7 @@
           <a:p>
             <a:fld id="{F19AE9A8-34D4-4E8C-BE9C-13C550F1BED0}" type="slidenum">
               <a:rPr lang="de-CH" smtClean="0"/>
-              <a:t>‹#›</a:t>
+              <a:t>‹Nr.›</a:t>
             </a:fld>
             <a:endParaRPr lang="de-CH" dirty="0"/>
           </a:p>
@@ -3914,7 +3914,7 @@
           <a:p>
             <a:fld id="{F19AE9A8-34D4-4E8C-BE9C-13C550F1BED0}" type="slidenum">
               <a:rPr lang="de-CH" smtClean="0"/>
-              <a:t>‹#›</a:t>
+              <a:t>‹Nr.›</a:t>
             </a:fld>
             <a:endParaRPr lang="de-CH" dirty="0"/>
           </a:p>
@@ -4215,7 +4215,7 @@
           <a:p>
             <a:fld id="{F19AE9A8-34D4-4E8C-BE9C-13C550F1BED0}" type="slidenum">
               <a:rPr lang="de-CH" smtClean="0"/>
-              <a:t>‹#›</a:t>
+              <a:t>‹Nr.›</a:t>
             </a:fld>
             <a:endParaRPr lang="de-CH" dirty="0"/>
           </a:p>
@@ -4738,7 +4738,7 @@
           <a:p>
             <a:fld id="{F19AE9A8-34D4-4E8C-BE9C-13C550F1BED0}" type="slidenum">
               <a:rPr lang="de-CH" smtClean="0"/>
-              <a:t>‹#›</a:t>
+              <a:t>‹Nr.›</a:t>
             </a:fld>
             <a:endParaRPr lang="de-CH" dirty="0"/>
           </a:p>
@@ -5261,7 +5261,7 @@
           <a:p>
             <a:fld id="{F19AE9A8-34D4-4E8C-BE9C-13C550F1BED0}" type="slidenum">
               <a:rPr lang="de-CH" smtClean="0"/>
-              <a:t>‹#›</a:t>
+              <a:t>‹Nr.›</a:t>
             </a:fld>
             <a:endParaRPr lang="de-CH" dirty="0"/>
           </a:p>
@@ -5988,7 +5988,7 @@
             <a:fld id="{F19AE9A8-34D4-4E8C-BE9C-13C550F1BED0}" type="slidenum">
               <a:rPr lang="de-CH" smtClean="0"/>
               <a:pPr/>
-              <a:t>‹#›</a:t>
+              <a:t>‹Nr.›</a:t>
             </a:fld>
             <a:endParaRPr lang="de-CH" dirty="0"/>
           </a:p>
@@ -6374,7 +6374,7 @@
             <a:fld id="{F19AE9A8-34D4-4E8C-BE9C-13C550F1BED0}" type="slidenum">
               <a:rPr lang="de-CH" smtClean="0"/>
               <a:pPr/>
-              <a:t>‹#›</a:t>
+              <a:t>‹Nr.›</a:t>
             </a:fld>
             <a:endParaRPr lang="de-CH" dirty="0"/>
           </a:p>
@@ -7013,11 +7013,7 @@
           <a:p>
             <a:r>
               <a:rPr lang="de-CH" dirty="0" smtClean="0"/>
-              <a:t>Zu wenig </a:t>
-            </a:r>
-            <a:r>
-              <a:rPr lang="de-CH" dirty="0" smtClean="0"/>
-              <a:t>Informationen </a:t>
+              <a:t>Zu wenig Informationen </a:t>
             </a:r>
             <a:r>
               <a:rPr lang="de-CH" dirty="0" smtClean="0">
@@ -7042,11 +7038,7 @@
           <a:p>
             <a:r>
               <a:rPr lang="de-CH" dirty="0" smtClean="0"/>
-              <a:t>Wurden in folge </a:t>
-            </a:r>
-            <a:r>
-              <a:rPr lang="de-CH" dirty="0" smtClean="0"/>
-              <a:t>zu wenig berücksichtigt</a:t>
+              <a:t>Wurden in folge zu wenig berücksichtigt</a:t>
             </a:r>
           </a:p>
           <a:p>
@@ -7482,30 +7474,14 @@
             </a:r>
             <a:r>
               <a:rPr lang="de-CH" dirty="0" smtClean="0"/>
-              <a:t> </a:t>
-            </a:r>
+              <a:t> nur Mo, Mi &amp; Do</a:t>
+            </a:r>
+          </a:p>
+          <a:p>
+            <a:pPr lvl="1"/>
             <a:r>
               <a:rPr lang="de-CH" dirty="0" smtClean="0"/>
-              <a:t>nur Mo, </a:t>
-            </a:r>
-            <a:r>
-              <a:rPr lang="de-CH" dirty="0" smtClean="0"/>
-              <a:t>Mi &amp; </a:t>
-            </a:r>
-            <a:r>
-              <a:rPr lang="de-CH" dirty="0" smtClean="0"/>
-              <a:t>Do</a:t>
-            </a:r>
-          </a:p>
-          <a:p>
-            <a:pPr lvl="1"/>
-            <a:r>
-              <a:rPr lang="de-CH" dirty="0" smtClean="0"/>
-              <a:t>Klarere </a:t>
-            </a:r>
-            <a:r>
-              <a:rPr lang="de-CH" dirty="0" smtClean="0"/>
-              <a:t>Aufteilung</a:t>
+              <a:t>Klarere Aufteilung</a:t>
             </a:r>
           </a:p>
           <a:p>
@@ -7522,17 +7498,12 @@
               <a:rPr lang="de-CH" dirty="0" smtClean="0"/>
               <a:t>!</a:t>
             </a:r>
-            <a:endParaRPr lang="de-CH" dirty="0" smtClean="0"/>
           </a:p>
           <a:p>
             <a:pPr lvl="1"/>
             <a:r>
               <a:rPr lang="de-CH" dirty="0" smtClean="0"/>
-              <a:t>Manchmal </a:t>
-            </a:r>
-            <a:r>
-              <a:rPr lang="de-CH" dirty="0" smtClean="0"/>
-              <a:t>zu viel sonstiges besprochen</a:t>
+              <a:t>Manchmal zu viel sonstiges besprochen</a:t>
             </a:r>
           </a:p>
           <a:p>
@@ -7550,11 +7521,7 @@
             </a:r>
             <a:r>
               <a:rPr lang="de-CH" dirty="0" smtClean="0"/>
-              <a:t> </a:t>
-            </a:r>
-            <a:r>
-              <a:rPr lang="de-CH" dirty="0" smtClean="0"/>
-              <a:t>Master</a:t>
+              <a:t> Master</a:t>
             </a:r>
           </a:p>
           <a:p>
@@ -7564,8 +7531,8 @@
               <a:t>Sprint </a:t>
             </a:r>
             <a:r>
-              <a:rPr lang="de-CH" dirty="0" err="1" smtClean="0"/>
-              <a:t>Planning</a:t>
+              <a:rPr lang="de-CH" dirty="0" smtClean="0"/>
+              <a:t>Planung</a:t>
             </a:r>
             <a:endParaRPr lang="de-CH" dirty="0" smtClean="0"/>
           </a:p>
@@ -7581,6 +7548,24 @@
             <a:r>
               <a:rPr lang="de-CH" dirty="0" smtClean="0"/>
               <a:t>Selbständiger</a:t>
+            </a:r>
+          </a:p>
+          <a:p>
+            <a:pPr lvl="1"/>
+            <a:r>
+              <a:rPr lang="de-CH" dirty="0" smtClean="0"/>
+              <a:t>Klare Aufteilung Schwierig</a:t>
+            </a:r>
+          </a:p>
+          <a:p>
+            <a:pPr lvl="2"/>
+            <a:r>
+              <a:rPr lang="de-CH" dirty="0" smtClean="0"/>
+              <a:t>Häufiges Pare </a:t>
+            </a:r>
+            <a:r>
+              <a:rPr lang="de-CH" dirty="0" err="1" smtClean="0"/>
+              <a:t>Programming</a:t>
             </a:r>
             <a:endParaRPr lang="de-CH" dirty="0"/>
           </a:p>
@@ -7898,8 +7883,8 @@
           <a:lstStyle/>
           <a:p>
             <a:r>
-              <a:rPr lang="de-CH" dirty="0" err="1" smtClean="0"/>
-              <a:t>Sequence</a:t>
+              <a:rPr lang="de-CH" dirty="0" smtClean="0"/>
+              <a:t>Agenda</a:t>
             </a:r>
             <a:endParaRPr lang="de-CH" dirty="0"/>
           </a:p>
@@ -8242,7 +8227,80 @@
           <a:bodyPr/>
           <a:lstStyle/>
           <a:p>
+            <a:r>
+              <a:rPr lang="de-CH" dirty="0" err="1" smtClean="0"/>
+              <a:t>Health</a:t>
+            </a:r>
+            <a:r>
+              <a:rPr lang="de-CH" dirty="0" smtClean="0"/>
+              <a:t> </a:t>
+            </a:r>
+            <a:r>
+              <a:rPr lang="de-CH" dirty="0" err="1" smtClean="0"/>
+              <a:t>Visitor</a:t>
+            </a:r>
+            <a:r>
+              <a:rPr lang="de-CH" dirty="0" smtClean="0"/>
+              <a:t> Kalender</a:t>
+            </a:r>
+          </a:p>
+          <a:p>
+            <a:pPr lvl="1"/>
+            <a:r>
+              <a:rPr lang="de-CH" dirty="0" smtClean="0"/>
+              <a:t>Monatsansicht</a:t>
+            </a:r>
+          </a:p>
+          <a:p>
+            <a:pPr lvl="1"/>
+            <a:r>
+              <a:rPr lang="de-CH" dirty="0" smtClean="0"/>
+              <a:t>Wochenansicht</a:t>
+            </a:r>
+          </a:p>
+          <a:p>
+            <a:pPr lvl="1"/>
+            <a:r>
+              <a:rPr lang="de-CH" dirty="0" smtClean="0"/>
+              <a:t>Tagesansicht</a:t>
+            </a:r>
             <a:endParaRPr lang="de-CH" dirty="0"/>
+          </a:p>
+          <a:p>
+            <a:r>
+              <a:rPr lang="de-CH" dirty="0" smtClean="0"/>
+              <a:t>Patienten Liste</a:t>
+            </a:r>
+          </a:p>
+          <a:p>
+            <a:pPr lvl="1"/>
+            <a:r>
+              <a:rPr lang="de-CH" dirty="0" smtClean="0"/>
+              <a:t>Filter</a:t>
+            </a:r>
+            <a:endParaRPr lang="de-CH" dirty="0"/>
+          </a:p>
+          <a:p>
+            <a:r>
+              <a:rPr lang="de-CH" dirty="0" smtClean="0"/>
+              <a:t>Login Controller</a:t>
+            </a:r>
+          </a:p>
+          <a:p>
+            <a:r>
+              <a:rPr lang="de-CH" dirty="0" smtClean="0"/>
+              <a:t>JPA Database</a:t>
+            </a:r>
+          </a:p>
+          <a:p>
+            <a:pPr lvl="1"/>
+            <a:r>
+              <a:rPr lang="de-CH" dirty="0" smtClean="0"/>
+              <a:t>Klassen für JPA anpassen</a:t>
+            </a:r>
+          </a:p>
+          <a:p>
+            <a:endParaRPr lang="de-CH" dirty="0" smtClean="0"/>
           </a:p>
         </p:txBody>
       </p:sp>
@@ -9257,12 +9315,11 @@
 </file>
 
 <file path=customXml/item1.xml><?xml version="1.0" encoding="utf-8"?>
-<?mso-contentType ?>
-<FormTemplates xmlns="http://schemas.microsoft.com/sharepoint/v3/contenttype/forms">
-  <Display>DocumentLibraryForm</Display>
-  <Edit>DocumentLibraryForm</Edit>
-  <New>DocumentLibraryForm</New>
-</FormTemplates>
+<p:properties xmlns:p="http://schemas.microsoft.com/office/2006/metadata/properties" xmlns:xsi="http://www.w3.org/2001/XMLSchema-instance">
+  <documentManagement>
+    <AVMTitle xmlns="5091c847-84be-4f4f-b16c-c018ad2ca66b">Präsentation BFH_2013</AVMTitle>
+  </documentManagement>
+</p:properties>
 </file>
 
 <file path=customXml/item2.xml><?xml version="1.0" encoding="utf-8"?>
@@ -9326,17 +9383,25 @@
 </file>
 
 <file path=customXml/item3.xml><?xml version="1.0" encoding="utf-8"?>
-<p:properties xmlns:p="http://schemas.microsoft.com/office/2006/metadata/properties" xmlns:xsi="http://www.w3.org/2001/XMLSchema-instance">
-  <documentManagement>
-    <AVMTitle xmlns="5091c847-84be-4f4f-b16c-c018ad2ca66b">Präsentation BFH_2013</AVMTitle>
-  </documentManagement>
-</p:properties>
+<?mso-contentType ?>
+<FormTemplates xmlns="http://schemas.microsoft.com/sharepoint/v3/contenttype/forms">
+  <Display>DocumentLibraryForm</Display>
+  <Edit>DocumentLibraryForm</Edit>
+  <New>DocumentLibraryForm</New>
+</FormTemplates>
 </file>
 
 <file path=customXml/itemProps1.xml><?xml version="1.0" encoding="utf-8"?>
-<ds:datastoreItem xmlns:ds="http://schemas.openxmlformats.org/officeDocument/2006/customXml" ds:itemID="{1851D33F-E468-417B-A30C-509B68D2BD09}">
+<ds:datastoreItem xmlns:ds="http://schemas.openxmlformats.org/officeDocument/2006/customXml" ds:itemID="{32991507-CB83-4F49-BAFB-D322B1D04098}">
   <ds:schemaRefs>
-    <ds:schemaRef ds:uri="http://schemas.microsoft.com/sharepoint/v3/contenttype/forms"/>
+    <ds:schemaRef ds:uri="http://purl.org/dc/terms/"/>
+    <ds:schemaRef ds:uri="http://schemas.openxmlformats.org/package/2006/metadata/core-properties"/>
+    <ds:schemaRef ds:uri="http://schemas.microsoft.com/office/2006/documentManagement/types"/>
+    <ds:schemaRef ds:uri="5091c847-84be-4f4f-b16c-c018ad2ca66b"/>
+    <ds:schemaRef ds:uri="http://purl.org/dc/elements/1.1/"/>
+    <ds:schemaRef ds:uri="http://schemas.microsoft.com/office/2006/metadata/properties"/>
+    <ds:schemaRef ds:uri="http://www.w3.org/XML/1998/namespace"/>
+    <ds:schemaRef ds:uri="http://purl.org/dc/dcmitype/"/>
   </ds:schemaRefs>
 </ds:datastoreItem>
 </file>
@@ -9359,16 +9424,9 @@
 </file>
 
 <file path=customXml/itemProps3.xml><?xml version="1.0" encoding="utf-8"?>
-<ds:datastoreItem xmlns:ds="http://schemas.openxmlformats.org/officeDocument/2006/customXml" ds:itemID="{32991507-CB83-4F49-BAFB-D322B1D04098}">
+<ds:datastoreItem xmlns:ds="http://schemas.openxmlformats.org/officeDocument/2006/customXml" ds:itemID="{1851D33F-E468-417B-A30C-509B68D2BD09}">
   <ds:schemaRefs>
-    <ds:schemaRef ds:uri="http://purl.org/dc/terms/"/>
-    <ds:schemaRef ds:uri="http://schemas.openxmlformats.org/package/2006/metadata/core-properties"/>
-    <ds:schemaRef ds:uri="http://schemas.microsoft.com/office/2006/documentManagement/types"/>
-    <ds:schemaRef ds:uri="5091c847-84be-4f4f-b16c-c018ad2ca66b"/>
-    <ds:schemaRef ds:uri="http://purl.org/dc/elements/1.1/"/>
-    <ds:schemaRef ds:uri="http://schemas.microsoft.com/office/2006/metadata/properties"/>
-    <ds:schemaRef ds:uri="http://www.w3.org/XML/1998/namespace"/>
-    <ds:schemaRef ds:uri="http://purl.org/dc/dcmitype/"/>
+    <ds:schemaRef ds:uri="http://schemas.microsoft.com/sharepoint/v3/contenttype/forms"/>
   </ds:schemaRefs>
 </ds:datastoreItem>
 </file>
--- a/doc/task14/Task14.pptx
+++ b/doc/task14/Task14.pptx
@@ -1,6 +1,6 @@
 
 <file path=ppt/presentation.xml><?xml version="1.0" encoding="utf-8"?>
-<p:presentation xmlns:a="http://schemas.openxmlformats.org/drawingml/2006/main" xmlns:r="http://schemas.openxmlformats.org/officeDocument/2006/relationships" xmlns:p="http://schemas.openxmlformats.org/presentationml/2006/main" saveSubsetFonts="1" autoCompressPictures="0">
+<p:presentation xmlns:a="http://schemas.openxmlformats.org/drawingml/2006/main" xmlns:r="http://schemas.openxmlformats.org/officeDocument/2006/relationships" xmlns:p="http://schemas.openxmlformats.org/presentationml/2006/main" serverZoom="22852" saveSubsetFonts="1" autoCompressPictures="0">
   <p:sldMasterIdLst>
     <p:sldMasterId id="2147483669" r:id="rId4"/>
   </p:sldMasterIdLst>
@@ -271,7 +271,7 @@
           <a:p>
             <a:fld id="{EFA0D184-D464-48E9-9CA0-A94E873F6C2C}" type="datetimeFigureOut">
               <a:rPr lang="de-CH" smtClean="0"/>
-              <a:t>tt.01.jjjj</a:t>
+              <a:t>20.01.2016</a:t>
             </a:fld>
             <a:endParaRPr lang="de-CH"/>
           </a:p>
@@ -337,7 +337,7 @@
           <a:p>
             <a:fld id="{5F377753-DB7C-4FA7-98FC-17681D88797A}" type="slidenum">
               <a:rPr lang="de-CH" smtClean="0"/>
-              <a:t>‹Nr.›</a:t>
+              <a:t>‹#›</a:t>
             </a:fld>
             <a:endParaRPr lang="de-CH"/>
           </a:p>
@@ -436,7 +436,7 @@
           <a:p>
             <a:fld id="{5AF2B663-2BA9-4D7E-8201-5DE4109E1EDD}" type="datetimeFigureOut">
               <a:rPr lang="de-CH" smtClean="0"/>
-              <a:t>tt.01.jjjj</a:t>
+              <a:t>20.01.2016</a:t>
             </a:fld>
             <a:endParaRPr lang="de-CH"/>
           </a:p>
@@ -595,7 +595,7 @@
           <a:p>
             <a:fld id="{37E44704-8E6D-4CF2-8CFA-A0F7BC751896}" type="slidenum">
               <a:rPr lang="de-CH" smtClean="0"/>
-              <a:t>‹Nr.›</a:t>
+              <a:t>‹#›</a:t>
             </a:fld>
             <a:endParaRPr lang="de-CH"/>
           </a:p>
@@ -2214,7 +2214,7 @@
           <a:p>
             <a:fld id="{F19AE9A8-34D4-4E8C-BE9C-13C550F1BED0}" type="slidenum">
               <a:rPr lang="de-CH" smtClean="0"/>
-              <a:t>‹Nr.›</a:t>
+              <a:t>‹#›</a:t>
             </a:fld>
             <a:endParaRPr lang="de-CH" dirty="0"/>
           </a:p>
@@ -2267,7 +2267,7 @@
           <a:p>
             <a:fld id="{F19AE9A8-34D4-4E8C-BE9C-13C550F1BED0}" type="slidenum">
               <a:rPr lang="de-CH" smtClean="0"/>
-              <a:t>‹Nr.›</a:t>
+              <a:t>‹#›</a:t>
             </a:fld>
             <a:endParaRPr lang="de-CH" dirty="0"/>
           </a:p>
@@ -3298,7 +3298,7 @@
           <a:p>
             <a:fld id="{F19AE9A8-34D4-4E8C-BE9C-13C550F1BED0}" type="slidenum">
               <a:rPr lang="de-CH" smtClean="0"/>
-              <a:t>‹Nr.›</a:t>
+              <a:t>‹#›</a:t>
             </a:fld>
             <a:endParaRPr lang="de-CH" dirty="0"/>
           </a:p>
@@ -3687,7 +3687,7 @@
           <a:p>
             <a:fld id="{F19AE9A8-34D4-4E8C-BE9C-13C550F1BED0}" type="slidenum">
               <a:rPr lang="de-CH" smtClean="0"/>
-              <a:t>‹Nr.›</a:t>
+              <a:t>‹#›</a:t>
             </a:fld>
             <a:endParaRPr lang="de-CH" dirty="0"/>
           </a:p>
@@ -3914,7 +3914,7 @@
           <a:p>
             <a:fld id="{F19AE9A8-34D4-4E8C-BE9C-13C550F1BED0}" type="slidenum">
               <a:rPr lang="de-CH" smtClean="0"/>
-              <a:t>‹Nr.›</a:t>
+              <a:t>‹#›</a:t>
             </a:fld>
             <a:endParaRPr lang="de-CH" dirty="0"/>
           </a:p>
@@ -4215,7 +4215,7 @@
           <a:p>
             <a:fld id="{F19AE9A8-34D4-4E8C-BE9C-13C550F1BED0}" type="slidenum">
               <a:rPr lang="de-CH" smtClean="0"/>
-              <a:t>‹Nr.›</a:t>
+              <a:t>‹#›</a:t>
             </a:fld>
             <a:endParaRPr lang="de-CH" dirty="0"/>
           </a:p>
@@ -4738,7 +4738,7 @@
           <a:p>
             <a:fld id="{F19AE9A8-34D4-4E8C-BE9C-13C550F1BED0}" type="slidenum">
               <a:rPr lang="de-CH" smtClean="0"/>
-              <a:t>‹Nr.›</a:t>
+              <a:t>‹#›</a:t>
             </a:fld>
             <a:endParaRPr lang="de-CH" dirty="0"/>
           </a:p>
@@ -5261,7 +5261,7 @@
           <a:p>
             <a:fld id="{F19AE9A8-34D4-4E8C-BE9C-13C550F1BED0}" type="slidenum">
               <a:rPr lang="de-CH" smtClean="0"/>
-              <a:t>‹Nr.›</a:t>
+              <a:t>‹#›</a:t>
             </a:fld>
             <a:endParaRPr lang="de-CH" dirty="0"/>
           </a:p>
@@ -5988,7 +5988,7 @@
             <a:fld id="{F19AE9A8-34D4-4E8C-BE9C-13C550F1BED0}" type="slidenum">
               <a:rPr lang="de-CH" smtClean="0"/>
               <a:pPr/>
-              <a:t>‹Nr.›</a:t>
+              <a:t>‹#›</a:t>
             </a:fld>
             <a:endParaRPr lang="de-CH" dirty="0"/>
           </a:p>
@@ -6374,7 +6374,7 @@
             <a:fld id="{F19AE9A8-34D4-4E8C-BE9C-13C550F1BED0}" type="slidenum">
               <a:rPr lang="de-CH" smtClean="0"/>
               <a:pPr/>
-              <a:t>‹Nr.›</a:t>
+              <a:t>‹#›</a:t>
             </a:fld>
             <a:endParaRPr lang="de-CH" dirty="0"/>
           </a:p>
@@ -7019,26 +7019,20 @@
               <a:rPr lang="de-CH" dirty="0" smtClean="0">
                 <a:sym typeface="Wingdings" panose="05000000000000000000" pitchFamily="2" charset="2"/>
               </a:rPr>
-              <a:t> Mehr </a:t>
-            </a:r>
-            <a:r>
-              <a:rPr lang="de-CH" dirty="0" err="1" smtClean="0">
-                <a:sym typeface="Wingdings" panose="05000000000000000000" pitchFamily="2" charset="2"/>
-              </a:rPr>
-              <a:t>einhohlen</a:t>
+              <a:t> Mehr einholen</a:t>
             </a:r>
             <a:endParaRPr lang="de-CH" dirty="0" smtClean="0"/>
           </a:p>
           <a:p>
             <a:r>
               <a:rPr lang="de-CH" dirty="0" smtClean="0"/>
-              <a:t>Zu wenig Vorkentnisse</a:t>
+              <a:t>Zu wenig Vorkenntnisse</a:t>
             </a:r>
           </a:p>
           <a:p>
             <a:r>
               <a:rPr lang="de-CH" dirty="0" smtClean="0"/>
-              <a:t>Wurden in folge zu wenig berücksichtigt</a:t>
+              <a:t>Wurden in Folge zu wenig berücksichtigt</a:t>
             </a:r>
           </a:p>
           <a:p>
@@ -7128,13 +7122,23 @@
           <a:p>
             <a:r>
               <a:rPr lang="de-CH" dirty="0" smtClean="0"/>
-              <a:t>Ziemlich ausfühlich </a:t>
-            </a:r>
+              <a:t>Ziemlich </a:t>
+            </a:r>
+            <a:r>
+              <a:rPr lang="de-CH" dirty="0" smtClean="0"/>
+              <a:t>ausführlich</a:t>
+            </a:r>
+            <a:endParaRPr lang="de-CH" dirty="0" smtClean="0">
+              <a:sym typeface="Wingdings" panose="05000000000000000000" pitchFamily="2" charset="2"/>
+            </a:endParaRPr>
+          </a:p>
+          <a:p>
+            <a:pPr lvl="1"/>
             <a:r>
               <a:rPr lang="de-CH" dirty="0" smtClean="0">
                 <a:sym typeface="Wingdings" panose="05000000000000000000" pitchFamily="2" charset="2"/>
               </a:rPr>
-              <a:t> Praktisch fürs weitere Vorgehen</a:t>
+              <a:t>Praktisch fürs weitere Vorgehen</a:t>
             </a:r>
           </a:p>
           <a:p>
@@ -7159,7 +7163,16 @@
               <a:rPr lang="de-CH" dirty="0" smtClean="0">
                 <a:sym typeface="Wingdings" panose="05000000000000000000" pitchFamily="2" charset="2"/>
               </a:rPr>
-              <a:t>Projekt von Beginn begrenzen  Detailliertere Requirements</a:t>
+              <a:t>Projekt von Beginn begrenzen</a:t>
+            </a:r>
+          </a:p>
+          <a:p>
+            <a:pPr lvl="1"/>
+            <a:r>
+              <a:rPr lang="de-CH" dirty="0" smtClean="0">
+                <a:sym typeface="Wingdings" panose="05000000000000000000" pitchFamily="2" charset="2"/>
+              </a:rPr>
+              <a:t>Detailliertere Requirements</a:t>
             </a:r>
           </a:p>
           <a:p>
@@ -7247,8 +7260,13 @@
           <a:p>
             <a:r>
               <a:rPr lang="de-CH" dirty="0" smtClean="0"/>
-              <a:t>Teils sehr Detailliert</a:t>
-            </a:r>
+              <a:t>Teils sehr </a:t>
+            </a:r>
+            <a:r>
+              <a:rPr lang="de-CH" dirty="0" smtClean="0"/>
+              <a:t>detailliert</a:t>
+            </a:r>
+            <a:endParaRPr lang="de-CH" dirty="0" smtClean="0"/>
           </a:p>
           <a:p>
             <a:r>
@@ -7265,7 +7283,7 @@
           <a:p>
             <a:r>
               <a:rPr lang="de-CH" dirty="0" smtClean="0"/>
-              <a:t>Evaluation durch Leien und Fachpersonen</a:t>
+              <a:t>Evaluation durch Laien und Fachpersonen</a:t>
             </a:r>
           </a:p>
         </p:txBody>
@@ -7357,7 +7375,7 @@
           <a:p>
             <a:r>
               <a:rPr lang="de-CH" dirty="0" smtClean="0"/>
-              <a:t>Implementation der DB am schluss OK</a:t>
+              <a:t>Implementation der DB am Schluss OK</a:t>
             </a:r>
           </a:p>
           <a:p>
@@ -7369,7 +7387,7 @@
           <a:p>
             <a:r>
               <a:rPr lang="de-CH" dirty="0" smtClean="0"/>
-              <a:t>Unterschiedliches Wissen</a:t>
+              <a:t>Unterschiedliches Vorwissen</a:t>
             </a:r>
           </a:p>
         </p:txBody>
@@ -7459,7 +7477,7 @@
             <a:pPr lvl="2"/>
             <a:r>
               <a:rPr lang="de-CH" dirty="0" smtClean="0"/>
-              <a:t>Etwas unnötig bei 10 min Dev-Zeit</a:t>
+              <a:t>Etwas unnötig bei 10 min Development-Zeit</a:t>
             </a:r>
           </a:p>
           <a:p>
@@ -7503,7 +7521,7 @@
             <a:pPr lvl="1"/>
             <a:r>
               <a:rPr lang="de-CH" dirty="0" smtClean="0"/>
-              <a:t>Manchmal zu viel sonstiges besprochen</a:t>
+              <a:t>Manchmal zu viel Sonstiges besprochen</a:t>
             </a:r>
           </a:p>
           <a:p>
@@ -7528,13 +7546,8 @@
             <a:pPr lvl="1"/>
             <a:r>
               <a:rPr lang="de-CH" dirty="0" smtClean="0"/>
-              <a:t>Sprint </a:t>
-            </a:r>
-            <a:r>
-              <a:rPr lang="de-CH" dirty="0" smtClean="0"/>
-              <a:t>Planung</a:t>
-            </a:r>
-            <a:endParaRPr lang="de-CH" dirty="0" smtClean="0"/>
+              <a:t>Sprint Planung</a:t>
+            </a:r>
           </a:p>
           <a:p>
             <a:pPr lvl="2"/>
@@ -7554,18 +7567,14 @@
             <a:pPr lvl="1"/>
             <a:r>
               <a:rPr lang="de-CH" dirty="0" smtClean="0"/>
-              <a:t>Klare Aufteilung Schwierig</a:t>
+              <a:t>Klare Aufteilung schwierig</a:t>
             </a:r>
           </a:p>
           <a:p>
             <a:pPr lvl="2"/>
             <a:r>
               <a:rPr lang="de-CH" dirty="0" smtClean="0"/>
-              <a:t>Häufiges Pare </a:t>
-            </a:r>
-            <a:r>
-              <a:rPr lang="de-CH" dirty="0" err="1" smtClean="0"/>
-              <a:t>Programming</a:t>
+              <a:t>Häufiges Pair Programming</a:t>
             </a:r>
             <a:endParaRPr lang="de-CH" dirty="0"/>
           </a:p>
@@ -9315,14 +9324,6 @@
 </file>
 
 <file path=customXml/item1.xml><?xml version="1.0" encoding="utf-8"?>
-<p:properties xmlns:p="http://schemas.microsoft.com/office/2006/metadata/properties" xmlns:xsi="http://www.w3.org/2001/XMLSchema-instance">
-  <documentManagement>
-    <AVMTitle xmlns="5091c847-84be-4f4f-b16c-c018ad2ca66b">Präsentation BFH_2013</AVMTitle>
-  </documentManagement>
-</p:properties>
-</file>
-
-<file path=customXml/item2.xml><?xml version="1.0" encoding="utf-8"?>
 <ct:contentTypeSchema xmlns:ct="http://schemas.microsoft.com/office/2006/metadata/contentType" xmlns:ma="http://schemas.microsoft.com/office/2006/metadata/properties/metaAttributes" ct:_="" ma:_="" ma:contentTypeName="Dokument" ma:contentTypeID="0x010100EBE3A9EFF36793468C03E2811ACE2A2B" ma:contentTypeVersion="1" ma:contentTypeDescription="Ein neues Dokument erstellen." ma:contentTypeScope="" ma:versionID="e65be32cb1bfff77fc8c9c09bf542651">
   <xsd:schema xmlns:xsd="http://www.w3.org/2001/XMLSchema" xmlns:p="http://schemas.microsoft.com/office/2006/metadata/properties" xmlns:ns2="5091c847-84be-4f4f-b16c-c018ad2ca66b" targetNamespace="http://schemas.microsoft.com/office/2006/metadata/properties" ma:root="true" ma:fieldsID="7636c84aed5b7d09a166fcef888725d4" ns2:_="">
     <xsd:import namespace="5091c847-84be-4f4f-b16c-c018ad2ca66b"/>
@@ -9382,7 +9383,7 @@
 </ct:contentTypeSchema>
 </file>
 
-<file path=customXml/item3.xml><?xml version="1.0" encoding="utf-8"?>
+<file path=customXml/item2.xml><?xml version="1.0" encoding="utf-8"?>
 <?mso-contentType ?>
 <FormTemplates xmlns="http://schemas.microsoft.com/sharepoint/v3/contenttype/forms">
   <Display>DocumentLibraryForm</Display>
@@ -9391,22 +9392,15 @@
 </FormTemplates>
 </file>
 
-<file path=customXml/itemProps1.xml><?xml version="1.0" encoding="utf-8"?>
-<ds:datastoreItem xmlns:ds="http://schemas.openxmlformats.org/officeDocument/2006/customXml" ds:itemID="{32991507-CB83-4F49-BAFB-D322B1D04098}">
-  <ds:schemaRefs>
-    <ds:schemaRef ds:uri="http://purl.org/dc/terms/"/>
-    <ds:schemaRef ds:uri="http://schemas.openxmlformats.org/package/2006/metadata/core-properties"/>
-    <ds:schemaRef ds:uri="http://schemas.microsoft.com/office/2006/documentManagement/types"/>
-    <ds:schemaRef ds:uri="5091c847-84be-4f4f-b16c-c018ad2ca66b"/>
-    <ds:schemaRef ds:uri="http://purl.org/dc/elements/1.1/"/>
-    <ds:schemaRef ds:uri="http://schemas.microsoft.com/office/2006/metadata/properties"/>
-    <ds:schemaRef ds:uri="http://www.w3.org/XML/1998/namespace"/>
-    <ds:schemaRef ds:uri="http://purl.org/dc/dcmitype/"/>
-  </ds:schemaRefs>
-</ds:datastoreItem>
+<file path=customXml/item3.xml><?xml version="1.0" encoding="utf-8"?>
+<p:properties xmlns:p="http://schemas.microsoft.com/office/2006/metadata/properties" xmlns:xsi="http://www.w3.org/2001/XMLSchema-instance">
+  <documentManagement>
+    <AVMTitle xmlns="5091c847-84be-4f4f-b16c-c018ad2ca66b">Präsentation BFH_2013</AVMTitle>
+  </documentManagement>
+</p:properties>
 </file>
 
-<file path=customXml/itemProps2.xml><?xml version="1.0" encoding="utf-8"?>
+<file path=customXml/itemProps1.xml><?xml version="1.0" encoding="utf-8"?>
 <ds:datastoreItem xmlns:ds="http://schemas.openxmlformats.org/officeDocument/2006/customXml" ds:itemID="{15287BEA-F3FF-4B87-929B-5D0092183197}">
   <ds:schemaRefs>
     <ds:schemaRef ds:uri="http://schemas.microsoft.com/office/2006/metadata/contentType"/>
@@ -9423,10 +9417,25 @@
 </ds:datastoreItem>
 </file>
 
-<file path=customXml/itemProps3.xml><?xml version="1.0" encoding="utf-8"?>
+<file path=customXml/itemProps2.xml><?xml version="1.0" encoding="utf-8"?>
 <ds:datastoreItem xmlns:ds="http://schemas.openxmlformats.org/officeDocument/2006/customXml" ds:itemID="{1851D33F-E468-417B-A30C-509B68D2BD09}">
   <ds:schemaRefs>
     <ds:schemaRef ds:uri="http://schemas.microsoft.com/sharepoint/v3/contenttype/forms"/>
   </ds:schemaRefs>
 </ds:datastoreItem>
+</file>
+
+<file path=customXml/itemProps3.xml><?xml version="1.0" encoding="utf-8"?>
+<ds:datastoreItem xmlns:ds="http://schemas.openxmlformats.org/officeDocument/2006/customXml" ds:itemID="{32991507-CB83-4F49-BAFB-D322B1D04098}">
+  <ds:schemaRefs>
+    <ds:schemaRef ds:uri="http://purl.org/dc/terms/"/>
+    <ds:schemaRef ds:uri="http://schemas.openxmlformats.org/package/2006/metadata/core-properties"/>
+    <ds:schemaRef ds:uri="http://schemas.microsoft.com/office/2006/documentManagement/types"/>
+    <ds:schemaRef ds:uri="5091c847-84be-4f4f-b16c-c018ad2ca66b"/>
+    <ds:schemaRef ds:uri="http://purl.org/dc/elements/1.1/"/>
+    <ds:schemaRef ds:uri="http://schemas.microsoft.com/office/2006/metadata/properties"/>
+    <ds:schemaRef ds:uri="http://www.w3.org/XML/1998/namespace"/>
+    <ds:schemaRef ds:uri="http://purl.org/dc/dcmitype/"/>
+  </ds:schemaRefs>
+</ds:datastoreItem>
 </file>
--- a/doc/task14/Task14.pptx
+++ b/doc/task14/Task14.pptx
@@ -8092,6 +8092,33 @@
           <a:bodyPr/>
           <a:lstStyle/>
           <a:p>
+            <a:r>
+              <a:rPr lang="de-CH" dirty="0" smtClean="0"/>
+              <a:t>Basisklassen &amp; -funktionalität</a:t>
+            </a:r>
+          </a:p>
+          <a:p>
+            <a:r>
+              <a:rPr lang="de-CH" dirty="0"/>
+              <a:t>(</a:t>
+            </a:r>
+            <a:r>
+              <a:rPr lang="de-CH" dirty="0" smtClean="0"/>
+              <a:t>Tests davon)</a:t>
+            </a:r>
+            <a:endParaRPr lang="de-CH" dirty="0"/>
+          </a:p>
+          <a:p>
+            <a:r>
+              <a:rPr lang="de-CH" dirty="0" smtClean="0"/>
+              <a:t>Interfaces</a:t>
+            </a:r>
+          </a:p>
+          <a:p>
+            <a:r>
+              <a:rPr lang="de-CH" dirty="0" smtClean="0"/>
+              <a:t>Login</a:t>
+            </a:r>
             <a:endParaRPr lang="de-CH" dirty="0"/>
           </a:p>
         </p:txBody>
@@ -8119,6 +8146,54 @@
           </a:p>
         </p:txBody>
       </p:sp>
+      <p:pic>
+        <p:nvPicPr>
+          <p:cNvPr id="4" name="Picture 3"/>
+          <p:cNvPicPr>
+            <a:picLocks noChangeAspect="1"/>
+          </p:cNvPicPr>
+          <p:nvPr/>
+        </p:nvPicPr>
+        <p:blipFill>
+          <a:blip r:embed="rId2"/>
+          <a:stretch>
+            <a:fillRect/>
+          </a:stretch>
+        </p:blipFill>
+        <p:spPr>
+          <a:xfrm>
+            <a:off x="468000" y="2653521"/>
+            <a:ext cx="4855173" cy="3466478"/>
+          </a:xfrm>
+          <a:prstGeom prst="rect">
+            <a:avLst/>
+          </a:prstGeom>
+        </p:spPr>
+      </p:pic>
+      <p:pic>
+        <p:nvPicPr>
+          <p:cNvPr id="5" name="Picture 4"/>
+          <p:cNvPicPr>
+            <a:picLocks noChangeAspect="1"/>
+          </p:cNvPicPr>
+          <p:nvPr/>
+        </p:nvPicPr>
+        <p:blipFill>
+          <a:blip r:embed="rId3"/>
+          <a:stretch>
+            <a:fillRect/>
+          </a:stretch>
+        </p:blipFill>
+        <p:spPr>
+          <a:xfrm>
+            <a:off x="2743201" y="2904859"/>
+            <a:ext cx="5611354" cy="3039984"/>
+          </a:xfrm>
+          <a:prstGeom prst="rect">
+            <a:avLst/>
+          </a:prstGeom>
+        </p:spPr>
+      </p:pic>
     </p:spTree>
     <p:extLst>
       <p:ext uri="{BB962C8B-B14F-4D97-AF65-F5344CB8AC3E}">

--- a/doc/task14/Task14.pptx
+++ b/doc/task14/Task14.pptx
@@ -271,7 +271,7 @@
           <a:p>
             <a:fld id="{EFA0D184-D464-48E9-9CA0-A94E873F6C2C}" type="datetimeFigureOut">
               <a:rPr lang="de-CH" smtClean="0"/>
-              <a:t>20.01.2016</a:t>
+              <a:t>tt.01.jjjj</a:t>
             </a:fld>
             <a:endParaRPr lang="de-CH"/>
           </a:p>
@@ -337,7 +337,7 @@
           <a:p>
             <a:fld id="{5F377753-DB7C-4FA7-98FC-17681D88797A}" type="slidenum">
               <a:rPr lang="de-CH" smtClean="0"/>
-              <a:t>‹#›</a:t>
+              <a:t>‹Nr.›</a:t>
             </a:fld>
             <a:endParaRPr lang="de-CH"/>
           </a:p>
@@ -436,7 +436,7 @@
           <a:p>
             <a:fld id="{5AF2B663-2BA9-4D7E-8201-5DE4109E1EDD}" type="datetimeFigureOut">
               <a:rPr lang="de-CH" smtClean="0"/>
-              <a:t>20.01.2016</a:t>
+              <a:t>tt.01.jjjj</a:t>
             </a:fld>
             <a:endParaRPr lang="de-CH"/>
           </a:p>
@@ -595,7 +595,7 @@
           <a:p>
             <a:fld id="{37E44704-8E6D-4CF2-8CFA-A0F7BC751896}" type="slidenum">
               <a:rPr lang="de-CH" smtClean="0"/>
-              <a:t>‹#›</a:t>
+              <a:t>‹Nr.›</a:t>
             </a:fld>
             <a:endParaRPr lang="de-CH"/>
           </a:p>
@@ -2214,7 +2214,7 @@
           <a:p>
             <a:fld id="{F19AE9A8-34D4-4E8C-BE9C-13C550F1BED0}" type="slidenum">
               <a:rPr lang="de-CH" smtClean="0"/>
-              <a:t>‹#›</a:t>
+              <a:t>‹Nr.›</a:t>
             </a:fld>
             <a:endParaRPr lang="de-CH" dirty="0"/>
           </a:p>
@@ -2267,7 +2267,7 @@
           <a:p>
             <a:fld id="{F19AE9A8-34D4-4E8C-BE9C-13C550F1BED0}" type="slidenum">
               <a:rPr lang="de-CH" smtClean="0"/>
-              <a:t>‹#›</a:t>
+              <a:t>‹Nr.›</a:t>
             </a:fld>
             <a:endParaRPr lang="de-CH" dirty="0"/>
           </a:p>
@@ -3298,7 +3298,7 @@
           <a:p>
             <a:fld id="{F19AE9A8-34D4-4E8C-BE9C-13C550F1BED0}" type="slidenum">
               <a:rPr lang="de-CH" smtClean="0"/>
-              <a:t>‹#›</a:t>
+              <a:t>‹Nr.›</a:t>
             </a:fld>
             <a:endParaRPr lang="de-CH" dirty="0"/>
           </a:p>
@@ -3687,7 +3687,7 @@
           <a:p>
             <a:fld id="{F19AE9A8-34D4-4E8C-BE9C-13C550F1BED0}" type="slidenum">
               <a:rPr lang="de-CH" smtClean="0"/>
-              <a:t>‹#›</a:t>
+              <a:t>‹Nr.›</a:t>
             </a:fld>
             <a:endParaRPr lang="de-CH" dirty="0"/>
           </a:p>
@@ -3914,7 +3914,7 @@
           <a:p>
             <a:fld id="{F19AE9A8-34D4-4E8C-BE9C-13C550F1BED0}" type="slidenum">
               <a:rPr lang="de-CH" smtClean="0"/>
-              <a:t>‹#›</a:t>
+              <a:t>‹Nr.›</a:t>
             </a:fld>
             <a:endParaRPr lang="de-CH" dirty="0"/>
           </a:p>
@@ -4215,7 +4215,7 @@
           <a:p>
             <a:fld id="{F19AE9A8-34D4-4E8C-BE9C-13C550F1BED0}" type="slidenum">
               <a:rPr lang="de-CH" smtClean="0"/>
-              <a:t>‹#›</a:t>
+              <a:t>‹Nr.›</a:t>
             </a:fld>
             <a:endParaRPr lang="de-CH" dirty="0"/>
           </a:p>
@@ -4738,7 +4738,7 @@
           <a:p>
             <a:fld id="{F19AE9A8-34D4-4E8C-BE9C-13C550F1BED0}" type="slidenum">
               <a:rPr lang="de-CH" smtClean="0"/>
-              <a:t>‹#›</a:t>
+              <a:t>‹Nr.›</a:t>
             </a:fld>
             <a:endParaRPr lang="de-CH" dirty="0"/>
           </a:p>
@@ -5261,7 +5261,7 @@
           <a:p>
             <a:fld id="{F19AE9A8-34D4-4E8C-BE9C-13C550F1BED0}" type="slidenum">
               <a:rPr lang="de-CH" smtClean="0"/>
-              <a:t>‹#›</a:t>
+              <a:t>‹Nr.›</a:t>
             </a:fld>
             <a:endParaRPr lang="de-CH" dirty="0"/>
           </a:p>
@@ -5988,7 +5988,7 @@
             <a:fld id="{F19AE9A8-34D4-4E8C-BE9C-13C550F1BED0}" type="slidenum">
               <a:rPr lang="de-CH" smtClean="0"/>
               <a:pPr/>
-              <a:t>‹#›</a:t>
+              <a:t>‹Nr.›</a:t>
             </a:fld>
             <a:endParaRPr lang="de-CH" dirty="0"/>
           </a:p>
@@ -6374,7 +6374,7 @@
             <a:fld id="{F19AE9A8-34D4-4E8C-BE9C-13C550F1BED0}" type="slidenum">
               <a:rPr lang="de-CH" smtClean="0"/>
               <a:pPr/>
-              <a:t>‹#›</a:t>
+              <a:t>‹Nr.›</a:t>
             </a:fld>
             <a:endParaRPr lang="de-CH" dirty="0"/>
           </a:p>
@@ -7122,11 +7122,7 @@
           <a:p>
             <a:r>
               <a:rPr lang="de-CH" dirty="0" smtClean="0"/>
-              <a:t>Ziemlich </a:t>
-            </a:r>
-            <a:r>
-              <a:rPr lang="de-CH" dirty="0" smtClean="0"/>
-              <a:t>ausführlich</a:t>
+              <a:t>Ziemlich ausführlich</a:t>
             </a:r>
             <a:endParaRPr lang="de-CH" dirty="0" smtClean="0">
               <a:sym typeface="Wingdings" panose="05000000000000000000" pitchFamily="2" charset="2"/>
@@ -7260,13 +7256,8 @@
           <a:p>
             <a:r>
               <a:rPr lang="de-CH" dirty="0" smtClean="0"/>
-              <a:t>Teils sehr </a:t>
-            </a:r>
-            <a:r>
-              <a:rPr lang="de-CH" dirty="0" smtClean="0"/>
-              <a:t>detailliert</a:t>
-            </a:r>
-            <a:endParaRPr lang="de-CH" dirty="0" smtClean="0"/>
+              <a:t>Teils sehr detailliert</a:t>
+            </a:r>
           </a:p>
           <a:p>
             <a:r>
@@ -7679,10 +7670,43 @@
           <a:p>
             <a:r>
               <a:rPr lang="de-CH" dirty="0" smtClean="0"/>
-              <a:t>Tim Dorner</a:t>
-            </a:r>
-          </a:p>
-          <a:p>
+              <a:t>Tim </a:t>
+            </a:r>
+            <a:r>
+              <a:rPr lang="de-CH" dirty="0" smtClean="0"/>
+              <a:t>Dorner</a:t>
+            </a:r>
+          </a:p>
+          <a:p>
+            <a:pPr lvl="1"/>
+            <a:r>
+              <a:rPr lang="de-CH" dirty="0" err="1" smtClean="0"/>
+              <a:t>Scrum</a:t>
+            </a:r>
+            <a:r>
+              <a:rPr lang="de-CH" dirty="0" smtClean="0"/>
+              <a:t> </a:t>
+            </a:r>
+            <a:r>
+              <a:rPr lang="de-CH" dirty="0" err="1" smtClean="0"/>
+              <a:t>planung</a:t>
+            </a:r>
+            <a:endParaRPr lang="de-CH" dirty="0" smtClean="0"/>
+          </a:p>
+          <a:p>
+            <a:pPr lvl="1"/>
+            <a:r>
+              <a:rPr lang="de-CH" dirty="0" smtClean="0"/>
+              <a:t>Paare </a:t>
+            </a:r>
+            <a:r>
+              <a:rPr lang="de-CH" dirty="0" err="1" smtClean="0"/>
+              <a:t>programming</a:t>
+            </a:r>
+            <a:endParaRPr lang="de-CH" dirty="0" smtClean="0"/>
+          </a:p>
+          <a:p>
+            <a:pPr lvl="1"/>
             <a:endParaRPr lang="de-CH" dirty="0"/>
           </a:p>
           <a:p>
@@ -9399,6 +9423,23 @@
 </file>
 
 <file path=customXml/item1.xml><?xml version="1.0" encoding="utf-8"?>
+<p:properties xmlns:p="http://schemas.microsoft.com/office/2006/metadata/properties" xmlns:xsi="http://www.w3.org/2001/XMLSchema-instance">
+  <documentManagement>
+    <AVMTitle xmlns="5091c847-84be-4f4f-b16c-c018ad2ca66b">Präsentation BFH_2013</AVMTitle>
+  </documentManagement>
+</p:properties>
+</file>
+
+<file path=customXml/item2.xml><?xml version="1.0" encoding="utf-8"?>
+<?mso-contentType ?>
+<FormTemplates xmlns="http://schemas.microsoft.com/sharepoint/v3/contenttype/forms">
+  <Display>DocumentLibraryForm</Display>
+  <Edit>DocumentLibraryForm</Edit>
+  <New>DocumentLibraryForm</New>
+</FormTemplates>
+</file>
+
+<file path=customXml/item3.xml><?xml version="1.0" encoding="utf-8"?>
 <ct:contentTypeSchema xmlns:ct="http://schemas.microsoft.com/office/2006/metadata/contentType" xmlns:ma="http://schemas.microsoft.com/office/2006/metadata/properties/metaAttributes" ct:_="" ma:_="" ma:contentTypeName="Dokument" ma:contentTypeID="0x010100EBE3A9EFF36793468C03E2811ACE2A2B" ma:contentTypeVersion="1" ma:contentTypeDescription="Ein neues Dokument erstellen." ma:contentTypeScope="" ma:versionID="e65be32cb1bfff77fc8c9c09bf542651">
   <xsd:schema xmlns:xsd="http://www.w3.org/2001/XMLSchema" xmlns:p="http://schemas.microsoft.com/office/2006/metadata/properties" xmlns:ns2="5091c847-84be-4f4f-b16c-c018ad2ca66b" targetNamespace="http://schemas.microsoft.com/office/2006/metadata/properties" ma:root="true" ma:fieldsID="7636c84aed5b7d09a166fcef888725d4" ns2:_="">
     <xsd:import namespace="5091c847-84be-4f4f-b16c-c018ad2ca66b"/>
@@ -9458,24 +9499,30 @@
 </ct:contentTypeSchema>
 </file>
 
-<file path=customXml/item2.xml><?xml version="1.0" encoding="utf-8"?>
-<?mso-contentType ?>
-<FormTemplates xmlns="http://schemas.microsoft.com/sharepoint/v3/contenttype/forms">
-  <Display>DocumentLibraryForm</Display>
-  <Edit>DocumentLibraryForm</Edit>
-  <New>DocumentLibraryForm</New>
-</FormTemplates>
+<file path=customXml/itemProps1.xml><?xml version="1.0" encoding="utf-8"?>
+<ds:datastoreItem xmlns:ds="http://schemas.openxmlformats.org/officeDocument/2006/customXml" ds:itemID="{32991507-CB83-4F49-BAFB-D322B1D04098}">
+  <ds:schemaRefs>
+    <ds:schemaRef ds:uri="http://purl.org/dc/terms/"/>
+    <ds:schemaRef ds:uri="http://schemas.openxmlformats.org/package/2006/metadata/core-properties"/>
+    <ds:schemaRef ds:uri="http://schemas.microsoft.com/office/2006/documentManagement/types"/>
+    <ds:schemaRef ds:uri="5091c847-84be-4f4f-b16c-c018ad2ca66b"/>
+    <ds:schemaRef ds:uri="http://purl.org/dc/elements/1.1/"/>
+    <ds:schemaRef ds:uri="http://schemas.microsoft.com/office/2006/metadata/properties"/>
+    <ds:schemaRef ds:uri="http://www.w3.org/XML/1998/namespace"/>
+    <ds:schemaRef ds:uri="http://purl.org/dc/dcmitype/"/>
+  </ds:schemaRefs>
+</ds:datastoreItem>
 </file>
 
-<file path=customXml/item3.xml><?xml version="1.0" encoding="utf-8"?>
-<p:properties xmlns:p="http://schemas.microsoft.com/office/2006/metadata/properties" xmlns:xsi="http://www.w3.org/2001/XMLSchema-instance">
-  <documentManagement>
-    <AVMTitle xmlns="5091c847-84be-4f4f-b16c-c018ad2ca66b">Präsentation BFH_2013</AVMTitle>
-  </documentManagement>
-</p:properties>
+<file path=customXml/itemProps2.xml><?xml version="1.0" encoding="utf-8"?>
+<ds:datastoreItem xmlns:ds="http://schemas.openxmlformats.org/officeDocument/2006/customXml" ds:itemID="{1851D33F-E468-417B-A30C-509B68D2BD09}">
+  <ds:schemaRefs>
+    <ds:schemaRef ds:uri="http://schemas.microsoft.com/sharepoint/v3/contenttype/forms"/>
+  </ds:schemaRefs>
+</ds:datastoreItem>
 </file>
 
-<file path=customXml/itemProps1.xml><?xml version="1.0" encoding="utf-8"?>
+<file path=customXml/itemProps3.xml><?xml version="1.0" encoding="utf-8"?>
 <ds:datastoreItem xmlns:ds="http://schemas.openxmlformats.org/officeDocument/2006/customXml" ds:itemID="{15287BEA-F3FF-4B87-929B-5D0092183197}">
   <ds:schemaRefs>
     <ds:schemaRef ds:uri="http://schemas.microsoft.com/office/2006/metadata/contentType"/>
@@ -9490,27 +9537,4 @@
     <ds:schemaRef ds:uri="http://schemas.microsoft.com/office/internal/2005/internalDocumentation"/>
   </ds:schemaRefs>
 </ds:datastoreItem>
-</file>
-
-<file path=customXml/itemProps2.xml><?xml version="1.0" encoding="utf-8"?>
-<ds:datastoreItem xmlns:ds="http://schemas.openxmlformats.org/officeDocument/2006/customXml" ds:itemID="{1851D33F-E468-417B-A30C-509B68D2BD09}">
-  <ds:schemaRefs>
-    <ds:schemaRef ds:uri="http://schemas.microsoft.com/sharepoint/v3/contenttype/forms"/>
-  </ds:schemaRefs>
-</ds:datastoreItem>
-</file>
-
-<file path=customXml/itemProps3.xml><?xml version="1.0" encoding="utf-8"?>
-<ds:datastoreItem xmlns:ds="http://schemas.openxmlformats.org/officeDocument/2006/customXml" ds:itemID="{32991507-CB83-4F49-BAFB-D322B1D04098}">
-  <ds:schemaRefs>
-    <ds:schemaRef ds:uri="http://purl.org/dc/terms/"/>
-    <ds:schemaRef ds:uri="http://schemas.openxmlformats.org/package/2006/metadata/core-properties"/>
-    <ds:schemaRef ds:uri="http://schemas.microsoft.com/office/2006/documentManagement/types"/>
-    <ds:schemaRef ds:uri="5091c847-84be-4f4f-b16c-c018ad2ca66b"/>
-    <ds:schemaRef ds:uri="http://purl.org/dc/elements/1.1/"/>
-    <ds:schemaRef ds:uri="http://schemas.microsoft.com/office/2006/metadata/properties"/>
-    <ds:schemaRef ds:uri="http://www.w3.org/XML/1998/namespace"/>
-    <ds:schemaRef ds:uri="http://purl.org/dc/dcmitype/"/>
-  </ds:schemaRefs>
-</ds:datastoreItem>
 </file>
--- a/doc/task14/Task14.pptx
+++ b/doc/task14/Task14.pptx
@@ -271,7 +271,7 @@
           <a:p>
             <a:fld id="{EFA0D184-D464-48E9-9CA0-A94E873F6C2C}" type="datetimeFigureOut">
               <a:rPr lang="de-CH" smtClean="0"/>
-              <a:t>tt.01.jjjj</a:t>
+              <a:t>21.01.2016</a:t>
             </a:fld>
             <a:endParaRPr lang="de-CH"/>
           </a:p>
@@ -337,7 +337,7 @@
           <a:p>
             <a:fld id="{5F377753-DB7C-4FA7-98FC-17681D88797A}" type="slidenum">
               <a:rPr lang="de-CH" smtClean="0"/>
-              <a:t>‹Nr.›</a:t>
+              <a:t>‹#›</a:t>
             </a:fld>
             <a:endParaRPr lang="de-CH"/>
           </a:p>
@@ -436,7 +436,7 @@
           <a:p>
             <a:fld id="{5AF2B663-2BA9-4D7E-8201-5DE4109E1EDD}" type="datetimeFigureOut">
               <a:rPr lang="de-CH" smtClean="0"/>
-              <a:t>tt.01.jjjj</a:t>
+              <a:t>21.01.2016</a:t>
             </a:fld>
             <a:endParaRPr lang="de-CH"/>
           </a:p>
@@ -595,7 +595,7 @@
           <a:p>
             <a:fld id="{37E44704-8E6D-4CF2-8CFA-A0F7BC751896}" type="slidenum">
               <a:rPr lang="de-CH" smtClean="0"/>
-              <a:t>‹Nr.›</a:t>
+              <a:t>‹#›</a:t>
             </a:fld>
             <a:endParaRPr lang="de-CH"/>
           </a:p>
@@ -2214,7 +2214,7 @@
           <a:p>
             <a:fld id="{F19AE9A8-34D4-4E8C-BE9C-13C550F1BED0}" type="slidenum">
               <a:rPr lang="de-CH" smtClean="0"/>
-              <a:t>‹Nr.›</a:t>
+              <a:t>‹#›</a:t>
             </a:fld>
             <a:endParaRPr lang="de-CH" dirty="0"/>
           </a:p>
@@ -2267,7 +2267,7 @@
           <a:p>
             <a:fld id="{F19AE9A8-34D4-4E8C-BE9C-13C550F1BED0}" type="slidenum">
               <a:rPr lang="de-CH" smtClean="0"/>
-              <a:t>‹Nr.›</a:t>
+              <a:t>‹#›</a:t>
             </a:fld>
             <a:endParaRPr lang="de-CH" dirty="0"/>
           </a:p>
@@ -3298,7 +3298,7 @@
           <a:p>
             <a:fld id="{F19AE9A8-34D4-4E8C-BE9C-13C550F1BED0}" type="slidenum">
               <a:rPr lang="de-CH" smtClean="0"/>
-              <a:t>‹Nr.›</a:t>
+              <a:t>‹#›</a:t>
             </a:fld>
             <a:endParaRPr lang="de-CH" dirty="0"/>
           </a:p>
@@ -3687,7 +3687,7 @@
           <a:p>
             <a:fld id="{F19AE9A8-34D4-4E8C-BE9C-13C550F1BED0}" type="slidenum">
               <a:rPr lang="de-CH" smtClean="0"/>
-              <a:t>‹Nr.›</a:t>
+              <a:t>‹#›</a:t>
             </a:fld>
             <a:endParaRPr lang="de-CH" dirty="0"/>
           </a:p>
@@ -3914,7 +3914,7 @@
           <a:p>
             <a:fld id="{F19AE9A8-34D4-4E8C-BE9C-13C550F1BED0}" type="slidenum">
               <a:rPr lang="de-CH" smtClean="0"/>
-              <a:t>‹Nr.›</a:t>
+              <a:t>‹#›</a:t>
             </a:fld>
             <a:endParaRPr lang="de-CH" dirty="0"/>
           </a:p>
@@ -4215,7 +4215,7 @@
           <a:p>
             <a:fld id="{F19AE9A8-34D4-4E8C-BE9C-13C550F1BED0}" type="slidenum">
               <a:rPr lang="de-CH" smtClean="0"/>
-              <a:t>‹Nr.›</a:t>
+              <a:t>‹#›</a:t>
             </a:fld>
             <a:endParaRPr lang="de-CH" dirty="0"/>
           </a:p>
@@ -4738,7 +4738,7 @@
           <a:p>
             <a:fld id="{F19AE9A8-34D4-4E8C-BE9C-13C550F1BED0}" type="slidenum">
               <a:rPr lang="de-CH" smtClean="0"/>
-              <a:t>‹Nr.›</a:t>
+              <a:t>‹#›</a:t>
             </a:fld>
             <a:endParaRPr lang="de-CH" dirty="0"/>
           </a:p>
@@ -5261,7 +5261,7 @@
           <a:p>
             <a:fld id="{F19AE9A8-34D4-4E8C-BE9C-13C550F1BED0}" type="slidenum">
               <a:rPr lang="de-CH" smtClean="0"/>
-              <a:t>‹Nr.›</a:t>
+              <a:t>‹#›</a:t>
             </a:fld>
             <a:endParaRPr lang="de-CH" dirty="0"/>
           </a:p>
@@ -5988,7 +5988,7 @@
             <a:fld id="{F19AE9A8-34D4-4E8C-BE9C-13C550F1BED0}" type="slidenum">
               <a:rPr lang="de-CH" smtClean="0"/>
               <a:pPr/>
-              <a:t>‹Nr.›</a:t>
+              <a:t>‹#›</a:t>
             </a:fld>
             <a:endParaRPr lang="de-CH" dirty="0"/>
           </a:p>
@@ -6374,7 +6374,7 @@
             <a:fld id="{F19AE9A8-34D4-4E8C-BE9C-13C550F1BED0}" type="slidenum">
               <a:rPr lang="de-CH" smtClean="0"/>
               <a:pPr/>
-              <a:t>‹Nr.›</a:t>
+              <a:t>‹#›</a:t>
             </a:fld>
             <a:endParaRPr lang="de-CH" dirty="0"/>
           </a:p>
@@ -7551,7 +7551,7 @@
             <a:pPr lvl="1"/>
             <a:r>
               <a:rPr lang="de-CH" dirty="0" smtClean="0"/>
-              <a:t>Selbständiger</a:t>
+              <a:t>Selbständigeres Team</a:t>
             </a:r>
           </a:p>
           <a:p>
@@ -7565,7 +7565,15 @@
             <a:pPr lvl="2"/>
             <a:r>
               <a:rPr lang="de-CH" dirty="0" smtClean="0"/>
-              <a:t>Häufiges Pair Programming</a:t>
+              <a:t>Häufiges Pair </a:t>
+            </a:r>
+            <a:r>
+              <a:rPr lang="de-CH" dirty="0" err="1" smtClean="0"/>
+              <a:t>Programming</a:t>
+            </a:r>
+            <a:r>
+              <a:rPr lang="de-CH" dirty="0" smtClean="0"/>
+              <a:t> (kein Nachteil)</a:t>
             </a:r>
             <a:endParaRPr lang="de-CH" dirty="0"/>
           </a:p>
@@ -7670,40 +7678,36 @@
           <a:p>
             <a:r>
               <a:rPr lang="de-CH" dirty="0" smtClean="0"/>
-              <a:t>Tim </a:t>
-            </a:r>
+              <a:t>Tim Dorner</a:t>
+            </a:r>
+          </a:p>
+          <a:p>
+            <a:pPr lvl="1"/>
+            <a:r>
+              <a:rPr lang="de-CH" dirty="0" err="1"/>
+              <a:t>Scrum</a:t>
+            </a:r>
+            <a:r>
+              <a:rPr lang="de-CH" dirty="0"/>
+              <a:t> </a:t>
+            </a:r>
+            <a:r>
+              <a:rPr lang="de-CH" dirty="0" err="1" smtClean="0"/>
+              <a:t>planning</a:t>
+            </a:r>
+            <a:endParaRPr lang="de-CH" dirty="0"/>
+          </a:p>
+          <a:p>
+            <a:pPr lvl="1"/>
             <a:r>
               <a:rPr lang="de-CH" dirty="0" smtClean="0"/>
-              <a:t>Dorner</a:t>
-            </a:r>
-          </a:p>
-          <a:p>
-            <a:pPr lvl="1"/>
-            <a:r>
-              <a:rPr lang="de-CH" dirty="0" err="1" smtClean="0"/>
-              <a:t>Scrum</a:t>
-            </a:r>
-            <a:r>
-              <a:rPr lang="de-CH" dirty="0" smtClean="0"/>
-              <a:t> </a:t>
-            </a:r>
-            <a:r>
-              <a:rPr lang="de-CH" dirty="0" err="1" smtClean="0"/>
-              <a:t>planung</a:t>
-            </a:r>
-            <a:endParaRPr lang="de-CH" dirty="0" smtClean="0"/>
-          </a:p>
-          <a:p>
-            <a:pPr lvl="1"/>
-            <a:r>
-              <a:rPr lang="de-CH" dirty="0" smtClean="0"/>
-              <a:t>Paare </a:t>
-            </a:r>
-            <a:r>
-              <a:rPr lang="de-CH" dirty="0" err="1" smtClean="0"/>
+              <a:t>Pair </a:t>
+            </a:r>
+            <a:r>
+              <a:rPr lang="de-CH" dirty="0" err="1"/>
               <a:t>programming</a:t>
             </a:r>
-            <a:endParaRPr lang="de-CH" dirty="0" smtClean="0"/>
+            <a:endParaRPr lang="de-CH" dirty="0"/>
           </a:p>
           <a:p>
             <a:pPr lvl="1"/>
@@ -7721,7 +7725,38 @@
           <a:p>
             <a:r>
               <a:rPr lang="de-CH" dirty="0" smtClean="0"/>
-              <a:t>Stefan Iseli</a:t>
+              <a:t>Stefan </a:t>
+            </a:r>
+            <a:r>
+              <a:rPr lang="de-CH" dirty="0" smtClean="0"/>
+              <a:t>Iseli</a:t>
+            </a:r>
+          </a:p>
+          <a:p>
+            <a:pPr lvl="1"/>
+            <a:r>
+              <a:rPr lang="de-CH" dirty="0" smtClean="0"/>
+              <a:t>Storyboards &amp; </a:t>
+            </a:r>
+            <a:r>
+              <a:rPr lang="de-CH" dirty="0" err="1" smtClean="0"/>
+              <a:t>Requirements</a:t>
+            </a:r>
+            <a:endParaRPr lang="de-CH" dirty="0" smtClean="0"/>
+          </a:p>
+          <a:p>
+            <a:pPr lvl="1"/>
+            <a:r>
+              <a:rPr lang="de-CH" dirty="0" err="1" smtClean="0"/>
+              <a:t>Vaadin</a:t>
+            </a:r>
+            <a:r>
+              <a:rPr lang="de-CH" dirty="0"/>
+              <a:t> </a:t>
+            </a:r>
+            <a:r>
+              <a:rPr lang="de-CH" dirty="0" smtClean="0"/>
+              <a:t>&amp; JPA</a:t>
             </a:r>
             <a:endParaRPr lang="de-CH" dirty="0"/>
           </a:p>
@@ -8123,12 +8158,12 @@
           </a:p>
           <a:p>
             <a:r>
-              <a:rPr lang="de-CH" dirty="0"/>
-              <a:t>(</a:t>
+              <a:rPr lang="de-CH" dirty="0" err="1" smtClean="0"/>
+              <a:t>JUnit</a:t>
             </a:r>
             <a:r>
               <a:rPr lang="de-CH" dirty="0" smtClean="0"/>
-              <a:t>Tests davon)</a:t>
+              <a:t> Tests der Basisklassen</a:t>
             </a:r>
             <a:endParaRPr lang="de-CH" dirty="0"/>
           </a:p>
@@ -8186,7 +8221,7 @@
         </p:blipFill>
         <p:spPr>
           <a:xfrm>
-            <a:off x="468000" y="2653521"/>
+            <a:off x="468000" y="2938191"/>
             <a:ext cx="4855173" cy="3466478"/>
           </a:xfrm>
           <a:prstGeom prst="rect">
@@ -8337,6 +8372,16 @@
           <a:p>
             <a:r>
               <a:rPr lang="de-CH" dirty="0" err="1" smtClean="0"/>
+              <a:t>Scrum</a:t>
+            </a:r>
+            <a:r>
+              <a:rPr lang="de-CH" dirty="0" smtClean="0"/>
+              <a:t> Master Sprint 3</a:t>
+            </a:r>
+          </a:p>
+          <a:p>
+            <a:r>
+              <a:rPr lang="de-CH" dirty="0" err="1" smtClean="0"/>
               <a:t>Health</a:t>
             </a:r>
             <a:r>
@@ -8391,7 +8436,21 @@
           <a:p>
             <a:r>
               <a:rPr lang="de-CH" dirty="0" smtClean="0"/>
-              <a:t>Login Controller</a:t>
+              <a:t>Login</a:t>
+            </a:r>
+          </a:p>
+          <a:p>
+            <a:pPr lvl="1"/>
+            <a:r>
+              <a:rPr lang="de-CH" dirty="0" smtClean="0"/>
+              <a:t>Controller</a:t>
+            </a:r>
+          </a:p>
+          <a:p>
+            <a:pPr lvl="1"/>
+            <a:r>
+              <a:rPr lang="de-CH" dirty="0" smtClean="0"/>
+              <a:t>GUI</a:t>
             </a:r>
           </a:p>
           <a:p>
@@ -8552,7 +8611,117 @@
           <a:bodyPr/>
           <a:lstStyle/>
           <a:p>
+            <a:r>
+              <a:rPr lang="de-CH" dirty="0" err="1" smtClean="0"/>
+              <a:t>Scrum</a:t>
+            </a:r>
+            <a:r>
+              <a:rPr lang="de-CH" dirty="0" smtClean="0"/>
+              <a:t> Master Sprint 1 &amp; 2</a:t>
+            </a:r>
             <a:endParaRPr lang="de-CH" dirty="0"/>
+          </a:p>
+          <a:p>
+            <a:r>
+              <a:rPr lang="de-CH" dirty="0" smtClean="0"/>
+              <a:t>Patient State</a:t>
+            </a:r>
+          </a:p>
+          <a:p>
+            <a:r>
+              <a:rPr lang="de-CH" dirty="0" smtClean="0"/>
+              <a:t>Database</a:t>
+            </a:r>
+          </a:p>
+          <a:p>
+            <a:pPr lvl="1"/>
+            <a:r>
+              <a:rPr lang="de-CH" dirty="0" smtClean="0"/>
+              <a:t>DB erstellt und Daten eingefügt</a:t>
+            </a:r>
+          </a:p>
+          <a:p>
+            <a:pPr lvl="1"/>
+            <a:r>
+              <a:rPr lang="de-CH" dirty="0" smtClean="0"/>
+              <a:t>Klassen für JPA erweitert</a:t>
+            </a:r>
+          </a:p>
+          <a:p>
+            <a:pPr lvl="1"/>
+            <a:r>
+              <a:rPr lang="de-CH" dirty="0" smtClean="0"/>
+              <a:t>Connection, Read und Write</a:t>
+            </a:r>
+          </a:p>
+          <a:p>
+            <a:r>
+              <a:rPr lang="de-CH" dirty="0" err="1"/>
+              <a:t>Health</a:t>
+            </a:r>
+            <a:r>
+              <a:rPr lang="de-CH" dirty="0"/>
+              <a:t> </a:t>
+            </a:r>
+            <a:r>
+              <a:rPr lang="de-CH" dirty="0" err="1"/>
+              <a:t>Visitor</a:t>
+            </a:r>
+            <a:r>
+              <a:rPr lang="de-CH" dirty="0"/>
+              <a:t> </a:t>
+            </a:r>
+            <a:r>
+              <a:rPr lang="de-CH" dirty="0" smtClean="0"/>
+              <a:t>Kalender</a:t>
+            </a:r>
+          </a:p>
+          <a:p>
+            <a:r>
+              <a:rPr lang="de-CH" dirty="0" smtClean="0"/>
+              <a:t>Patient List</a:t>
+            </a:r>
+          </a:p>
+          <a:p>
+            <a:r>
+              <a:rPr lang="de-CH" dirty="0" smtClean="0"/>
+              <a:t>Login Controller</a:t>
+            </a:r>
+          </a:p>
+          <a:p>
+            <a:pPr lvl="1"/>
+            <a:r>
+              <a:rPr lang="de-CH" smtClean="0"/>
+              <a:t>Login mit </a:t>
+            </a:r>
+            <a:r>
+              <a:rPr lang="de-CH" dirty="0" smtClean="0"/>
+              <a:t>DB</a:t>
+            </a:r>
+          </a:p>
+          <a:p>
+            <a:r>
+              <a:rPr lang="de-CH" dirty="0" smtClean="0"/>
+              <a:t>Edit Patient</a:t>
+            </a:r>
+          </a:p>
+          <a:p>
+            <a:r>
+              <a:rPr lang="de-CH" dirty="0" smtClean="0"/>
+              <a:t>Etc.</a:t>
+            </a:r>
+          </a:p>
+          <a:p>
+            <a:endParaRPr lang="de-CH" dirty="0"/>
+          </a:p>
+          <a:p>
+            <a:endParaRPr lang="de-CH" dirty="0" smtClean="0"/>
+          </a:p>
+          <a:p>
+            <a:endParaRPr lang="de-CH" dirty="0" smtClean="0"/>
+          </a:p>
+          <a:p>
+            <a:endParaRPr lang="de-CH" dirty="0" smtClean="0"/>
           </a:p>
         </p:txBody>
       </p:sp>
@@ -9423,23 +9592,6 @@
 </file>
 
 <file path=customXml/item1.xml><?xml version="1.0" encoding="utf-8"?>
-<p:properties xmlns:p="http://schemas.microsoft.com/office/2006/metadata/properties" xmlns:xsi="http://www.w3.org/2001/XMLSchema-instance">
-  <documentManagement>
-    <AVMTitle xmlns="5091c847-84be-4f4f-b16c-c018ad2ca66b">Präsentation BFH_2013</AVMTitle>
-  </documentManagement>
-</p:properties>
-</file>
-
-<file path=customXml/item2.xml><?xml version="1.0" encoding="utf-8"?>
-<?mso-contentType ?>
-<FormTemplates xmlns="http://schemas.microsoft.com/sharepoint/v3/contenttype/forms">
-  <Display>DocumentLibraryForm</Display>
-  <Edit>DocumentLibraryForm</Edit>
-  <New>DocumentLibraryForm</New>
-</FormTemplates>
-</file>
-
-<file path=customXml/item3.xml><?xml version="1.0" encoding="utf-8"?>
 <ct:contentTypeSchema xmlns:ct="http://schemas.microsoft.com/office/2006/metadata/contentType" xmlns:ma="http://schemas.microsoft.com/office/2006/metadata/properties/metaAttributes" ct:_="" ma:_="" ma:contentTypeName="Dokument" ma:contentTypeID="0x010100EBE3A9EFF36793468C03E2811ACE2A2B" ma:contentTypeVersion="1" ma:contentTypeDescription="Ein neues Dokument erstellen." ma:contentTypeScope="" ma:versionID="e65be32cb1bfff77fc8c9c09bf542651">
   <xsd:schema xmlns:xsd="http://www.w3.org/2001/XMLSchema" xmlns:p="http://schemas.microsoft.com/office/2006/metadata/properties" xmlns:ns2="5091c847-84be-4f4f-b16c-c018ad2ca66b" targetNamespace="http://schemas.microsoft.com/office/2006/metadata/properties" ma:root="true" ma:fieldsID="7636c84aed5b7d09a166fcef888725d4" ns2:_="">
     <xsd:import namespace="5091c847-84be-4f4f-b16c-c018ad2ca66b"/>
@@ -9499,30 +9651,24 @@
 </ct:contentTypeSchema>
 </file>
 
-<file path=customXml/itemProps1.xml><?xml version="1.0" encoding="utf-8"?>
-<ds:datastoreItem xmlns:ds="http://schemas.openxmlformats.org/officeDocument/2006/customXml" ds:itemID="{32991507-CB83-4F49-BAFB-D322B1D04098}">
-  <ds:schemaRefs>
-    <ds:schemaRef ds:uri="http://purl.org/dc/terms/"/>
-    <ds:schemaRef ds:uri="http://schemas.openxmlformats.org/package/2006/metadata/core-properties"/>
-    <ds:schemaRef ds:uri="http://schemas.microsoft.com/office/2006/documentManagement/types"/>
-    <ds:schemaRef ds:uri="5091c847-84be-4f4f-b16c-c018ad2ca66b"/>
-    <ds:schemaRef ds:uri="http://purl.org/dc/elements/1.1/"/>
-    <ds:schemaRef ds:uri="http://schemas.microsoft.com/office/2006/metadata/properties"/>
-    <ds:schemaRef ds:uri="http://www.w3.org/XML/1998/namespace"/>
-    <ds:schemaRef ds:uri="http://purl.org/dc/dcmitype/"/>
-  </ds:schemaRefs>
-</ds:datastoreItem>
+<file path=customXml/item2.xml><?xml version="1.0" encoding="utf-8"?>
+<?mso-contentType ?>
+<FormTemplates xmlns="http://schemas.microsoft.com/sharepoint/v3/contenttype/forms">
+  <Display>DocumentLibraryForm</Display>
+  <Edit>DocumentLibraryForm</Edit>
+  <New>DocumentLibraryForm</New>
+</FormTemplates>
 </file>
 
-<file path=customXml/itemProps2.xml><?xml version="1.0" encoding="utf-8"?>
-<ds:datastoreItem xmlns:ds="http://schemas.openxmlformats.org/officeDocument/2006/customXml" ds:itemID="{1851D33F-E468-417B-A30C-509B68D2BD09}">
-  <ds:schemaRefs>
-    <ds:schemaRef ds:uri="http://schemas.microsoft.com/sharepoint/v3/contenttype/forms"/>
-  </ds:schemaRefs>
-</ds:datastoreItem>
+<file path=customXml/item3.xml><?xml version="1.0" encoding="utf-8"?>
+<p:properties xmlns:p="http://schemas.microsoft.com/office/2006/metadata/properties" xmlns:xsi="http://www.w3.org/2001/XMLSchema-instance">
+  <documentManagement>
+    <AVMTitle xmlns="5091c847-84be-4f4f-b16c-c018ad2ca66b">Präsentation BFH_2013</AVMTitle>
+  </documentManagement>
+</p:properties>
 </file>
 
-<file path=customXml/itemProps3.xml><?xml version="1.0" encoding="utf-8"?>
+<file path=customXml/itemProps1.xml><?xml version="1.0" encoding="utf-8"?>
 <ds:datastoreItem xmlns:ds="http://schemas.openxmlformats.org/officeDocument/2006/customXml" ds:itemID="{15287BEA-F3FF-4B87-929B-5D0092183197}">
   <ds:schemaRefs>
     <ds:schemaRef ds:uri="http://schemas.microsoft.com/office/2006/metadata/contentType"/>
@@ -9537,4 +9683,27 @@
     <ds:schemaRef ds:uri="http://schemas.microsoft.com/office/internal/2005/internalDocumentation"/>
   </ds:schemaRefs>
 </ds:datastoreItem>
+</file>
+
+<file path=customXml/itemProps2.xml><?xml version="1.0" encoding="utf-8"?>
+<ds:datastoreItem xmlns:ds="http://schemas.openxmlformats.org/officeDocument/2006/customXml" ds:itemID="{1851D33F-E468-417B-A30C-509B68D2BD09}">
+  <ds:schemaRefs>
+    <ds:schemaRef ds:uri="http://schemas.microsoft.com/sharepoint/v3/contenttype/forms"/>
+  </ds:schemaRefs>
+</ds:datastoreItem>
+</file>
+
+<file path=customXml/itemProps3.xml><?xml version="1.0" encoding="utf-8"?>
+<ds:datastoreItem xmlns:ds="http://schemas.openxmlformats.org/officeDocument/2006/customXml" ds:itemID="{32991507-CB83-4F49-BAFB-D322B1D04098}">
+  <ds:schemaRefs>
+    <ds:schemaRef ds:uri="http://purl.org/dc/terms/"/>
+    <ds:schemaRef ds:uri="http://schemas.openxmlformats.org/package/2006/metadata/core-properties"/>
+    <ds:schemaRef ds:uri="http://schemas.microsoft.com/office/2006/documentManagement/types"/>
+    <ds:schemaRef ds:uri="5091c847-84be-4f4f-b16c-c018ad2ca66b"/>
+    <ds:schemaRef ds:uri="http://purl.org/dc/elements/1.1/"/>
+    <ds:schemaRef ds:uri="http://schemas.microsoft.com/office/2006/metadata/properties"/>
+    <ds:schemaRef ds:uri="http://www.w3.org/XML/1998/namespace"/>
+    <ds:schemaRef ds:uri="http://purl.org/dc/dcmitype/"/>
+  </ds:schemaRefs>
+</ds:datastoreItem>
 </file>
--- a/doc/task14/Task14.pptx
+++ b/doc/task14/Task14.pptx
@@ -1,6 +1,6 @@
 
 <file path=ppt/presentation.xml><?xml version="1.0" encoding="utf-8"?>
-<p:presentation xmlns:a="http://schemas.openxmlformats.org/drawingml/2006/main" xmlns:r="http://schemas.openxmlformats.org/officeDocument/2006/relationships" xmlns:p="http://schemas.openxmlformats.org/presentationml/2006/main" serverZoom="22852" saveSubsetFonts="1" autoCompressPictures="0">
+<p:presentation xmlns:a="http://schemas.openxmlformats.org/drawingml/2006/main" xmlns:r="http://schemas.openxmlformats.org/officeDocument/2006/relationships" xmlns:p="http://schemas.openxmlformats.org/presentationml/2006/main" serverZoom="14669" saveSubsetFonts="1" autoCompressPictures="0">
   <p:sldMasterIdLst>
     <p:sldMasterId id="2147483669" r:id="rId4"/>
   </p:sldMasterIdLst>
@@ -271,7 +271,7 @@
           <a:p>
             <a:fld id="{EFA0D184-D464-48E9-9CA0-A94E873F6C2C}" type="datetimeFigureOut">
               <a:rPr lang="de-CH" smtClean="0"/>
-              <a:t>21.01.2016</a:t>
+              <a:t>tt.01.jjjj</a:t>
             </a:fld>
             <a:endParaRPr lang="de-CH"/>
           </a:p>
@@ -337,7 +337,7 @@
           <a:p>
             <a:fld id="{5F377753-DB7C-4FA7-98FC-17681D88797A}" type="slidenum">
               <a:rPr lang="de-CH" smtClean="0"/>
-              <a:t>‹#›</a:t>
+              <a:t>‹Nr.›</a:t>
             </a:fld>
             <a:endParaRPr lang="de-CH"/>
           </a:p>
@@ -436,7 +436,7 @@
           <a:p>
             <a:fld id="{5AF2B663-2BA9-4D7E-8201-5DE4109E1EDD}" type="datetimeFigureOut">
               <a:rPr lang="de-CH" smtClean="0"/>
-              <a:t>21.01.2016</a:t>
+              <a:t>tt.01.jjjj</a:t>
             </a:fld>
             <a:endParaRPr lang="de-CH"/>
           </a:p>
@@ -595,7 +595,7 @@
           <a:p>
             <a:fld id="{37E44704-8E6D-4CF2-8CFA-A0F7BC751896}" type="slidenum">
               <a:rPr lang="de-CH" smtClean="0"/>
-              <a:t>‹#›</a:t>
+              <a:t>‹Nr.›</a:t>
             </a:fld>
             <a:endParaRPr lang="de-CH"/>
           </a:p>
@@ -2214,7 +2214,7 @@
           <a:p>
             <a:fld id="{F19AE9A8-34D4-4E8C-BE9C-13C550F1BED0}" type="slidenum">
               <a:rPr lang="de-CH" smtClean="0"/>
-              <a:t>‹#›</a:t>
+              <a:t>‹Nr.›</a:t>
             </a:fld>
             <a:endParaRPr lang="de-CH" dirty="0"/>
           </a:p>
@@ -2267,7 +2267,7 @@
           <a:p>
             <a:fld id="{F19AE9A8-34D4-4E8C-BE9C-13C550F1BED0}" type="slidenum">
               <a:rPr lang="de-CH" smtClean="0"/>
-              <a:t>‹#›</a:t>
+              <a:t>‹Nr.›</a:t>
             </a:fld>
             <a:endParaRPr lang="de-CH" dirty="0"/>
           </a:p>
@@ -3298,7 +3298,7 @@
           <a:p>
             <a:fld id="{F19AE9A8-34D4-4E8C-BE9C-13C550F1BED0}" type="slidenum">
               <a:rPr lang="de-CH" smtClean="0"/>
-              <a:t>‹#›</a:t>
+              <a:t>‹Nr.›</a:t>
             </a:fld>
             <a:endParaRPr lang="de-CH" dirty="0"/>
           </a:p>
@@ -3687,7 +3687,7 @@
           <a:p>
             <a:fld id="{F19AE9A8-34D4-4E8C-BE9C-13C550F1BED0}" type="slidenum">
               <a:rPr lang="de-CH" smtClean="0"/>
-              <a:t>‹#›</a:t>
+              <a:t>‹Nr.›</a:t>
             </a:fld>
             <a:endParaRPr lang="de-CH" dirty="0"/>
           </a:p>
@@ -3914,7 +3914,7 @@
           <a:p>
             <a:fld id="{F19AE9A8-34D4-4E8C-BE9C-13C550F1BED0}" type="slidenum">
               <a:rPr lang="de-CH" smtClean="0"/>
-              <a:t>‹#›</a:t>
+              <a:t>‹Nr.›</a:t>
             </a:fld>
             <a:endParaRPr lang="de-CH" dirty="0"/>
           </a:p>
@@ -4215,7 +4215,7 @@
           <a:p>
             <a:fld id="{F19AE9A8-34D4-4E8C-BE9C-13C550F1BED0}" type="slidenum">
               <a:rPr lang="de-CH" smtClean="0"/>
-              <a:t>‹#›</a:t>
+              <a:t>‹Nr.›</a:t>
             </a:fld>
             <a:endParaRPr lang="de-CH" dirty="0"/>
           </a:p>
@@ -4738,7 +4738,7 @@
           <a:p>
             <a:fld id="{F19AE9A8-34D4-4E8C-BE9C-13C550F1BED0}" type="slidenum">
               <a:rPr lang="de-CH" smtClean="0"/>
-              <a:t>‹#›</a:t>
+              <a:t>‹Nr.›</a:t>
             </a:fld>
             <a:endParaRPr lang="de-CH" dirty="0"/>
           </a:p>
@@ -5261,7 +5261,7 @@
           <a:p>
             <a:fld id="{F19AE9A8-34D4-4E8C-BE9C-13C550F1BED0}" type="slidenum">
               <a:rPr lang="de-CH" smtClean="0"/>
-              <a:t>‹#›</a:t>
+              <a:t>‹Nr.›</a:t>
             </a:fld>
             <a:endParaRPr lang="de-CH" dirty="0"/>
           </a:p>
@@ -5988,7 +5988,7 @@
             <a:fld id="{F19AE9A8-34D4-4E8C-BE9C-13C550F1BED0}" type="slidenum">
               <a:rPr lang="de-CH" smtClean="0"/>
               <a:pPr/>
-              <a:t>‹#›</a:t>
+              <a:t>‹Nr.›</a:t>
             </a:fld>
             <a:endParaRPr lang="de-CH" dirty="0"/>
           </a:p>
@@ -6374,7 +6374,7 @@
             <a:fld id="{F19AE9A8-34D4-4E8C-BE9C-13C550F1BED0}" type="slidenum">
               <a:rPr lang="de-CH" smtClean="0"/>
               <a:pPr/>
-              <a:t>‹#›</a:t>
+              <a:t>‹Nr.›</a:t>
             </a:fld>
             <a:endParaRPr lang="de-CH" dirty="0"/>
           </a:p>
@@ -7716,8 +7716,27 @@
           <a:p>
             <a:r>
               <a:rPr lang="de-CH" dirty="0" smtClean="0"/>
-              <a:t>Fabian Zwahlen</a:t>
-            </a:r>
+              <a:t>Fabian </a:t>
+            </a:r>
+            <a:r>
+              <a:rPr lang="de-CH" dirty="0" smtClean="0"/>
+              <a:t>Zwahlen</a:t>
+            </a:r>
+          </a:p>
+          <a:p>
+            <a:pPr lvl="1"/>
+            <a:r>
+              <a:rPr lang="de-CH" dirty="0" smtClean="0"/>
+              <a:t>Grosses Softwareprojekt</a:t>
+            </a:r>
+          </a:p>
+          <a:p>
+            <a:pPr lvl="1"/>
+            <a:r>
+              <a:rPr lang="de-CH" dirty="0" smtClean="0"/>
+              <a:t>Aufteilung der Arbeiten</a:t>
+            </a:r>
+            <a:endParaRPr lang="de-CH" dirty="0" smtClean="0"/>
           </a:p>
           <a:p>
             <a:endParaRPr lang="de-CH" dirty="0"/>
@@ -7725,11 +7744,7 @@
           <a:p>
             <a:r>
               <a:rPr lang="de-CH" dirty="0" smtClean="0"/>
-              <a:t>Stefan </a:t>
-            </a:r>
-            <a:r>
-              <a:rPr lang="de-CH" dirty="0" smtClean="0"/>
-              <a:t>Iseli</a:t>
+              <a:t>Stefan Iseli</a:t>
             </a:r>
           </a:p>
           <a:p>
@@ -8538,6 +8553,104 @@
         <p:txBody>
           <a:bodyPr/>
           <a:lstStyle/>
+          <a:p>
+            <a:r>
+              <a:rPr lang="de-CH" dirty="0"/>
+              <a:t>UI Controller</a:t>
+            </a:r>
+          </a:p>
+          <a:p>
+            <a:pPr lvl="1"/>
+            <a:endParaRPr lang="de-CH" dirty="0"/>
+          </a:p>
+          <a:p>
+            <a:r>
+              <a:rPr lang="de-CH" dirty="0"/>
+              <a:t>Pop </a:t>
+            </a:r>
+            <a:r>
+              <a:rPr lang="de-CH" dirty="0" err="1"/>
+              <a:t>up</a:t>
+            </a:r>
+            <a:endParaRPr lang="de-CH" dirty="0"/>
+          </a:p>
+          <a:p>
+            <a:pPr lvl="1"/>
+            <a:r>
+              <a:rPr lang="de-CH" dirty="0"/>
+              <a:t>Create </a:t>
+            </a:r>
+            <a:r>
+              <a:rPr lang="de-CH" dirty="0" err="1"/>
+              <a:t>Appointment</a:t>
+            </a:r>
+            <a:r>
+              <a:rPr lang="de-CH" dirty="0"/>
+              <a:t>-Ansicht</a:t>
+            </a:r>
+          </a:p>
+          <a:p>
+            <a:pPr lvl="1"/>
+            <a:r>
+              <a:rPr lang="de-CH" dirty="0"/>
+              <a:t>Create Patient-Ansicht</a:t>
+            </a:r>
+          </a:p>
+          <a:p>
+            <a:pPr lvl="1"/>
+            <a:r>
+              <a:rPr lang="de-CH" dirty="0"/>
+              <a:t>Controller &amp; </a:t>
+            </a:r>
+            <a:r>
+              <a:rPr lang="de-CH" dirty="0" err="1"/>
+              <a:t>ClickHandler</a:t>
+            </a:r>
+            <a:endParaRPr lang="de-CH" dirty="0"/>
+          </a:p>
+          <a:p>
+            <a:pPr lvl="1"/>
+            <a:endParaRPr lang="de-CH" dirty="0"/>
+          </a:p>
+          <a:p>
+            <a:r>
+              <a:rPr lang="de-CH" dirty="0"/>
+              <a:t>Detail-Ansicht</a:t>
+            </a:r>
+          </a:p>
+          <a:p>
+            <a:pPr lvl="1"/>
+            <a:r>
+              <a:rPr lang="de-CH" dirty="0"/>
+              <a:t>Info-Ansicht</a:t>
+            </a:r>
+          </a:p>
+          <a:p>
+            <a:pPr lvl="1"/>
+            <a:r>
+              <a:rPr lang="de-CH" dirty="0"/>
+              <a:t>Behandlungsübersicht</a:t>
+            </a:r>
+          </a:p>
+          <a:p>
+            <a:pPr lvl="1"/>
+            <a:r>
+              <a:rPr lang="de-CH" dirty="0"/>
+              <a:t>Terminübersicht</a:t>
+            </a:r>
+          </a:p>
+          <a:p>
+            <a:pPr lvl="1"/>
+            <a:r>
+              <a:rPr lang="de-CH" dirty="0"/>
+              <a:t>Controller &amp; </a:t>
+            </a:r>
+            <a:r>
+              <a:rPr lang="de-CH" dirty="0" err="1"/>
+              <a:t>ClickHandler</a:t>
+            </a:r>
+            <a:endParaRPr lang="de-CH" dirty="0"/>
+          </a:p>
           <a:p>
             <a:endParaRPr lang="de-CH" dirty="0"/>
           </a:p>
@@ -9592,6 +9705,15 @@
 </file>
 
 <file path=customXml/item1.xml><?xml version="1.0" encoding="utf-8"?>
+<?mso-contentType ?>
+<FormTemplates xmlns="http://schemas.microsoft.com/sharepoint/v3/contenttype/forms">
+  <Display>DocumentLibraryForm</Display>
+  <Edit>DocumentLibraryForm</Edit>
+  <New>DocumentLibraryForm</New>
+</FormTemplates>
+</file>
+
+<file path=customXml/item2.xml><?xml version="1.0" encoding="utf-8"?>
 <ct:contentTypeSchema xmlns:ct="http://schemas.microsoft.com/office/2006/metadata/contentType" xmlns:ma="http://schemas.microsoft.com/office/2006/metadata/properties/metaAttributes" ct:_="" ma:_="" ma:contentTypeName="Dokument" ma:contentTypeID="0x010100EBE3A9EFF36793468C03E2811ACE2A2B" ma:contentTypeVersion="1" ma:contentTypeDescription="Ein neues Dokument erstellen." ma:contentTypeScope="" ma:versionID="e65be32cb1bfff77fc8c9c09bf542651">
   <xsd:schema xmlns:xsd="http://www.w3.org/2001/XMLSchema" xmlns:p="http://schemas.microsoft.com/office/2006/metadata/properties" xmlns:ns2="5091c847-84be-4f4f-b16c-c018ad2ca66b" targetNamespace="http://schemas.microsoft.com/office/2006/metadata/properties" ma:root="true" ma:fieldsID="7636c84aed5b7d09a166fcef888725d4" ns2:_="">
     <xsd:import namespace="5091c847-84be-4f4f-b16c-c018ad2ca66b"/>
@@ -9651,15 +9773,6 @@
 </ct:contentTypeSchema>
 </file>
 
-<file path=customXml/item2.xml><?xml version="1.0" encoding="utf-8"?>
-<?mso-contentType ?>
-<FormTemplates xmlns="http://schemas.microsoft.com/sharepoint/v3/contenttype/forms">
-  <Display>DocumentLibraryForm</Display>
-  <Edit>DocumentLibraryForm</Edit>
-  <New>DocumentLibraryForm</New>
-</FormTemplates>
-</file>
-
 <file path=customXml/item3.xml><?xml version="1.0" encoding="utf-8"?>
 <p:properties xmlns:p="http://schemas.microsoft.com/office/2006/metadata/properties" xmlns:xsi="http://www.w3.org/2001/XMLSchema-instance">
   <documentManagement>
@@ -9669,6 +9782,14 @@
 </file>
 
 <file path=customXml/itemProps1.xml><?xml version="1.0" encoding="utf-8"?>
+<ds:datastoreItem xmlns:ds="http://schemas.openxmlformats.org/officeDocument/2006/customXml" ds:itemID="{1851D33F-E468-417B-A30C-509B68D2BD09}">
+  <ds:schemaRefs>
+    <ds:schemaRef ds:uri="http://schemas.microsoft.com/sharepoint/v3/contenttype/forms"/>
+  </ds:schemaRefs>
+</ds:datastoreItem>
+</file>
+
+<file path=customXml/itemProps2.xml><?xml version="1.0" encoding="utf-8"?>
 <ds:datastoreItem xmlns:ds="http://schemas.openxmlformats.org/officeDocument/2006/customXml" ds:itemID="{15287BEA-F3FF-4B87-929B-5D0092183197}">
   <ds:schemaRefs>
     <ds:schemaRef ds:uri="http://schemas.microsoft.com/office/2006/metadata/contentType"/>
@@ -9681,14 +9802,6 @@
     <ds:schemaRef ds:uri="http://purl.org/dc/elements/1.1/"/>
     <ds:schemaRef ds:uri="http://purl.org/dc/terms/"/>
     <ds:schemaRef ds:uri="http://schemas.microsoft.com/office/internal/2005/internalDocumentation"/>
-  </ds:schemaRefs>
-</ds:datastoreItem>
-</file>
-
-<file path=customXml/itemProps2.xml><?xml version="1.0" encoding="utf-8"?>
-<ds:datastoreItem xmlns:ds="http://schemas.openxmlformats.org/officeDocument/2006/customXml" ds:itemID="{1851D33F-E468-417B-A30C-509B68D2BD09}">
-  <ds:schemaRefs>
-    <ds:schemaRef ds:uri="http://schemas.microsoft.com/sharepoint/v3/contenttype/forms"/>
   </ds:schemaRefs>
 </ds:datastoreItem>
 </file>

--- a/doc/task14/Task14.pptx
+++ b/doc/task14/Task14.pptx
@@ -1,6 +1,6 @@
 
 <file path=ppt/presentation.xml><?xml version="1.0" encoding="utf-8"?>
-<p:presentation xmlns:a="http://schemas.openxmlformats.org/drawingml/2006/main" xmlns:r="http://schemas.openxmlformats.org/officeDocument/2006/relationships" xmlns:p="http://schemas.openxmlformats.org/presentationml/2006/main" serverZoom="14669" saveSubsetFonts="1" autoCompressPictures="0">
+<p:presentation xmlns:a="http://schemas.openxmlformats.org/drawingml/2006/main" xmlns:r="http://schemas.openxmlformats.org/officeDocument/2006/relationships" xmlns:p="http://schemas.openxmlformats.org/presentationml/2006/main" serverZoom="8127" saveSubsetFonts="1" autoCompressPictures="0">
   <p:sldMasterIdLst>
     <p:sldMasterId id="2147483669" r:id="rId4"/>
   </p:sldMasterIdLst>
@@ -271,7 +271,7 @@
           <a:p>
             <a:fld id="{EFA0D184-D464-48E9-9CA0-A94E873F6C2C}" type="datetimeFigureOut">
               <a:rPr lang="de-CH" smtClean="0"/>
-              <a:t>tt.01.jjjj</a:t>
+              <a:t>21.01.2016</a:t>
             </a:fld>
             <a:endParaRPr lang="de-CH"/>
           </a:p>
@@ -337,7 +337,7 @@
           <a:p>
             <a:fld id="{5F377753-DB7C-4FA7-98FC-17681D88797A}" type="slidenum">
               <a:rPr lang="de-CH" smtClean="0"/>
-              <a:t>‹Nr.›</a:t>
+              <a:t>‹#›</a:t>
             </a:fld>
             <a:endParaRPr lang="de-CH"/>
           </a:p>
@@ -436,7 +436,7 @@
           <a:p>
             <a:fld id="{5AF2B663-2BA9-4D7E-8201-5DE4109E1EDD}" type="datetimeFigureOut">
               <a:rPr lang="de-CH" smtClean="0"/>
-              <a:t>tt.01.jjjj</a:t>
+              <a:t>21.01.2016</a:t>
             </a:fld>
             <a:endParaRPr lang="de-CH"/>
           </a:p>
@@ -595,7 +595,7 @@
           <a:p>
             <a:fld id="{37E44704-8E6D-4CF2-8CFA-A0F7BC751896}" type="slidenum">
               <a:rPr lang="de-CH" smtClean="0"/>
-              <a:t>‹Nr.›</a:t>
+              <a:t>‹#›</a:t>
             </a:fld>
             <a:endParaRPr lang="de-CH"/>
           </a:p>
@@ -2214,7 +2214,7 @@
           <a:p>
             <a:fld id="{F19AE9A8-34D4-4E8C-BE9C-13C550F1BED0}" type="slidenum">
               <a:rPr lang="de-CH" smtClean="0"/>
-              <a:t>‹Nr.›</a:t>
+              <a:t>‹#›</a:t>
             </a:fld>
             <a:endParaRPr lang="de-CH" dirty="0"/>
           </a:p>
@@ -2267,7 +2267,7 @@
           <a:p>
             <a:fld id="{F19AE9A8-34D4-4E8C-BE9C-13C550F1BED0}" type="slidenum">
               <a:rPr lang="de-CH" smtClean="0"/>
-              <a:t>‹Nr.›</a:t>
+              <a:t>‹#›</a:t>
             </a:fld>
             <a:endParaRPr lang="de-CH" dirty="0"/>
           </a:p>
@@ -3298,7 +3298,7 @@
           <a:p>
             <a:fld id="{F19AE9A8-34D4-4E8C-BE9C-13C550F1BED0}" type="slidenum">
               <a:rPr lang="de-CH" smtClean="0"/>
-              <a:t>‹Nr.›</a:t>
+              <a:t>‹#›</a:t>
             </a:fld>
             <a:endParaRPr lang="de-CH" dirty="0"/>
           </a:p>
@@ -3687,7 +3687,7 @@
           <a:p>
             <a:fld id="{F19AE9A8-34D4-4E8C-BE9C-13C550F1BED0}" type="slidenum">
               <a:rPr lang="de-CH" smtClean="0"/>
-              <a:t>‹Nr.›</a:t>
+              <a:t>‹#›</a:t>
             </a:fld>
             <a:endParaRPr lang="de-CH" dirty="0"/>
           </a:p>
@@ -3914,7 +3914,7 @@
           <a:p>
             <a:fld id="{F19AE9A8-34D4-4E8C-BE9C-13C550F1BED0}" type="slidenum">
               <a:rPr lang="de-CH" smtClean="0"/>
-              <a:t>‹Nr.›</a:t>
+              <a:t>‹#›</a:t>
             </a:fld>
             <a:endParaRPr lang="de-CH" dirty="0"/>
           </a:p>
@@ -4215,7 +4215,7 @@
           <a:p>
             <a:fld id="{F19AE9A8-34D4-4E8C-BE9C-13C550F1BED0}" type="slidenum">
               <a:rPr lang="de-CH" smtClean="0"/>
-              <a:t>‹Nr.›</a:t>
+              <a:t>‹#›</a:t>
             </a:fld>
             <a:endParaRPr lang="de-CH" dirty="0"/>
           </a:p>
@@ -4738,7 +4738,7 @@
           <a:p>
             <a:fld id="{F19AE9A8-34D4-4E8C-BE9C-13C550F1BED0}" type="slidenum">
               <a:rPr lang="de-CH" smtClean="0"/>
-              <a:t>‹Nr.›</a:t>
+              <a:t>‹#›</a:t>
             </a:fld>
             <a:endParaRPr lang="de-CH" dirty="0"/>
           </a:p>
@@ -5261,7 +5261,7 @@
           <a:p>
             <a:fld id="{F19AE9A8-34D4-4E8C-BE9C-13C550F1BED0}" type="slidenum">
               <a:rPr lang="de-CH" smtClean="0"/>
-              <a:t>‹Nr.›</a:t>
+              <a:t>‹#›</a:t>
             </a:fld>
             <a:endParaRPr lang="de-CH" dirty="0"/>
           </a:p>
@@ -5988,7 +5988,7 @@
             <a:fld id="{F19AE9A8-34D4-4E8C-BE9C-13C550F1BED0}" type="slidenum">
               <a:rPr lang="de-CH" smtClean="0"/>
               <a:pPr/>
-              <a:t>‹Nr.›</a:t>
+              <a:t>‹#›</a:t>
             </a:fld>
             <a:endParaRPr lang="de-CH" dirty="0"/>
           </a:p>
@@ -6374,7 +6374,7 @@
             <a:fld id="{F19AE9A8-34D4-4E8C-BE9C-13C550F1BED0}" type="slidenum">
               <a:rPr lang="de-CH" smtClean="0"/>
               <a:pPr/>
-              <a:t>‹Nr.›</a:t>
+              <a:t>‹#›</a:t>
             </a:fld>
             <a:endParaRPr lang="de-CH" dirty="0"/>
           </a:p>
@@ -7673,6 +7673,18 @@
             </a:r>
           </a:p>
           <a:p>
+            <a:pPr lvl="1"/>
+            <a:r>
+              <a:rPr lang="de-CH" dirty="0" smtClean="0"/>
+              <a:t>Nutzen der Planung</a:t>
+            </a:r>
+          </a:p>
+          <a:p>
+            <a:pPr lvl="1"/>
+            <a:r>
+              <a:rPr lang="de-CH" dirty="0" smtClean="0"/>
+              <a:t>Durchführung Projekt mit mehreren Leuten</a:t>
+            </a:r>
             <a:endParaRPr lang="de-CH" dirty="0"/>
           </a:p>
           <a:p>
@@ -7704,23 +7716,15 @@
               <a:t>Pair </a:t>
             </a:r>
             <a:r>
-              <a:rPr lang="de-CH" dirty="0" err="1"/>
+              <a:rPr lang="de-CH" dirty="0" smtClean="0"/>
               <a:t>programming</a:t>
             </a:r>
             <a:endParaRPr lang="de-CH" dirty="0"/>
           </a:p>
           <a:p>
-            <a:pPr lvl="1"/>
-            <a:endParaRPr lang="de-CH" dirty="0"/>
-          </a:p>
-          <a:p>
             <a:r>
               <a:rPr lang="de-CH" dirty="0" smtClean="0"/>
-              <a:t>Fabian </a:t>
-            </a:r>
-            <a:r>
-              <a:rPr lang="de-CH" dirty="0" smtClean="0"/>
-              <a:t>Zwahlen</a:t>
+              <a:t>Fabian Zwahlen</a:t>
             </a:r>
           </a:p>
           <a:p>
@@ -7734,11 +7738,12 @@
             <a:pPr lvl="1"/>
             <a:r>
               <a:rPr lang="de-CH" dirty="0" smtClean="0"/>
-              <a:t>Aufteilung der Arbeiten</a:t>
-            </a:r>
-            <a:endParaRPr lang="de-CH" dirty="0" smtClean="0"/>
-          </a:p>
-          <a:p>
+              <a:t>Aufteilung der </a:t>
+            </a:r>
+            <a:r>
+              <a:rPr lang="de-CH" dirty="0" smtClean="0"/>
+              <a:t>Arbeiten</a:t>
+            </a:r>
             <a:endParaRPr lang="de-CH" dirty="0"/>
           </a:p>
           <a:p>
@@ -8220,54 +8225,6 @@
           </a:p>
         </p:txBody>
       </p:sp>
-      <p:pic>
-        <p:nvPicPr>
-          <p:cNvPr id="4" name="Picture 3"/>
-          <p:cNvPicPr>
-            <a:picLocks noChangeAspect="1"/>
-          </p:cNvPicPr>
-          <p:nvPr/>
-        </p:nvPicPr>
-        <p:blipFill>
-          <a:blip r:embed="rId2"/>
-          <a:stretch>
-            <a:fillRect/>
-          </a:stretch>
-        </p:blipFill>
-        <p:spPr>
-          <a:xfrm>
-            <a:off x="468000" y="2938191"/>
-            <a:ext cx="4855173" cy="3466478"/>
-          </a:xfrm>
-          <a:prstGeom prst="rect">
-            <a:avLst/>
-          </a:prstGeom>
-        </p:spPr>
-      </p:pic>
-      <p:pic>
-        <p:nvPicPr>
-          <p:cNvPr id="5" name="Picture 4"/>
-          <p:cNvPicPr>
-            <a:picLocks noChangeAspect="1"/>
-          </p:cNvPicPr>
-          <p:nvPr/>
-        </p:nvPicPr>
-        <p:blipFill>
-          <a:blip r:embed="rId3"/>
-          <a:stretch>
-            <a:fillRect/>
-          </a:stretch>
-        </p:blipFill>
-        <p:spPr>
-          <a:xfrm>
-            <a:off x="2743201" y="2904859"/>
-            <a:ext cx="5611354" cy="3039984"/>
-          </a:xfrm>
-          <a:prstGeom prst="rect">
-            <a:avLst/>
-          </a:prstGeom>
-        </p:spPr>
-      </p:pic>
     </p:spTree>
     <p:extLst>
       <p:ext uri="{BB962C8B-B14F-4D97-AF65-F5344CB8AC3E}">
@@ -9705,12 +9662,11 @@
 </file>
 
 <file path=customXml/item1.xml><?xml version="1.0" encoding="utf-8"?>
-<?mso-contentType ?>
-<FormTemplates xmlns="http://schemas.microsoft.com/sharepoint/v3/contenttype/forms">
-  <Display>DocumentLibraryForm</Display>
-  <Edit>DocumentLibraryForm</Edit>
-  <New>DocumentLibraryForm</New>
-</FormTemplates>
+<p:properties xmlns:p="http://schemas.microsoft.com/office/2006/metadata/properties" xmlns:xsi="http://www.w3.org/2001/XMLSchema-instance">
+  <documentManagement>
+    <AVMTitle xmlns="5091c847-84be-4f4f-b16c-c018ad2ca66b">Präsentation BFH_2013</AVMTitle>
+  </documentManagement>
+</p:properties>
 </file>
 
 <file path=customXml/item2.xml><?xml version="1.0" encoding="utf-8"?>
@@ -9774,17 +9730,25 @@
 </file>
 
 <file path=customXml/item3.xml><?xml version="1.0" encoding="utf-8"?>
-<p:properties xmlns:p="http://schemas.microsoft.com/office/2006/metadata/properties" xmlns:xsi="http://www.w3.org/2001/XMLSchema-instance">
-  <documentManagement>
-    <AVMTitle xmlns="5091c847-84be-4f4f-b16c-c018ad2ca66b">Präsentation BFH_2013</AVMTitle>
-  </documentManagement>
-</p:properties>
+<?mso-contentType ?>
+<FormTemplates xmlns="http://schemas.microsoft.com/sharepoint/v3/contenttype/forms">
+  <Display>DocumentLibraryForm</Display>
+  <Edit>DocumentLibraryForm</Edit>
+  <New>DocumentLibraryForm</New>
+</FormTemplates>
 </file>
 
 <file path=customXml/itemProps1.xml><?xml version="1.0" encoding="utf-8"?>
-<ds:datastoreItem xmlns:ds="http://schemas.openxmlformats.org/officeDocument/2006/customXml" ds:itemID="{1851D33F-E468-417B-A30C-509B68D2BD09}">
+<ds:datastoreItem xmlns:ds="http://schemas.openxmlformats.org/officeDocument/2006/customXml" ds:itemID="{32991507-CB83-4F49-BAFB-D322B1D04098}">
   <ds:schemaRefs>
-    <ds:schemaRef ds:uri="http://schemas.microsoft.com/sharepoint/v3/contenttype/forms"/>
+    <ds:schemaRef ds:uri="http://purl.org/dc/terms/"/>
+    <ds:schemaRef ds:uri="http://schemas.openxmlformats.org/package/2006/metadata/core-properties"/>
+    <ds:schemaRef ds:uri="http://schemas.microsoft.com/office/2006/documentManagement/types"/>
+    <ds:schemaRef ds:uri="5091c847-84be-4f4f-b16c-c018ad2ca66b"/>
+    <ds:schemaRef ds:uri="http://purl.org/dc/elements/1.1/"/>
+    <ds:schemaRef ds:uri="http://schemas.microsoft.com/office/2006/metadata/properties"/>
+    <ds:schemaRef ds:uri="http://www.w3.org/XML/1998/namespace"/>
+    <ds:schemaRef ds:uri="http://purl.org/dc/dcmitype/"/>
   </ds:schemaRefs>
 </ds:datastoreItem>
 </file>
@@ -9807,16 +9771,9 @@
 </file>
 
 <file path=customXml/itemProps3.xml><?xml version="1.0" encoding="utf-8"?>
-<ds:datastoreItem xmlns:ds="http://schemas.openxmlformats.org/officeDocument/2006/customXml" ds:itemID="{32991507-CB83-4F49-BAFB-D322B1D04098}">
+<ds:datastoreItem xmlns:ds="http://schemas.openxmlformats.org/officeDocument/2006/customXml" ds:itemID="{1851D33F-E468-417B-A30C-509B68D2BD09}">
   <ds:schemaRefs>
-    <ds:schemaRef ds:uri="http://purl.org/dc/terms/"/>
-    <ds:schemaRef ds:uri="http://schemas.openxmlformats.org/package/2006/metadata/core-properties"/>
-    <ds:schemaRef ds:uri="http://schemas.microsoft.com/office/2006/documentManagement/types"/>
-    <ds:schemaRef ds:uri="5091c847-84be-4f4f-b16c-c018ad2ca66b"/>
-    <ds:schemaRef ds:uri="http://purl.org/dc/elements/1.1/"/>
-    <ds:schemaRef ds:uri="http://schemas.microsoft.com/office/2006/metadata/properties"/>
-    <ds:schemaRef ds:uri="http://www.w3.org/XML/1998/namespace"/>
-    <ds:schemaRef ds:uri="http://purl.org/dc/dcmitype/"/>
+    <ds:schemaRef ds:uri="http://schemas.microsoft.com/sharepoint/v3/contenttype/forms"/>
   </ds:schemaRefs>
 </ds:datastoreItem>
 </file>
--- a/doc/task14/Task14.pptx
+++ b/doc/task14/Task14.pptx
@@ -5,10 +5,10 @@
     <p:sldMasterId id="2147483669" r:id="rId4"/>
   </p:sldMasterIdLst>
   <p:notesMasterIdLst>
-    <p:notesMasterId r:id="rId22"/>
+    <p:notesMasterId r:id="rId26"/>
   </p:notesMasterIdLst>
   <p:handoutMasterIdLst>
-    <p:handoutMasterId r:id="rId23"/>
+    <p:handoutMasterId r:id="rId27"/>
   </p:handoutMasterIdLst>
   <p:sldIdLst>
     <p:sldId id="259" r:id="rId5"/>
@@ -17,17 +17,21 @@
     <p:sldId id="308" r:id="rId8"/>
     <p:sldId id="316" r:id="rId9"/>
     <p:sldId id="314" r:id="rId10"/>
-    <p:sldId id="313" r:id="rId11"/>
-    <p:sldId id="315" r:id="rId12"/>
-    <p:sldId id="312" r:id="rId13"/>
-    <p:sldId id="311" r:id="rId14"/>
-    <p:sldId id="318" r:id="rId15"/>
-    <p:sldId id="322" r:id="rId16"/>
-    <p:sldId id="321" r:id="rId17"/>
-    <p:sldId id="320" r:id="rId18"/>
-    <p:sldId id="317" r:id="rId19"/>
-    <p:sldId id="319" r:id="rId20"/>
-    <p:sldId id="305" r:id="rId21"/>
+    <p:sldId id="325" r:id="rId11"/>
+    <p:sldId id="326" r:id="rId12"/>
+    <p:sldId id="313" r:id="rId13"/>
+    <p:sldId id="315" r:id="rId14"/>
+    <p:sldId id="312" r:id="rId15"/>
+    <p:sldId id="311" r:id="rId16"/>
+    <p:sldId id="318" r:id="rId17"/>
+    <p:sldId id="322" r:id="rId18"/>
+    <p:sldId id="321" r:id="rId19"/>
+    <p:sldId id="320" r:id="rId20"/>
+    <p:sldId id="317" r:id="rId21"/>
+    <p:sldId id="323" r:id="rId22"/>
+    <p:sldId id="319" r:id="rId23"/>
+    <p:sldId id="324" r:id="rId24"/>
+    <p:sldId id="305" r:id="rId25"/>
   </p:sldIdLst>
   <p:sldSz cx="9144000" cy="6858000" type="screen4x3"/>
   <p:notesSz cx="6669088" cy="9926638"/>
@@ -271,7 +275,7 @@
           <a:p>
             <a:fld id="{EFA0D184-D464-48E9-9CA0-A94E873F6C2C}" type="datetimeFigureOut">
               <a:rPr lang="de-CH" smtClean="0"/>
-              <a:t>21.01.2016</a:t>
+              <a:t>tt.01.jjjj</a:t>
             </a:fld>
             <a:endParaRPr lang="de-CH"/>
           </a:p>
@@ -337,7 +341,7 @@
           <a:p>
             <a:fld id="{5F377753-DB7C-4FA7-98FC-17681D88797A}" type="slidenum">
               <a:rPr lang="de-CH" smtClean="0"/>
-              <a:t>‹#›</a:t>
+              <a:t>‹Nr.›</a:t>
             </a:fld>
             <a:endParaRPr lang="de-CH"/>
           </a:p>
@@ -436,7 +440,7 @@
           <a:p>
             <a:fld id="{5AF2B663-2BA9-4D7E-8201-5DE4109E1EDD}" type="datetimeFigureOut">
               <a:rPr lang="de-CH" smtClean="0"/>
-              <a:t>21.01.2016</a:t>
+              <a:t>tt.01.jjjj</a:t>
             </a:fld>
             <a:endParaRPr lang="de-CH"/>
           </a:p>
@@ -595,7 +599,7 @@
           <a:p>
             <a:fld id="{37E44704-8E6D-4CF2-8CFA-A0F7BC751896}" type="slidenum">
               <a:rPr lang="de-CH" smtClean="0"/>
-              <a:t>‹#›</a:t>
+              <a:t>‹Nr.›</a:t>
             </a:fld>
             <a:endParaRPr lang="de-CH"/>
           </a:p>
@@ -853,7 +857,7 @@
           <a:p>
             <a:fld id="{37E44704-8E6D-4CF2-8CFA-A0F7BC751896}" type="slidenum">
               <a:rPr lang="de-CH" smtClean="0"/>
-              <a:t>16</a:t>
+              <a:t>19</a:t>
             </a:fld>
             <a:endParaRPr lang="de-CH"/>
           </a:p>
@@ -863,6 +867,90 @@
     <p:extLst>
       <p:ext uri="{BB962C8B-B14F-4D97-AF65-F5344CB8AC3E}">
         <p14:creationId xmlns:p14="http://schemas.microsoft.com/office/powerpoint/2010/main" val="1632356723"/>
+      </p:ext>
+    </p:extLst>
+  </p:cSld>
+  <p:clrMapOvr>
+    <a:masterClrMapping/>
+  </p:clrMapOvr>
+</p:notes>
+</file>
+
+<file path=ppt/notesSlides/notesSlide3.xml><?xml version="1.0" encoding="utf-8"?>
+<p:notes xmlns:a="http://schemas.openxmlformats.org/drawingml/2006/main" xmlns:r="http://schemas.openxmlformats.org/officeDocument/2006/relationships" xmlns:p="http://schemas.openxmlformats.org/presentationml/2006/main">
+  <p:cSld>
+    <p:spTree>
+      <p:nvGrpSpPr>
+        <p:cNvPr id="1" name=""/>
+        <p:cNvGrpSpPr/>
+        <p:nvPr/>
+      </p:nvGrpSpPr>
+      <p:grpSpPr>
+        <a:xfrm>
+          <a:off x="0" y="0"/>
+          <a:ext cx="0" cy="0"/>
+          <a:chOff x="0" y="0"/>
+          <a:chExt cx="0" cy="0"/>
+        </a:xfrm>
+      </p:grpSpPr>
+      <p:sp>
+        <p:nvSpPr>
+          <p:cNvPr id="2" name="Folienbildplatzhalter 1"/>
+          <p:cNvSpPr>
+            <a:spLocks noGrp="1" noRot="1" noChangeAspect="1"/>
+          </p:cNvSpPr>
+          <p:nvPr>
+            <p:ph type="sldImg"/>
+          </p:nvPr>
+        </p:nvSpPr>
+        <p:spPr/>
+      </p:sp>
+      <p:sp>
+        <p:nvSpPr>
+          <p:cNvPr id="3" name="Notizenplatzhalter 2"/>
+          <p:cNvSpPr>
+            <a:spLocks noGrp="1"/>
+          </p:cNvSpPr>
+          <p:nvPr>
+            <p:ph type="body" idx="1"/>
+          </p:nvPr>
+        </p:nvSpPr>
+        <p:spPr/>
+        <p:txBody>
+          <a:bodyPr/>
+          <a:lstStyle/>
+          <a:p>
+            <a:endParaRPr lang="de-CH" dirty="0"/>
+          </a:p>
+        </p:txBody>
+      </p:sp>
+      <p:sp>
+        <p:nvSpPr>
+          <p:cNvPr id="4" name="Foliennummernplatzhalter 3"/>
+          <p:cNvSpPr>
+            <a:spLocks noGrp="1"/>
+          </p:cNvSpPr>
+          <p:nvPr>
+            <p:ph type="sldNum" sz="quarter" idx="10"/>
+          </p:nvPr>
+        </p:nvSpPr>
+        <p:spPr/>
+        <p:txBody>
+          <a:bodyPr/>
+          <a:lstStyle/>
+          <a:p>
+            <a:fld id="{37E44704-8E6D-4CF2-8CFA-A0F7BC751896}" type="slidenum">
+              <a:rPr lang="de-CH" smtClean="0"/>
+              <a:t>20</a:t>
+            </a:fld>
+            <a:endParaRPr lang="de-CH"/>
+          </a:p>
+        </p:txBody>
+      </p:sp>
+    </p:spTree>
+    <p:extLst>
+      <p:ext uri="{BB962C8B-B14F-4D97-AF65-F5344CB8AC3E}">
+        <p14:creationId xmlns:p14="http://schemas.microsoft.com/office/powerpoint/2010/main" val="2209388244"/>
       </p:ext>
     </p:extLst>
   </p:cSld>
@@ -2214,7 +2302,7 @@
           <a:p>
             <a:fld id="{F19AE9A8-34D4-4E8C-BE9C-13C550F1BED0}" type="slidenum">
               <a:rPr lang="de-CH" smtClean="0"/>
-              <a:t>‹#›</a:t>
+              <a:t>‹Nr.›</a:t>
             </a:fld>
             <a:endParaRPr lang="de-CH" dirty="0"/>
           </a:p>
@@ -2267,7 +2355,7 @@
           <a:p>
             <a:fld id="{F19AE9A8-34D4-4E8C-BE9C-13C550F1BED0}" type="slidenum">
               <a:rPr lang="de-CH" smtClean="0"/>
-              <a:t>‹#›</a:t>
+              <a:t>‹Nr.›</a:t>
             </a:fld>
             <a:endParaRPr lang="de-CH" dirty="0"/>
           </a:p>
@@ -3298,7 +3386,7 @@
           <a:p>
             <a:fld id="{F19AE9A8-34D4-4E8C-BE9C-13C550F1BED0}" type="slidenum">
               <a:rPr lang="de-CH" smtClean="0"/>
-              <a:t>‹#›</a:t>
+              <a:t>‹Nr.›</a:t>
             </a:fld>
             <a:endParaRPr lang="de-CH" dirty="0"/>
           </a:p>
@@ -3687,7 +3775,7 @@
           <a:p>
             <a:fld id="{F19AE9A8-34D4-4E8C-BE9C-13C550F1BED0}" type="slidenum">
               <a:rPr lang="de-CH" smtClean="0"/>
-              <a:t>‹#›</a:t>
+              <a:t>‹Nr.›</a:t>
             </a:fld>
             <a:endParaRPr lang="de-CH" dirty="0"/>
           </a:p>
@@ -3914,7 +4002,7 @@
           <a:p>
             <a:fld id="{F19AE9A8-34D4-4E8C-BE9C-13C550F1BED0}" type="slidenum">
               <a:rPr lang="de-CH" smtClean="0"/>
-              <a:t>‹#›</a:t>
+              <a:t>‹Nr.›</a:t>
             </a:fld>
             <a:endParaRPr lang="de-CH" dirty="0"/>
           </a:p>
@@ -4215,7 +4303,7 @@
           <a:p>
             <a:fld id="{F19AE9A8-34D4-4E8C-BE9C-13C550F1BED0}" type="slidenum">
               <a:rPr lang="de-CH" smtClean="0"/>
-              <a:t>‹#›</a:t>
+              <a:t>‹Nr.›</a:t>
             </a:fld>
             <a:endParaRPr lang="de-CH" dirty="0"/>
           </a:p>
@@ -4738,7 +4826,7 @@
           <a:p>
             <a:fld id="{F19AE9A8-34D4-4E8C-BE9C-13C550F1BED0}" type="slidenum">
               <a:rPr lang="de-CH" smtClean="0"/>
-              <a:t>‹#›</a:t>
+              <a:t>‹Nr.›</a:t>
             </a:fld>
             <a:endParaRPr lang="de-CH" dirty="0"/>
           </a:p>
@@ -5261,7 +5349,7 @@
           <a:p>
             <a:fld id="{F19AE9A8-34D4-4E8C-BE9C-13C550F1BED0}" type="slidenum">
               <a:rPr lang="de-CH" smtClean="0"/>
-              <a:t>‹#›</a:t>
+              <a:t>‹Nr.›</a:t>
             </a:fld>
             <a:endParaRPr lang="de-CH" dirty="0"/>
           </a:p>
@@ -5988,7 +6076,7 @@
             <a:fld id="{F19AE9A8-34D4-4E8C-BE9C-13C550F1BED0}" type="slidenum">
               <a:rPr lang="de-CH" smtClean="0"/>
               <a:pPr/>
-              <a:t>‹#›</a:t>
+              <a:t>‹Nr.›</a:t>
             </a:fld>
             <a:endParaRPr lang="de-CH" dirty="0"/>
           </a:p>
@@ -6374,7 +6462,7 @@
             <a:fld id="{F19AE9A8-34D4-4E8C-BE9C-13C550F1BED0}" type="slidenum">
               <a:rPr lang="de-CH" smtClean="0"/>
               <a:pPr/>
-              <a:t>‹#›</a:t>
+              <a:t>‹Nr.›</a:t>
             </a:fld>
             <a:endParaRPr lang="de-CH" dirty="0"/>
           </a:p>
@@ -6851,8 +6939,16 @@
           <a:lstStyle/>
           <a:p>
             <a:r>
+              <a:rPr lang="de-CH" b="1" smtClean="0"/>
+              <a:t>21</a:t>
+            </a:r>
+            <a:r>
+              <a:rPr lang="de-CH" b="1" smtClean="0"/>
+              <a:t>.01.2016</a:t>
+            </a:r>
+            <a:r>
               <a:rPr lang="de-CH" b="1" dirty="0" smtClean="0"/>
-              <a:t>15.01.2016, Gruppe Blau</a:t>
+              <a:t>, Gruppe Blau</a:t>
             </a:r>
             <a:endParaRPr lang="de-DE" b="1" dirty="0"/>
           </a:p>
@@ -6912,12 +7008,12 @@
       </p:grpSpPr>
       <p:sp>
         <p:nvSpPr>
-          <p:cNvPr id="4" name="Title 3"/>
-          <p:cNvSpPr>
-            <a:spLocks noGrp="1"/>
-          </p:cNvSpPr>
-          <p:nvPr>
-            <p:ph type="ctrTitle"/>
+          <p:cNvPr id="2" name="Inhaltsplatzhalter 1"/>
+          <p:cNvSpPr>
+            <a:spLocks noGrp="1"/>
+          </p:cNvSpPr>
+          <p:nvPr>
+            <p:ph sz="half" idx="1"/>
           </p:nvPr>
         </p:nvSpPr>
         <p:spPr/>
@@ -6926,29 +7022,115 @@
           <a:lstStyle/>
           <a:p>
             <a:r>
-              <a:rPr lang="de-CH" dirty="0" err="1" smtClean="0"/>
-              <a:t>Lessons</a:t>
-            </a:r>
-            <a:r>
-              <a:rPr lang="de-CH" dirty="0" smtClean="0"/>
-              <a:t> </a:t>
-            </a:r>
-            <a:r>
-              <a:rPr lang="de-CH" dirty="0" err="1" smtClean="0"/>
-              <a:t>learnt</a:t>
-            </a:r>
+              <a:rPr lang="de-CH" dirty="0"/>
+              <a:t>UI Controller</a:t>
+            </a:r>
+          </a:p>
+          <a:p>
+            <a:pPr lvl="1"/>
             <a:endParaRPr lang="de-CH" dirty="0"/>
           </a:p>
-        </p:txBody>
-      </p:sp>
-      <p:sp>
-        <p:nvSpPr>
-          <p:cNvPr id="5" name="Subtitle 4"/>
-          <p:cNvSpPr>
-            <a:spLocks noGrp="1"/>
-          </p:cNvSpPr>
-          <p:nvPr>
-            <p:ph type="subTitle" idx="1"/>
+          <a:p>
+            <a:r>
+              <a:rPr lang="de-CH" dirty="0"/>
+              <a:t>Pop </a:t>
+            </a:r>
+            <a:r>
+              <a:rPr lang="de-CH" dirty="0" err="1"/>
+              <a:t>up</a:t>
+            </a:r>
+            <a:endParaRPr lang="de-CH" dirty="0"/>
+          </a:p>
+          <a:p>
+            <a:pPr lvl="1"/>
+            <a:r>
+              <a:rPr lang="de-CH" dirty="0"/>
+              <a:t>Create </a:t>
+            </a:r>
+            <a:r>
+              <a:rPr lang="de-CH" dirty="0" err="1"/>
+              <a:t>Appointment</a:t>
+            </a:r>
+            <a:r>
+              <a:rPr lang="de-CH" dirty="0"/>
+              <a:t>-Ansicht</a:t>
+            </a:r>
+          </a:p>
+          <a:p>
+            <a:pPr lvl="1"/>
+            <a:r>
+              <a:rPr lang="de-CH" dirty="0"/>
+              <a:t>Create Patient-Ansicht</a:t>
+            </a:r>
+          </a:p>
+          <a:p>
+            <a:pPr lvl="1"/>
+            <a:r>
+              <a:rPr lang="de-CH" dirty="0"/>
+              <a:t>Controller &amp; </a:t>
+            </a:r>
+            <a:r>
+              <a:rPr lang="de-CH" dirty="0" err="1"/>
+              <a:t>ClickHandler</a:t>
+            </a:r>
+            <a:endParaRPr lang="de-CH" dirty="0"/>
+          </a:p>
+          <a:p>
+            <a:pPr lvl="1"/>
+            <a:endParaRPr lang="de-CH" dirty="0"/>
+          </a:p>
+          <a:p>
+            <a:r>
+              <a:rPr lang="de-CH" dirty="0"/>
+              <a:t>Detail-Ansicht</a:t>
+            </a:r>
+          </a:p>
+          <a:p>
+            <a:pPr lvl="1"/>
+            <a:r>
+              <a:rPr lang="de-CH" dirty="0"/>
+              <a:t>Info-Ansicht</a:t>
+            </a:r>
+          </a:p>
+          <a:p>
+            <a:pPr lvl="1"/>
+            <a:r>
+              <a:rPr lang="de-CH" dirty="0"/>
+              <a:t>Behandlungsübersicht</a:t>
+            </a:r>
+          </a:p>
+          <a:p>
+            <a:pPr lvl="1"/>
+            <a:r>
+              <a:rPr lang="de-CH" dirty="0"/>
+              <a:t>Terminübersicht</a:t>
+            </a:r>
+          </a:p>
+          <a:p>
+            <a:pPr lvl="1"/>
+            <a:r>
+              <a:rPr lang="de-CH" dirty="0"/>
+              <a:t>Controller &amp; </a:t>
+            </a:r>
+            <a:r>
+              <a:rPr lang="de-CH" dirty="0" err="1"/>
+              <a:t>ClickHandler</a:t>
+            </a:r>
+            <a:endParaRPr lang="de-CH" dirty="0"/>
+          </a:p>
+          <a:p>
+            <a:endParaRPr lang="de-CH" dirty="0"/>
+          </a:p>
+        </p:txBody>
+      </p:sp>
+      <p:sp>
+        <p:nvSpPr>
+          <p:cNvPr id="3" name="Titel 2"/>
+          <p:cNvSpPr>
+            <a:spLocks noGrp="1"/>
+          </p:cNvSpPr>
+          <p:nvPr>
+            <p:ph type="ctrTitle"/>
           </p:nvPr>
         </p:nvSpPr>
         <p:spPr/>
@@ -6956,14 +7138,18 @@
           <a:bodyPr/>
           <a:lstStyle/>
           <a:p>
-            <a:endParaRPr lang="de-CH"/>
+            <a:r>
+              <a:rPr lang="de-CH" dirty="0" smtClean="0"/>
+              <a:t>Fabian Zwahlen</a:t>
+            </a:r>
+            <a:endParaRPr lang="de-CH" dirty="0"/>
           </a:p>
         </p:txBody>
       </p:sp>
     </p:spTree>
     <p:extLst>
       <p:ext uri="{BB962C8B-B14F-4D97-AF65-F5344CB8AC3E}">
-        <p14:creationId xmlns:p14="http://schemas.microsoft.com/office/powerpoint/2010/main" val="4126872880"/>
+        <p14:creationId xmlns:p14="http://schemas.microsoft.com/office/powerpoint/2010/main" val="1846725204"/>
       </p:ext>
     </p:extLst>
   </p:cSld>
@@ -7006,40 +7192,113 @@
           <a:lstStyle/>
           <a:p>
             <a:r>
+              <a:rPr lang="de-CH" dirty="0" err="1" smtClean="0"/>
+              <a:t>Scrum</a:t>
+            </a:r>
+            <a:r>
               <a:rPr lang="de-CH" dirty="0" smtClean="0"/>
-              <a:t>Ausführlicher</a:t>
-            </a:r>
+              <a:t> Master Sprint 1 &amp; 2</a:t>
+            </a:r>
+            <a:endParaRPr lang="de-CH" dirty="0"/>
           </a:p>
           <a:p>
             <a:r>
               <a:rPr lang="de-CH" dirty="0" smtClean="0"/>
-              <a:t>Zu wenig Informationen </a:t>
-            </a:r>
-            <a:r>
-              <a:rPr lang="de-CH" dirty="0" smtClean="0">
-                <a:sym typeface="Wingdings" panose="05000000000000000000" pitchFamily="2" charset="2"/>
-              </a:rPr>
-              <a:t> Mehr einholen</a:t>
-            </a:r>
+              <a:t>Patient State</a:t>
+            </a:r>
+          </a:p>
+          <a:p>
+            <a:r>
+              <a:rPr lang="de-CH" dirty="0" smtClean="0"/>
+              <a:t>Database</a:t>
+            </a:r>
+          </a:p>
+          <a:p>
+            <a:pPr lvl="1"/>
+            <a:r>
+              <a:rPr lang="de-CH" dirty="0" smtClean="0"/>
+              <a:t>DB erstellt und Daten eingefügt</a:t>
+            </a:r>
+          </a:p>
+          <a:p>
+            <a:pPr lvl="1"/>
+            <a:r>
+              <a:rPr lang="de-CH" dirty="0" smtClean="0"/>
+              <a:t>Klassen für JPA erweitert</a:t>
+            </a:r>
+          </a:p>
+          <a:p>
+            <a:pPr lvl="1"/>
+            <a:r>
+              <a:rPr lang="de-CH" dirty="0" smtClean="0"/>
+              <a:t>Connection, Read und Write</a:t>
+            </a:r>
+          </a:p>
+          <a:p>
+            <a:r>
+              <a:rPr lang="de-CH" dirty="0" err="1"/>
+              <a:t>Health</a:t>
+            </a:r>
+            <a:r>
+              <a:rPr lang="de-CH" dirty="0"/>
+              <a:t> </a:t>
+            </a:r>
+            <a:r>
+              <a:rPr lang="de-CH" dirty="0" err="1"/>
+              <a:t>Visitor</a:t>
+            </a:r>
+            <a:r>
+              <a:rPr lang="de-CH" dirty="0"/>
+              <a:t> </a:t>
+            </a:r>
+            <a:r>
+              <a:rPr lang="de-CH" dirty="0" smtClean="0"/>
+              <a:t>Kalender</a:t>
+            </a:r>
+          </a:p>
+          <a:p>
+            <a:r>
+              <a:rPr lang="de-CH" dirty="0" smtClean="0"/>
+              <a:t>Patient List</a:t>
+            </a:r>
+          </a:p>
+          <a:p>
+            <a:r>
+              <a:rPr lang="de-CH" dirty="0" smtClean="0"/>
+              <a:t>Login Controller</a:t>
+            </a:r>
+          </a:p>
+          <a:p>
+            <a:pPr lvl="1"/>
+            <a:r>
+              <a:rPr lang="de-CH" smtClean="0"/>
+              <a:t>Login mit </a:t>
+            </a:r>
+            <a:r>
+              <a:rPr lang="de-CH" dirty="0" smtClean="0"/>
+              <a:t>DB</a:t>
+            </a:r>
+          </a:p>
+          <a:p>
+            <a:r>
+              <a:rPr lang="de-CH" dirty="0" smtClean="0"/>
+              <a:t>Edit Patient</a:t>
+            </a:r>
+          </a:p>
+          <a:p>
+            <a:r>
+              <a:rPr lang="de-CH" dirty="0" smtClean="0"/>
+              <a:t>Etc.</a:t>
+            </a:r>
+          </a:p>
+          <a:p>
+            <a:endParaRPr lang="de-CH" dirty="0"/>
+          </a:p>
+          <a:p>
             <a:endParaRPr lang="de-CH" dirty="0" smtClean="0"/>
           </a:p>
           <a:p>
-            <a:r>
-              <a:rPr lang="de-CH" dirty="0" smtClean="0"/>
-              <a:t>Zu wenig Vorkenntnisse</a:t>
-            </a:r>
-          </a:p>
-          <a:p>
-            <a:r>
-              <a:rPr lang="de-CH" dirty="0" smtClean="0"/>
-              <a:t>Wurden in Folge zu wenig berücksichtigt</a:t>
-            </a:r>
-          </a:p>
-          <a:p>
-            <a:r>
-              <a:rPr lang="de-CH" dirty="0" smtClean="0"/>
-              <a:t>Fantasievoller</a:t>
-            </a:r>
+            <a:endParaRPr lang="de-CH" dirty="0" smtClean="0"/>
           </a:p>
           <a:p>
             <a:endParaRPr lang="de-CH" dirty="0" smtClean="0"/>
@@ -7062,17 +7321,17 @@
           <a:lstStyle/>
           <a:p>
             <a:r>
-              <a:rPr lang="de-CH" sz="2800" dirty="0" smtClean="0"/>
-              <a:t>Storyboard</a:t>
-            </a:r>
-            <a:endParaRPr lang="de-CH" sz="2800" dirty="0"/>
+              <a:rPr lang="de-CH" dirty="0" smtClean="0"/>
+              <a:t>Stefan Iseli</a:t>
+            </a:r>
+            <a:endParaRPr lang="de-CH" dirty="0"/>
           </a:p>
         </p:txBody>
       </p:sp>
     </p:spTree>
     <p:extLst>
       <p:ext uri="{BB962C8B-B14F-4D97-AF65-F5344CB8AC3E}">
-        <p14:creationId xmlns:p14="http://schemas.microsoft.com/office/powerpoint/2010/main" val="588067539"/>
+        <p14:creationId xmlns:p14="http://schemas.microsoft.com/office/powerpoint/2010/main" val="3080710229"/>
       </p:ext>
     </p:extLst>
   </p:cSld>
@@ -7101,12 +7360,12 @@
       </p:grpSpPr>
       <p:sp>
         <p:nvSpPr>
-          <p:cNvPr id="2" name="Inhaltsplatzhalter 1"/>
-          <p:cNvSpPr>
-            <a:spLocks noGrp="1"/>
-          </p:cNvSpPr>
-          <p:nvPr>
-            <p:ph sz="half" idx="1"/>
+          <p:cNvPr id="4" name="Title 3"/>
+          <p:cNvSpPr>
+            <a:spLocks noGrp="1"/>
+          </p:cNvSpPr>
+          <p:nvPr>
+            <p:ph type="ctrTitle"/>
           </p:nvPr>
         </p:nvSpPr>
         <p:spPr/>
@@ -7115,75 +7374,29 @@
           <a:lstStyle/>
           <a:p>
             <a:r>
+              <a:rPr lang="de-CH" dirty="0" err="1" smtClean="0"/>
+              <a:t>Lessons</a:t>
+            </a:r>
+            <a:r>
               <a:rPr lang="de-CH" dirty="0" smtClean="0"/>
-              <a:t>Fehlende Use Cases</a:t>
-            </a:r>
-          </a:p>
-          <a:p>
-            <a:r>
-              <a:rPr lang="de-CH" dirty="0" smtClean="0"/>
-              <a:t>Ziemlich ausführlich</a:t>
-            </a:r>
-            <a:endParaRPr lang="de-CH" dirty="0" smtClean="0">
-              <a:sym typeface="Wingdings" panose="05000000000000000000" pitchFamily="2" charset="2"/>
-            </a:endParaRPr>
-          </a:p>
-          <a:p>
-            <a:pPr lvl="1"/>
-            <a:r>
-              <a:rPr lang="de-CH" dirty="0" smtClean="0">
-                <a:sym typeface="Wingdings" panose="05000000000000000000" pitchFamily="2" charset="2"/>
-              </a:rPr>
-              <a:t>Praktisch fürs weitere Vorgehen</a:t>
-            </a:r>
-          </a:p>
-          <a:p>
-            <a:r>
-              <a:rPr lang="de-CH" dirty="0" smtClean="0">
-                <a:sym typeface="Wingdings" panose="05000000000000000000" pitchFamily="2" charset="2"/>
-              </a:rPr>
-              <a:t>Interview weniger hilfreich</a:t>
-            </a:r>
-          </a:p>
-          <a:p>
-            <a:pPr lvl="1"/>
-            <a:r>
-              <a:rPr lang="de-CH" dirty="0" smtClean="0">
-                <a:sym typeface="Wingdings" panose="05000000000000000000" pitchFamily="2" charset="2"/>
-              </a:rPr>
-              <a:t>Wenn dann mehrere</a:t>
-            </a:r>
-          </a:p>
-          <a:p>
-            <a:r>
-              <a:rPr lang="de-CH" dirty="0" smtClean="0">
-                <a:sym typeface="Wingdings" panose="05000000000000000000" pitchFamily="2" charset="2"/>
-              </a:rPr>
-              <a:t>Projekt von Beginn begrenzen</a:t>
-            </a:r>
-          </a:p>
-          <a:p>
-            <a:pPr lvl="1"/>
-            <a:r>
-              <a:rPr lang="de-CH" dirty="0" smtClean="0">
-                <a:sym typeface="Wingdings" panose="05000000000000000000" pitchFamily="2" charset="2"/>
-              </a:rPr>
-              <a:t>Detailliertere Requirements</a:t>
-            </a:r>
-          </a:p>
-          <a:p>
-            <a:endParaRPr lang="de-CH" dirty="0" smtClean="0"/>
-          </a:p>
-        </p:txBody>
-      </p:sp>
-      <p:sp>
-        <p:nvSpPr>
-          <p:cNvPr id="3" name="Titel 2"/>
-          <p:cNvSpPr>
-            <a:spLocks noGrp="1"/>
-          </p:cNvSpPr>
-          <p:nvPr>
-            <p:ph type="ctrTitle"/>
+              <a:t> </a:t>
+            </a:r>
+            <a:r>
+              <a:rPr lang="de-CH" dirty="0" err="1" smtClean="0"/>
+              <a:t>learnt</a:t>
+            </a:r>
+            <a:endParaRPr lang="de-CH" dirty="0"/>
+          </a:p>
+        </p:txBody>
+      </p:sp>
+      <p:sp>
+        <p:nvSpPr>
+          <p:cNvPr id="5" name="Subtitle 4"/>
+          <p:cNvSpPr>
+            <a:spLocks noGrp="1"/>
+          </p:cNvSpPr>
+          <p:nvPr>
+            <p:ph type="subTitle" idx="1"/>
           </p:nvPr>
         </p:nvSpPr>
         <p:spPr/>
@@ -7191,22 +7404,14 @@
           <a:bodyPr/>
           <a:lstStyle/>
           <a:p>
-            <a:r>
-              <a:rPr lang="de-CH" sz="2800" dirty="0" smtClean="0"/>
-              <a:t>Requirements</a:t>
-            </a:r>
-            <a:r>
-              <a:rPr lang="de-CH" sz="2000" dirty="0" smtClean="0"/>
-              <a:t> </a:t>
-            </a:r>
-            <a:endParaRPr lang="de-CH" sz="2000" dirty="0"/>
+            <a:endParaRPr lang="de-CH"/>
           </a:p>
         </p:txBody>
       </p:sp>
     </p:spTree>
     <p:extLst>
       <p:ext uri="{BB962C8B-B14F-4D97-AF65-F5344CB8AC3E}">
-        <p14:creationId xmlns:p14="http://schemas.microsoft.com/office/powerpoint/2010/main" val="3636430964"/>
+        <p14:creationId xmlns:p14="http://schemas.microsoft.com/office/powerpoint/2010/main" val="4126872880"/>
       </p:ext>
     </p:extLst>
   </p:cSld>
@@ -7250,32 +7455,42 @@
           <a:p>
             <a:r>
               <a:rPr lang="de-CH" dirty="0" smtClean="0"/>
-              <a:t>Praktische Mock-Ups</a:t>
+              <a:t>Ausführlicher</a:t>
             </a:r>
           </a:p>
           <a:p>
             <a:r>
               <a:rPr lang="de-CH" dirty="0" smtClean="0"/>
-              <a:t>Teils sehr detailliert</a:t>
-            </a:r>
+              <a:t>Zu wenig Informationen </a:t>
+            </a:r>
+            <a:r>
+              <a:rPr lang="de-CH" dirty="0" smtClean="0">
+                <a:sym typeface="Wingdings" panose="05000000000000000000" pitchFamily="2" charset="2"/>
+              </a:rPr>
+              <a:t> Mehr einholen</a:t>
+            </a:r>
+            <a:endParaRPr lang="de-CH" dirty="0" smtClean="0"/>
           </a:p>
           <a:p>
             <a:r>
               <a:rPr lang="de-CH" dirty="0" smtClean="0"/>
-              <a:t>Vaadin Testframwork vor Mock-Ups</a:t>
+              <a:t>Zu wenig Vorkenntnisse</a:t>
             </a:r>
           </a:p>
           <a:p>
             <a:r>
               <a:rPr lang="de-CH" dirty="0" smtClean="0"/>
-              <a:t>Evaluation durch mehrere Personen</a:t>
+              <a:t>Wurden in Folge zu wenig berücksichtigt</a:t>
             </a:r>
           </a:p>
           <a:p>
             <a:r>
               <a:rPr lang="de-CH" dirty="0" smtClean="0"/>
-              <a:t>Evaluation durch Laien und Fachpersonen</a:t>
-            </a:r>
+              <a:t>Fantasievoller</a:t>
+            </a:r>
+          </a:p>
+          <a:p>
+            <a:endParaRPr lang="de-CH" dirty="0" smtClean="0"/>
           </a:p>
         </p:txBody>
       </p:sp>
@@ -7289,19 +7504,14 @@
             <p:ph type="ctrTitle"/>
           </p:nvPr>
         </p:nvSpPr>
-        <p:spPr>
-          <a:xfrm>
-            <a:off x="468000" y="360000"/>
-            <a:ext cx="8100000" cy="540000"/>
-          </a:xfrm>
-        </p:spPr>
+        <p:spPr/>
         <p:txBody>
           <a:bodyPr/>
           <a:lstStyle/>
           <a:p>
             <a:r>
               <a:rPr lang="de-CH" sz="2800" dirty="0" smtClean="0"/>
-              <a:t>Design</a:t>
+              <a:t>Storyboard</a:t>
             </a:r>
             <a:endParaRPr lang="de-CH" sz="2800" dirty="0"/>
           </a:p>
@@ -7310,7 +7520,7 @@
     </p:spTree>
     <p:extLst>
       <p:ext uri="{BB962C8B-B14F-4D97-AF65-F5344CB8AC3E}">
-        <p14:creationId xmlns:p14="http://schemas.microsoft.com/office/powerpoint/2010/main" val="3588187025"/>
+        <p14:creationId xmlns:p14="http://schemas.microsoft.com/office/powerpoint/2010/main" val="588067539"/>
       </p:ext>
     </p:extLst>
   </p:cSld>
@@ -7354,32 +7564,63 @@
           <a:p>
             <a:r>
               <a:rPr lang="de-CH" dirty="0" smtClean="0"/>
-              <a:t>Vielmals fehlendes Wissen</a:t>
+              <a:t>Fehlende Use Cases</a:t>
             </a:r>
           </a:p>
           <a:p>
             <a:r>
               <a:rPr lang="de-CH" dirty="0" smtClean="0"/>
-              <a:t>Testumgebung erst nach DB-Integration möglich</a:t>
-            </a:r>
-          </a:p>
-          <a:p>
-            <a:r>
-              <a:rPr lang="de-CH" dirty="0" smtClean="0"/>
-              <a:t>Implementation der DB am Schluss OK</a:t>
-            </a:r>
-          </a:p>
-          <a:p>
-            <a:r>
-              <a:rPr lang="de-CH" dirty="0" smtClean="0"/>
-              <a:t>JPA Klassen jedoch zu Beginn</a:t>
-            </a:r>
-          </a:p>
-          <a:p>
-            <a:r>
-              <a:rPr lang="de-CH" dirty="0" smtClean="0"/>
-              <a:t>Unterschiedliches Vorwissen</a:t>
-            </a:r>
+              <a:t>Ziemlich ausführlich</a:t>
+            </a:r>
+            <a:endParaRPr lang="de-CH" dirty="0" smtClean="0">
+              <a:sym typeface="Wingdings" panose="05000000000000000000" pitchFamily="2" charset="2"/>
+            </a:endParaRPr>
+          </a:p>
+          <a:p>
+            <a:pPr lvl="1"/>
+            <a:r>
+              <a:rPr lang="de-CH" dirty="0" smtClean="0">
+                <a:sym typeface="Wingdings" panose="05000000000000000000" pitchFamily="2" charset="2"/>
+              </a:rPr>
+              <a:t>Praktisch fürs weitere Vorgehen</a:t>
+            </a:r>
+          </a:p>
+          <a:p>
+            <a:r>
+              <a:rPr lang="de-CH" dirty="0" smtClean="0">
+                <a:sym typeface="Wingdings" panose="05000000000000000000" pitchFamily="2" charset="2"/>
+              </a:rPr>
+              <a:t>Interview weniger hilfreich</a:t>
+            </a:r>
+          </a:p>
+          <a:p>
+            <a:pPr lvl="1"/>
+            <a:r>
+              <a:rPr lang="de-CH" dirty="0" smtClean="0">
+                <a:sym typeface="Wingdings" panose="05000000000000000000" pitchFamily="2" charset="2"/>
+              </a:rPr>
+              <a:t>Wenn dann mehrere</a:t>
+            </a:r>
+          </a:p>
+          <a:p>
+            <a:r>
+              <a:rPr lang="de-CH" dirty="0" smtClean="0">
+                <a:sym typeface="Wingdings" panose="05000000000000000000" pitchFamily="2" charset="2"/>
+              </a:rPr>
+              <a:t>Projekt von Beginn begrenzen</a:t>
+            </a:r>
+          </a:p>
+          <a:p>
+            <a:pPr lvl="1"/>
+            <a:r>
+              <a:rPr lang="de-CH" dirty="0" smtClean="0">
+                <a:sym typeface="Wingdings" panose="05000000000000000000" pitchFamily="2" charset="2"/>
+              </a:rPr>
+              <a:t>Detailliertere Requirements</a:t>
+            </a:r>
+          </a:p>
+          <a:p>
+            <a:endParaRPr lang="de-CH" dirty="0" smtClean="0"/>
           </a:p>
         </p:txBody>
       </p:sp>
@@ -7400,16 +7641,20 @@
           <a:p>
             <a:r>
               <a:rPr lang="de-CH" sz="2800" dirty="0" smtClean="0"/>
-              <a:t>Implementation</a:t>
-            </a:r>
-            <a:endParaRPr lang="de-CH" sz="2800" dirty="0"/>
+              <a:t>Requirements</a:t>
+            </a:r>
+            <a:r>
+              <a:rPr lang="de-CH" sz="2000" dirty="0" smtClean="0"/>
+              <a:t> </a:t>
+            </a:r>
+            <a:endParaRPr lang="de-CH" sz="2000" dirty="0"/>
           </a:p>
         </p:txBody>
       </p:sp>
     </p:spTree>
     <p:extLst>
       <p:ext uri="{BB962C8B-B14F-4D97-AF65-F5344CB8AC3E}">
-        <p14:creationId xmlns:p14="http://schemas.microsoft.com/office/powerpoint/2010/main" val="2472529032"/>
+        <p14:creationId xmlns:p14="http://schemas.microsoft.com/office/powerpoint/2010/main" val="3636430964"/>
       </p:ext>
     </p:extLst>
   </p:cSld>
@@ -7453,129 +7698,32 @@
           <a:p>
             <a:r>
               <a:rPr lang="de-CH" dirty="0" smtClean="0"/>
-              <a:t>Developer</a:t>
-            </a:r>
-            <a:endParaRPr lang="de-CH" dirty="0"/>
-          </a:p>
-          <a:p>
-            <a:pPr lvl="1"/>
+              <a:t>Praktische Mock-Ups</a:t>
+            </a:r>
+          </a:p>
+          <a:p>
             <a:r>
               <a:rPr lang="de-CH" dirty="0" smtClean="0"/>
-              <a:t>Daily Scrum ok</a:t>
-            </a:r>
-          </a:p>
-          <a:p>
-            <a:pPr lvl="2"/>
+              <a:t>Teils sehr detailliert</a:t>
+            </a:r>
+          </a:p>
+          <a:p>
             <a:r>
               <a:rPr lang="de-CH" dirty="0" smtClean="0"/>
-              <a:t>Etwas unnötig bei 10 min Development-Zeit</a:t>
-            </a:r>
-          </a:p>
-          <a:p>
-            <a:pPr lvl="1"/>
+              <a:t>Vaadin Testframwork vor Mock-Ups</a:t>
+            </a:r>
+          </a:p>
+          <a:p>
             <a:r>
               <a:rPr lang="de-CH" dirty="0" smtClean="0"/>
-              <a:t>Daily </a:t>
-            </a:r>
-            <a:r>
-              <a:rPr lang="de-CH" dirty="0" err="1" smtClean="0"/>
-              <a:t>Scrum</a:t>
-            </a:r>
+              <a:t>Evaluation durch mehrere Personen</a:t>
+            </a:r>
+          </a:p>
+          <a:p>
             <a:r>
               <a:rPr lang="de-CH" dirty="0" smtClean="0"/>
-              <a:t> nur Mo, Mi &amp; Do</a:t>
-            </a:r>
-          </a:p>
-          <a:p>
-            <a:pPr lvl="1"/>
-            <a:r>
-              <a:rPr lang="de-CH" dirty="0" smtClean="0"/>
-              <a:t>Klarere Aufteilung</a:t>
-            </a:r>
-          </a:p>
-          <a:p>
-            <a:pPr lvl="1"/>
-            <a:r>
-              <a:rPr lang="de-CH" dirty="0" smtClean="0"/>
-              <a:t>Daily Scrum Time </a:t>
-            </a:r>
-            <a:r>
-              <a:rPr lang="de-CH" dirty="0" err="1" smtClean="0"/>
-              <a:t>Boxing</a:t>
-            </a:r>
-            <a:r>
-              <a:rPr lang="de-CH" dirty="0" smtClean="0"/>
-              <a:t>!</a:t>
-            </a:r>
-          </a:p>
-          <a:p>
-            <a:pPr lvl="1"/>
-            <a:r>
-              <a:rPr lang="de-CH" dirty="0" smtClean="0"/>
-              <a:t>Manchmal zu viel Sonstiges besprochen</a:t>
-            </a:r>
-          </a:p>
-          <a:p>
-            <a:pPr lvl="2"/>
-            <a:r>
-              <a:rPr lang="de-CH" dirty="0" smtClean="0"/>
-              <a:t>Wirklich nur «was gemacht», «was als nächstes»</a:t>
-            </a:r>
-            <a:endParaRPr lang="de-CH" dirty="0"/>
-          </a:p>
-          <a:p>
-            <a:r>
-              <a:rPr lang="de-CH" dirty="0" err="1" smtClean="0"/>
-              <a:t>Scrum</a:t>
-            </a:r>
-            <a:r>
-              <a:rPr lang="de-CH" dirty="0" smtClean="0"/>
-              <a:t> Master</a:t>
-            </a:r>
-          </a:p>
-          <a:p>
-            <a:pPr lvl="1"/>
-            <a:r>
-              <a:rPr lang="de-CH" dirty="0" smtClean="0"/>
-              <a:t>Sprint Planung</a:t>
-            </a:r>
-          </a:p>
-          <a:p>
-            <a:pPr lvl="2"/>
-            <a:r>
-              <a:rPr lang="de-CH" dirty="0" smtClean="0"/>
-              <a:t>Aufwandsschätzung</a:t>
-            </a:r>
-          </a:p>
-          <a:p>
-            <a:pPr lvl="1"/>
-            <a:r>
-              <a:rPr lang="de-CH" dirty="0" smtClean="0"/>
-              <a:t>Selbständigeres Team</a:t>
-            </a:r>
-          </a:p>
-          <a:p>
-            <a:pPr lvl="1"/>
-            <a:r>
-              <a:rPr lang="de-CH" dirty="0" smtClean="0"/>
-              <a:t>Klare Aufteilung schwierig</a:t>
-            </a:r>
-          </a:p>
-          <a:p>
-            <a:pPr lvl="2"/>
-            <a:r>
-              <a:rPr lang="de-CH" dirty="0" smtClean="0"/>
-              <a:t>Häufiges Pair </a:t>
-            </a:r>
-            <a:r>
-              <a:rPr lang="de-CH" dirty="0" err="1" smtClean="0"/>
-              <a:t>Programming</a:t>
-            </a:r>
-            <a:r>
-              <a:rPr lang="de-CH" dirty="0" smtClean="0"/>
-              <a:t> (kein Nachteil)</a:t>
-            </a:r>
-            <a:endParaRPr lang="de-CH" dirty="0"/>
+              <a:t>Evaluation durch Laien und Fachpersonen</a:t>
+            </a:r>
           </a:p>
         </p:txBody>
       </p:sp>
@@ -7589,31 +7737,28 @@
             <p:ph type="ctrTitle"/>
           </p:nvPr>
         </p:nvSpPr>
-        <p:spPr/>
+        <p:spPr>
+          <a:xfrm>
+            <a:off x="468000" y="360000"/>
+            <a:ext cx="8100000" cy="540000"/>
+          </a:xfrm>
+        </p:spPr>
         <p:txBody>
           <a:bodyPr/>
           <a:lstStyle/>
           <a:p>
             <a:r>
-              <a:rPr lang="de-CH" dirty="0" err="1" smtClean="0"/>
-              <a:t>Scrum</a:t>
-            </a:r>
-            <a:r>
-              <a:rPr lang="de-CH" dirty="0" smtClean="0"/>
-              <a:t> </a:t>
-            </a:r>
-            <a:r>
-              <a:rPr lang="de-CH" dirty="0" err="1" smtClean="0"/>
-              <a:t>retrospective</a:t>
-            </a:r>
-            <a:endParaRPr lang="de-CH" dirty="0"/>
+              <a:rPr lang="de-CH" sz="2800" dirty="0" smtClean="0"/>
+              <a:t>Design</a:t>
+            </a:r>
+            <a:endParaRPr lang="de-CH" sz="2800" dirty="0"/>
           </a:p>
         </p:txBody>
       </p:sp>
     </p:spTree>
     <p:extLst>
       <p:ext uri="{BB962C8B-B14F-4D97-AF65-F5344CB8AC3E}">
-        <p14:creationId xmlns:p14="http://schemas.microsoft.com/office/powerpoint/2010/main" val="1121024654"/>
+        <p14:creationId xmlns:p14="http://schemas.microsoft.com/office/powerpoint/2010/main" val="3588187025"/>
       </p:ext>
     </p:extLst>
   </p:cSld>
@@ -7657,128 +7802,32 @@
           <a:p>
             <a:r>
               <a:rPr lang="de-CH" dirty="0" smtClean="0"/>
-              <a:t>Lukas Hügi</a:t>
-            </a:r>
-          </a:p>
-          <a:p>
-            <a:pPr marL="0" indent="0">
-              <a:buNone/>
-            </a:pPr>
-            <a:endParaRPr lang="de-CH" dirty="0"/>
+              <a:t>Vielmals fehlendes Wissen</a:t>
+            </a:r>
           </a:p>
           <a:p>
             <a:r>
               <a:rPr lang="de-CH" dirty="0" smtClean="0"/>
-              <a:t>Christine Noser</a:t>
-            </a:r>
-          </a:p>
-          <a:p>
-            <a:pPr lvl="1"/>
+              <a:t>Testumgebung erst nach DB-Integration möglich</a:t>
+            </a:r>
+          </a:p>
+          <a:p>
             <a:r>
               <a:rPr lang="de-CH" dirty="0" smtClean="0"/>
-              <a:t>Nutzen der Planung</a:t>
-            </a:r>
-          </a:p>
-          <a:p>
-            <a:pPr lvl="1"/>
+              <a:t>Implementation der DB am Schluss OK</a:t>
+            </a:r>
+          </a:p>
+          <a:p>
             <a:r>
               <a:rPr lang="de-CH" dirty="0" smtClean="0"/>
-              <a:t>Durchführung Projekt mit mehreren Leuten</a:t>
-            </a:r>
-            <a:endParaRPr lang="de-CH" dirty="0"/>
+              <a:t>JPA Klassen jedoch zu Beginn</a:t>
+            </a:r>
           </a:p>
           <a:p>
             <a:r>
               <a:rPr lang="de-CH" dirty="0" smtClean="0"/>
-              <a:t>Tim Dorner</a:t>
-            </a:r>
-          </a:p>
-          <a:p>
-            <a:pPr lvl="1"/>
-            <a:r>
-              <a:rPr lang="de-CH" dirty="0" err="1"/>
-              <a:t>Scrum</a:t>
-            </a:r>
-            <a:r>
-              <a:rPr lang="de-CH" dirty="0"/>
-              <a:t> </a:t>
-            </a:r>
-            <a:r>
-              <a:rPr lang="de-CH" dirty="0" err="1" smtClean="0"/>
-              <a:t>planning</a:t>
-            </a:r>
-            <a:endParaRPr lang="de-CH" dirty="0"/>
-          </a:p>
-          <a:p>
-            <a:pPr lvl="1"/>
-            <a:r>
-              <a:rPr lang="de-CH" dirty="0" smtClean="0"/>
-              <a:t>Pair </a:t>
-            </a:r>
-            <a:r>
-              <a:rPr lang="de-CH" dirty="0" smtClean="0"/>
-              <a:t>programming</a:t>
-            </a:r>
-            <a:endParaRPr lang="de-CH" dirty="0"/>
-          </a:p>
-          <a:p>
-            <a:r>
-              <a:rPr lang="de-CH" dirty="0" smtClean="0"/>
-              <a:t>Fabian Zwahlen</a:t>
-            </a:r>
-          </a:p>
-          <a:p>
-            <a:pPr lvl="1"/>
-            <a:r>
-              <a:rPr lang="de-CH" dirty="0" smtClean="0"/>
-              <a:t>Grosses Softwareprojekt</a:t>
-            </a:r>
-          </a:p>
-          <a:p>
-            <a:pPr lvl="1"/>
-            <a:r>
-              <a:rPr lang="de-CH" dirty="0" smtClean="0"/>
-              <a:t>Aufteilung der </a:t>
-            </a:r>
-            <a:r>
-              <a:rPr lang="de-CH" dirty="0" smtClean="0"/>
-              <a:t>Arbeiten</a:t>
-            </a:r>
-            <a:endParaRPr lang="de-CH" dirty="0"/>
-          </a:p>
-          <a:p>
-            <a:r>
-              <a:rPr lang="de-CH" dirty="0" smtClean="0"/>
-              <a:t>Stefan Iseli</a:t>
-            </a:r>
-          </a:p>
-          <a:p>
-            <a:pPr lvl="1"/>
-            <a:r>
-              <a:rPr lang="de-CH" dirty="0" smtClean="0"/>
-              <a:t>Storyboards &amp; </a:t>
-            </a:r>
-            <a:r>
-              <a:rPr lang="de-CH" dirty="0" err="1" smtClean="0"/>
-              <a:t>Requirements</a:t>
-            </a:r>
-            <a:endParaRPr lang="de-CH" dirty="0" smtClean="0"/>
-          </a:p>
-          <a:p>
-            <a:pPr lvl="1"/>
-            <a:r>
-              <a:rPr lang="de-CH" dirty="0" err="1" smtClean="0"/>
-              <a:t>Vaadin</a:t>
-            </a:r>
-            <a:r>
-              <a:rPr lang="de-CH" dirty="0"/>
-              <a:t> </a:t>
-            </a:r>
-            <a:r>
-              <a:rPr lang="de-CH" dirty="0" smtClean="0"/>
-              <a:t>&amp; JPA</a:t>
-            </a:r>
-            <a:endParaRPr lang="de-CH" dirty="0"/>
+              <a:t>Unterschiedliches Vorwissen</a:t>
+            </a:r>
           </a:p>
         </p:txBody>
       </p:sp>
@@ -7798,29 +7847,17 @@
           <a:lstStyle/>
           <a:p>
             <a:r>
-              <a:rPr lang="de-CH" dirty="0" smtClean="0"/>
-              <a:t>Team </a:t>
-            </a:r>
-            <a:r>
-              <a:rPr lang="de-CH" dirty="0" err="1" smtClean="0"/>
-              <a:t>Lessons</a:t>
-            </a:r>
-            <a:r>
-              <a:rPr lang="de-CH" dirty="0" smtClean="0"/>
-              <a:t> </a:t>
-            </a:r>
-            <a:r>
-              <a:rPr lang="de-CH" dirty="0" err="1" smtClean="0"/>
-              <a:t>learned</a:t>
-            </a:r>
-            <a:endParaRPr lang="de-CH" dirty="0"/>
+              <a:rPr lang="de-CH" sz="2800" dirty="0" smtClean="0"/>
+              <a:t>Implementation</a:t>
+            </a:r>
+            <a:endParaRPr lang="de-CH" sz="2800" dirty="0"/>
           </a:p>
         </p:txBody>
       </p:sp>
     </p:spTree>
     <p:extLst>
       <p:ext uri="{BB962C8B-B14F-4D97-AF65-F5344CB8AC3E}">
-        <p14:creationId xmlns:p14="http://schemas.microsoft.com/office/powerpoint/2010/main" val="2861580105"/>
+        <p14:creationId xmlns:p14="http://schemas.microsoft.com/office/powerpoint/2010/main" val="2472529032"/>
       </p:ext>
     </p:extLst>
   </p:cSld>
@@ -7849,12 +7886,12 @@
       </p:grpSpPr>
       <p:sp>
         <p:nvSpPr>
-          <p:cNvPr id="2" name="Titel 1"/>
-          <p:cNvSpPr>
-            <a:spLocks noGrp="1"/>
-          </p:cNvSpPr>
-          <p:nvPr>
-            <p:ph type="ctrTitle"/>
+          <p:cNvPr id="2" name="Inhaltsplatzhalter 1"/>
+          <p:cNvSpPr>
+            <a:spLocks noGrp="1"/>
+          </p:cNvSpPr>
+          <p:nvPr>
+            <p:ph sz="half" idx="1"/>
           </p:nvPr>
         </p:nvSpPr>
         <p:spPr/>
@@ -7863,12 +7900,109 @@
           <a:lstStyle/>
           <a:p>
             <a:r>
-              <a:rPr lang="de-DE" dirty="0" err="1" smtClean="0"/>
-              <a:t>Thanks</a:t>
-            </a:r>
-            <a:r>
-              <a:rPr lang="de-DE" dirty="0" smtClean="0"/>
+              <a:rPr lang="de-CH" dirty="0" smtClean="0"/>
+              <a:t>Developer</a:t>
+            </a:r>
+            <a:endParaRPr lang="de-CH" dirty="0"/>
+          </a:p>
+          <a:p>
+            <a:pPr lvl="1"/>
+            <a:r>
+              <a:rPr lang="de-CH" dirty="0" smtClean="0"/>
+              <a:t>Daily Scrum ok</a:t>
+            </a:r>
+          </a:p>
+          <a:p>
+            <a:pPr lvl="2"/>
+            <a:r>
+              <a:rPr lang="de-CH" dirty="0" smtClean="0"/>
+              <a:t>Etwas unnötig bei 10 min Development-Zeit</a:t>
+            </a:r>
+          </a:p>
+          <a:p>
+            <a:pPr lvl="1"/>
+            <a:r>
+              <a:rPr lang="de-CH" dirty="0" smtClean="0"/>
+              <a:t>Daily </a:t>
+            </a:r>
+            <a:r>
+              <a:rPr lang="de-CH" dirty="0" err="1" smtClean="0"/>
+              <a:t>Scrum</a:t>
+            </a:r>
+            <a:r>
+              <a:rPr lang="de-CH" dirty="0" smtClean="0"/>
+              <a:t> nur Mo, Mi &amp; Do</a:t>
+            </a:r>
+          </a:p>
+          <a:p>
+            <a:pPr lvl="1"/>
+            <a:r>
+              <a:rPr lang="de-CH" dirty="0" smtClean="0"/>
+              <a:t>Klarere Aufteilung</a:t>
+            </a:r>
+          </a:p>
+          <a:p>
+            <a:pPr lvl="1"/>
+            <a:r>
+              <a:rPr lang="de-CH" dirty="0" smtClean="0"/>
+              <a:t>Daily Scrum Time </a:t>
+            </a:r>
+            <a:r>
+              <a:rPr lang="de-CH" dirty="0" err="1" smtClean="0"/>
+              <a:t>Boxing</a:t>
+            </a:r>
+            <a:r>
+              <a:rPr lang="de-CH" dirty="0" smtClean="0"/>
               <a:t>!</a:t>
+            </a:r>
+          </a:p>
+          <a:p>
+            <a:pPr lvl="1"/>
+            <a:r>
+              <a:rPr lang="de-CH" dirty="0" smtClean="0"/>
+              <a:t>Manchmal zu viel Sonstiges besprochen</a:t>
+            </a:r>
+          </a:p>
+          <a:p>
+            <a:pPr lvl="2"/>
+            <a:r>
+              <a:rPr lang="de-CH" dirty="0" smtClean="0"/>
+              <a:t>Wirklich nur «was gemacht», «was als nächstes</a:t>
+            </a:r>
+            <a:r>
+              <a:rPr lang="de-CH" dirty="0" smtClean="0"/>
+              <a:t>»</a:t>
+            </a:r>
+            <a:endParaRPr lang="de-CH" dirty="0"/>
+          </a:p>
+        </p:txBody>
+      </p:sp>
+      <p:sp>
+        <p:nvSpPr>
+          <p:cNvPr id="3" name="Titel 2"/>
+          <p:cNvSpPr>
+            <a:spLocks noGrp="1"/>
+          </p:cNvSpPr>
+          <p:nvPr>
+            <p:ph type="ctrTitle"/>
+          </p:nvPr>
+        </p:nvSpPr>
+        <p:spPr/>
+        <p:txBody>
+          <a:bodyPr/>
+          <a:lstStyle/>
+          <a:p>
+            <a:r>
+              <a:rPr lang="de-CH" dirty="0" err="1" smtClean="0"/>
+              <a:t>Scrum</a:t>
+            </a:r>
+            <a:r>
+              <a:rPr lang="de-CH" dirty="0" smtClean="0"/>
+              <a:t> </a:t>
+            </a:r>
+            <a:r>
+              <a:rPr lang="de-CH" dirty="0" err="1" smtClean="0"/>
+              <a:t>retrospective</a:t>
             </a:r>
             <a:endParaRPr lang="de-CH" dirty="0"/>
           </a:p>
@@ -7877,7 +8011,320 @@
     </p:spTree>
     <p:extLst>
       <p:ext uri="{BB962C8B-B14F-4D97-AF65-F5344CB8AC3E}">
-        <p14:creationId xmlns:p14="http://schemas.microsoft.com/office/powerpoint/2010/main" val="1252526614"/>
+        <p14:creationId xmlns:p14="http://schemas.microsoft.com/office/powerpoint/2010/main" val="1121024654"/>
+      </p:ext>
+    </p:extLst>
+  </p:cSld>
+  <p:clrMapOvr>
+    <a:masterClrMapping/>
+  </p:clrMapOvr>
+</p:sld>
+</file>
+
+<file path=ppt/slides/slide18.xml><?xml version="1.0" encoding="utf-8"?>
+<p:sld xmlns:a="http://schemas.openxmlformats.org/drawingml/2006/main" xmlns:r="http://schemas.openxmlformats.org/officeDocument/2006/relationships" xmlns:p="http://schemas.openxmlformats.org/presentationml/2006/main">
+  <p:cSld>
+    <p:spTree>
+      <p:nvGrpSpPr>
+        <p:cNvPr id="1" name=""/>
+        <p:cNvGrpSpPr/>
+        <p:nvPr/>
+      </p:nvGrpSpPr>
+      <p:grpSpPr>
+        <a:xfrm>
+          <a:off x="0" y="0"/>
+          <a:ext cx="0" cy="0"/>
+          <a:chOff x="0" y="0"/>
+          <a:chExt cx="0" cy="0"/>
+        </a:xfrm>
+      </p:grpSpPr>
+      <p:sp>
+        <p:nvSpPr>
+          <p:cNvPr id="2" name="Inhaltsplatzhalter 1"/>
+          <p:cNvSpPr>
+            <a:spLocks noGrp="1"/>
+          </p:cNvSpPr>
+          <p:nvPr>
+            <p:ph sz="half" idx="1"/>
+          </p:nvPr>
+        </p:nvSpPr>
+        <p:spPr/>
+        <p:txBody>
+          <a:bodyPr/>
+          <a:lstStyle/>
+          <a:p>
+            <a:r>
+              <a:rPr lang="de-CH" dirty="0" err="1" smtClean="0"/>
+              <a:t>Scrum</a:t>
+            </a:r>
+            <a:r>
+              <a:rPr lang="de-CH" dirty="0" smtClean="0"/>
+              <a:t> </a:t>
+            </a:r>
+            <a:r>
+              <a:rPr lang="de-CH" dirty="0" smtClean="0"/>
+              <a:t>Master</a:t>
+            </a:r>
+          </a:p>
+          <a:p>
+            <a:pPr lvl="1"/>
+            <a:r>
+              <a:rPr lang="de-CH" dirty="0" smtClean="0"/>
+              <a:t>Sprint Planung</a:t>
+            </a:r>
+          </a:p>
+          <a:p>
+            <a:pPr lvl="2"/>
+            <a:r>
+              <a:rPr lang="de-CH" dirty="0" smtClean="0"/>
+              <a:t>Aufwandsschätzung</a:t>
+            </a:r>
+          </a:p>
+          <a:p>
+            <a:pPr lvl="1"/>
+            <a:r>
+              <a:rPr lang="de-CH" dirty="0" smtClean="0"/>
+              <a:t>Selbständigeres Team</a:t>
+            </a:r>
+          </a:p>
+          <a:p>
+            <a:pPr lvl="1"/>
+            <a:r>
+              <a:rPr lang="de-CH" dirty="0" smtClean="0"/>
+              <a:t>Klare Aufteilung schwierig</a:t>
+            </a:r>
+          </a:p>
+          <a:p>
+            <a:pPr lvl="2"/>
+            <a:r>
+              <a:rPr lang="de-CH" dirty="0" smtClean="0"/>
+              <a:t>Häufiges Pair </a:t>
+            </a:r>
+            <a:r>
+              <a:rPr lang="de-CH" dirty="0" err="1" smtClean="0"/>
+              <a:t>Programming</a:t>
+            </a:r>
+            <a:r>
+              <a:rPr lang="de-CH" dirty="0" smtClean="0"/>
+              <a:t> (kein Nachteil)</a:t>
+            </a:r>
+            <a:endParaRPr lang="de-CH" dirty="0"/>
+          </a:p>
+        </p:txBody>
+      </p:sp>
+      <p:sp>
+        <p:nvSpPr>
+          <p:cNvPr id="3" name="Titel 2"/>
+          <p:cNvSpPr>
+            <a:spLocks noGrp="1"/>
+          </p:cNvSpPr>
+          <p:nvPr>
+            <p:ph type="ctrTitle"/>
+          </p:nvPr>
+        </p:nvSpPr>
+        <p:spPr/>
+        <p:txBody>
+          <a:bodyPr/>
+          <a:lstStyle/>
+          <a:p>
+            <a:r>
+              <a:rPr lang="de-CH" dirty="0" err="1" smtClean="0"/>
+              <a:t>Scrum</a:t>
+            </a:r>
+            <a:r>
+              <a:rPr lang="de-CH" dirty="0" smtClean="0"/>
+              <a:t> </a:t>
+            </a:r>
+            <a:r>
+              <a:rPr lang="de-CH" dirty="0" err="1" smtClean="0"/>
+              <a:t>retrospective</a:t>
+            </a:r>
+            <a:endParaRPr lang="de-CH" dirty="0"/>
+          </a:p>
+        </p:txBody>
+      </p:sp>
+    </p:spTree>
+    <p:extLst>
+      <p:ext uri="{BB962C8B-B14F-4D97-AF65-F5344CB8AC3E}">
+        <p14:creationId xmlns:p14="http://schemas.microsoft.com/office/powerpoint/2010/main" val="3185091120"/>
+      </p:ext>
+    </p:extLst>
+  </p:cSld>
+  <p:clrMapOvr>
+    <a:masterClrMapping/>
+  </p:clrMapOvr>
+</p:sld>
+</file>
+
+<file path=ppt/slides/slide19.xml><?xml version="1.0" encoding="utf-8"?>
+<p:sld xmlns:a="http://schemas.openxmlformats.org/drawingml/2006/main" xmlns:r="http://schemas.openxmlformats.org/officeDocument/2006/relationships" xmlns:p="http://schemas.openxmlformats.org/presentationml/2006/main">
+  <p:cSld>
+    <p:spTree>
+      <p:nvGrpSpPr>
+        <p:cNvPr id="1" name=""/>
+        <p:cNvGrpSpPr/>
+        <p:nvPr/>
+      </p:nvGrpSpPr>
+      <p:grpSpPr>
+        <a:xfrm>
+          <a:off x="0" y="0"/>
+          <a:ext cx="0" cy="0"/>
+          <a:chOff x="0" y="0"/>
+          <a:chExt cx="0" cy="0"/>
+        </a:xfrm>
+      </p:grpSpPr>
+      <p:sp>
+        <p:nvSpPr>
+          <p:cNvPr id="2" name="Inhaltsplatzhalter 1"/>
+          <p:cNvSpPr>
+            <a:spLocks noGrp="1"/>
+          </p:cNvSpPr>
+          <p:nvPr>
+            <p:ph sz="half" idx="1"/>
+          </p:nvPr>
+        </p:nvSpPr>
+        <p:spPr/>
+        <p:txBody>
+          <a:bodyPr/>
+          <a:lstStyle/>
+          <a:p>
+            <a:r>
+              <a:rPr lang="de-CH" dirty="0" smtClean="0"/>
+              <a:t>Lukas Hügi</a:t>
+            </a:r>
+          </a:p>
+          <a:p>
+            <a:pPr marL="0" indent="0">
+              <a:buNone/>
+            </a:pPr>
+            <a:r>
+              <a:rPr lang="de-CH" dirty="0" smtClean="0"/>
+              <a:t>	Planung Projekt</a:t>
+            </a:r>
+          </a:p>
+          <a:p>
+            <a:pPr marL="0" indent="0">
+              <a:buNone/>
+            </a:pPr>
+            <a:r>
+              <a:rPr lang="de-CH" dirty="0"/>
+              <a:t>	</a:t>
+            </a:r>
+            <a:r>
+              <a:rPr lang="de-CH" dirty="0" smtClean="0"/>
+              <a:t>Zusammenarbeit Team (Niveau-Unterschiede)</a:t>
+            </a:r>
+            <a:endParaRPr lang="de-CH" dirty="0" smtClean="0"/>
+          </a:p>
+          <a:p>
+            <a:pPr marL="0" indent="0">
+              <a:buNone/>
+            </a:pPr>
+            <a:endParaRPr lang="de-CH" dirty="0"/>
+          </a:p>
+          <a:p>
+            <a:r>
+              <a:rPr lang="de-CH" dirty="0" smtClean="0"/>
+              <a:t>Christine Noser</a:t>
+            </a:r>
+          </a:p>
+          <a:p>
+            <a:pPr lvl="1"/>
+            <a:r>
+              <a:rPr lang="de-CH" dirty="0" smtClean="0"/>
+              <a:t>Nutzen der Planung</a:t>
+            </a:r>
+          </a:p>
+          <a:p>
+            <a:pPr lvl="1"/>
+            <a:r>
+              <a:rPr lang="de-CH" dirty="0" smtClean="0"/>
+              <a:t>Durchführung Projekt mit mehreren </a:t>
+            </a:r>
+            <a:r>
+              <a:rPr lang="de-CH" dirty="0" smtClean="0"/>
+              <a:t>Leuten</a:t>
+            </a:r>
+          </a:p>
+          <a:p>
+            <a:pPr lvl="1"/>
+            <a:endParaRPr lang="de-CH" dirty="0"/>
+          </a:p>
+          <a:p>
+            <a:r>
+              <a:rPr lang="de-CH" dirty="0" smtClean="0"/>
+              <a:t>Tim Dorner</a:t>
+            </a:r>
+          </a:p>
+          <a:p>
+            <a:pPr lvl="1"/>
+            <a:r>
+              <a:rPr lang="de-CH" dirty="0" err="1"/>
+              <a:t>Scrum</a:t>
+            </a:r>
+            <a:r>
+              <a:rPr lang="de-CH" dirty="0"/>
+              <a:t> </a:t>
+            </a:r>
+            <a:r>
+              <a:rPr lang="de-CH" dirty="0" err="1" smtClean="0"/>
+              <a:t>planning</a:t>
+            </a:r>
+            <a:endParaRPr lang="de-CH" dirty="0"/>
+          </a:p>
+          <a:p>
+            <a:pPr lvl="1"/>
+            <a:r>
+              <a:rPr lang="de-CH" dirty="0" smtClean="0"/>
+              <a:t>Pair </a:t>
+            </a:r>
+            <a:r>
+              <a:rPr lang="de-CH" dirty="0" err="1" smtClean="0"/>
+              <a:t>programming</a:t>
+            </a:r>
+            <a:endParaRPr lang="de-CH" dirty="0"/>
+          </a:p>
+        </p:txBody>
+      </p:sp>
+      <p:sp>
+        <p:nvSpPr>
+          <p:cNvPr id="3" name="Titel 2"/>
+          <p:cNvSpPr>
+            <a:spLocks noGrp="1"/>
+          </p:cNvSpPr>
+          <p:nvPr>
+            <p:ph type="ctrTitle"/>
+          </p:nvPr>
+        </p:nvSpPr>
+        <p:spPr/>
+        <p:txBody>
+          <a:bodyPr/>
+          <a:lstStyle/>
+          <a:p>
+            <a:r>
+              <a:rPr lang="de-CH" dirty="0" smtClean="0"/>
+              <a:t>Team </a:t>
+            </a:r>
+            <a:r>
+              <a:rPr lang="de-CH" dirty="0" err="1" smtClean="0"/>
+              <a:t>Lessons</a:t>
+            </a:r>
+            <a:r>
+              <a:rPr lang="de-CH" dirty="0" smtClean="0"/>
+              <a:t> </a:t>
+            </a:r>
+            <a:r>
+              <a:rPr lang="de-CH" dirty="0" err="1" smtClean="0"/>
+              <a:t>learned</a:t>
+            </a:r>
+            <a:endParaRPr lang="de-CH" dirty="0"/>
+          </a:p>
+        </p:txBody>
+      </p:sp>
+    </p:spTree>
+    <p:extLst>
+      <p:ext uri="{BB962C8B-B14F-4D97-AF65-F5344CB8AC3E}">
+        <p14:creationId xmlns:p14="http://schemas.microsoft.com/office/powerpoint/2010/main" val="2861580105"/>
       </p:ext>
     </p:extLst>
   </p:cSld>
@@ -7982,6 +8429,210 @@
     <p:extLst>
       <p:ext uri="{BB962C8B-B14F-4D97-AF65-F5344CB8AC3E}">
         <p14:creationId xmlns:p14="http://schemas.microsoft.com/office/powerpoint/2010/main" val="1329128193"/>
+      </p:ext>
+    </p:extLst>
+  </p:cSld>
+  <p:clrMapOvr>
+    <a:masterClrMapping/>
+  </p:clrMapOvr>
+</p:sld>
+</file>
+
+<file path=ppt/slides/slide20.xml><?xml version="1.0" encoding="utf-8"?>
+<p:sld xmlns:a="http://schemas.openxmlformats.org/drawingml/2006/main" xmlns:r="http://schemas.openxmlformats.org/officeDocument/2006/relationships" xmlns:p="http://schemas.openxmlformats.org/presentationml/2006/main">
+  <p:cSld>
+    <p:spTree>
+      <p:nvGrpSpPr>
+        <p:cNvPr id="1" name=""/>
+        <p:cNvGrpSpPr/>
+        <p:nvPr/>
+      </p:nvGrpSpPr>
+      <p:grpSpPr>
+        <a:xfrm>
+          <a:off x="0" y="0"/>
+          <a:ext cx="0" cy="0"/>
+          <a:chOff x="0" y="0"/>
+          <a:chExt cx="0" cy="0"/>
+        </a:xfrm>
+      </p:grpSpPr>
+      <p:sp>
+        <p:nvSpPr>
+          <p:cNvPr id="2" name="Inhaltsplatzhalter 1"/>
+          <p:cNvSpPr>
+            <a:spLocks noGrp="1"/>
+          </p:cNvSpPr>
+          <p:nvPr>
+            <p:ph sz="half" idx="1"/>
+          </p:nvPr>
+        </p:nvSpPr>
+        <p:spPr/>
+        <p:txBody>
+          <a:bodyPr/>
+          <a:lstStyle/>
+          <a:p>
+            <a:r>
+              <a:rPr lang="de-CH" dirty="0" smtClean="0"/>
+              <a:t>Fabian </a:t>
+            </a:r>
+            <a:r>
+              <a:rPr lang="de-CH" dirty="0" smtClean="0"/>
+              <a:t>Zwahlen</a:t>
+            </a:r>
+          </a:p>
+          <a:p>
+            <a:pPr lvl="1"/>
+            <a:r>
+              <a:rPr lang="de-CH" dirty="0" smtClean="0"/>
+              <a:t>Grosses Softwareprojekt</a:t>
+            </a:r>
+          </a:p>
+          <a:p>
+            <a:pPr lvl="1"/>
+            <a:r>
+              <a:rPr lang="de-CH" dirty="0" smtClean="0"/>
+              <a:t>Aufteilung der </a:t>
+            </a:r>
+            <a:r>
+              <a:rPr lang="de-CH" dirty="0" smtClean="0"/>
+              <a:t>Arbeiten</a:t>
+            </a:r>
+          </a:p>
+          <a:p>
+            <a:pPr lvl="1"/>
+            <a:endParaRPr lang="de-CH" dirty="0"/>
+          </a:p>
+          <a:p>
+            <a:r>
+              <a:rPr lang="de-CH" dirty="0" smtClean="0"/>
+              <a:t>Stefan Iseli</a:t>
+            </a:r>
+          </a:p>
+          <a:p>
+            <a:pPr lvl="1"/>
+            <a:r>
+              <a:rPr lang="de-CH" dirty="0" smtClean="0"/>
+              <a:t>Storyboards &amp; </a:t>
+            </a:r>
+            <a:r>
+              <a:rPr lang="de-CH" dirty="0" err="1" smtClean="0"/>
+              <a:t>Requirements</a:t>
+            </a:r>
+            <a:endParaRPr lang="de-CH" dirty="0" smtClean="0"/>
+          </a:p>
+          <a:p>
+            <a:pPr lvl="1"/>
+            <a:r>
+              <a:rPr lang="de-CH" dirty="0" err="1" smtClean="0"/>
+              <a:t>Vaadin</a:t>
+            </a:r>
+            <a:r>
+              <a:rPr lang="de-CH" dirty="0"/>
+              <a:t> </a:t>
+            </a:r>
+            <a:r>
+              <a:rPr lang="de-CH" dirty="0" smtClean="0"/>
+              <a:t>&amp; JPA</a:t>
+            </a:r>
+            <a:endParaRPr lang="de-CH" dirty="0"/>
+          </a:p>
+        </p:txBody>
+      </p:sp>
+      <p:sp>
+        <p:nvSpPr>
+          <p:cNvPr id="3" name="Titel 2"/>
+          <p:cNvSpPr>
+            <a:spLocks noGrp="1"/>
+          </p:cNvSpPr>
+          <p:nvPr>
+            <p:ph type="ctrTitle"/>
+          </p:nvPr>
+        </p:nvSpPr>
+        <p:spPr/>
+        <p:txBody>
+          <a:bodyPr/>
+          <a:lstStyle/>
+          <a:p>
+            <a:r>
+              <a:rPr lang="de-CH" dirty="0" smtClean="0"/>
+              <a:t>Team </a:t>
+            </a:r>
+            <a:r>
+              <a:rPr lang="de-CH" dirty="0" err="1" smtClean="0"/>
+              <a:t>Lessons</a:t>
+            </a:r>
+            <a:r>
+              <a:rPr lang="de-CH" dirty="0" smtClean="0"/>
+              <a:t> </a:t>
+            </a:r>
+            <a:r>
+              <a:rPr lang="de-CH" dirty="0" err="1" smtClean="0"/>
+              <a:t>learned</a:t>
+            </a:r>
+            <a:endParaRPr lang="de-CH" dirty="0"/>
+          </a:p>
+        </p:txBody>
+      </p:sp>
+    </p:spTree>
+    <p:extLst>
+      <p:ext uri="{BB962C8B-B14F-4D97-AF65-F5344CB8AC3E}">
+        <p14:creationId xmlns:p14="http://schemas.microsoft.com/office/powerpoint/2010/main" val="3362029658"/>
+      </p:ext>
+    </p:extLst>
+  </p:cSld>
+  <p:clrMapOvr>
+    <a:masterClrMapping/>
+  </p:clrMapOvr>
+</p:sld>
+</file>
+
+<file path=ppt/slides/slide21.xml><?xml version="1.0" encoding="utf-8"?>
+<p:sld xmlns:a="http://schemas.openxmlformats.org/drawingml/2006/main" xmlns:r="http://schemas.openxmlformats.org/officeDocument/2006/relationships" xmlns:p="http://schemas.openxmlformats.org/presentationml/2006/main">
+  <p:cSld>
+    <p:spTree>
+      <p:nvGrpSpPr>
+        <p:cNvPr id="1" name=""/>
+        <p:cNvGrpSpPr/>
+        <p:nvPr/>
+      </p:nvGrpSpPr>
+      <p:grpSpPr>
+        <a:xfrm>
+          <a:off x="0" y="0"/>
+          <a:ext cx="0" cy="0"/>
+          <a:chOff x="0" y="0"/>
+          <a:chExt cx="0" cy="0"/>
+        </a:xfrm>
+      </p:grpSpPr>
+      <p:sp>
+        <p:nvSpPr>
+          <p:cNvPr id="2" name="Titel 1"/>
+          <p:cNvSpPr>
+            <a:spLocks noGrp="1"/>
+          </p:cNvSpPr>
+          <p:nvPr>
+            <p:ph type="ctrTitle"/>
+          </p:nvPr>
+        </p:nvSpPr>
+        <p:spPr/>
+        <p:txBody>
+          <a:bodyPr/>
+          <a:lstStyle/>
+          <a:p>
+            <a:r>
+              <a:rPr lang="de-DE" dirty="0" err="1" smtClean="0"/>
+              <a:t>Thanks</a:t>
+            </a:r>
+            <a:r>
+              <a:rPr lang="de-DE" dirty="0" smtClean="0"/>
+              <a:t>!</a:t>
+            </a:r>
+            <a:endParaRPr lang="de-CH" dirty="0"/>
+          </a:p>
+        </p:txBody>
+      </p:sp>
+    </p:spTree>
+    <p:extLst>
+      <p:ext uri="{BB962C8B-B14F-4D97-AF65-F5344CB8AC3E}">
+        <p14:creationId xmlns:p14="http://schemas.microsoft.com/office/powerpoint/2010/main" val="1252526614"/>
       </p:ext>
     </p:extLst>
   </p:cSld>
@@ -8270,6 +8921,29 @@
           <a:bodyPr/>
           <a:lstStyle/>
           <a:p>
+            <a:r>
+              <a:rPr lang="de-CH" dirty="0"/>
+              <a:t>Basisklassen &amp; -</a:t>
+            </a:r>
+            <a:r>
+              <a:rPr lang="de-CH" dirty="0" smtClean="0"/>
+              <a:t>funktionalität</a:t>
+            </a:r>
+          </a:p>
+          <a:p>
+            <a:r>
+              <a:rPr lang="de-CH" dirty="0" smtClean="0"/>
+              <a:t>Database design</a:t>
+            </a:r>
+          </a:p>
+          <a:p>
+            <a:r>
+              <a:rPr lang="de-CH" dirty="0" smtClean="0"/>
+              <a:t>Interfaces</a:t>
+            </a:r>
+            <a:endParaRPr lang="de-CH" dirty="0"/>
+          </a:p>
+          <a:p>
             <a:endParaRPr lang="de-CH" dirty="0"/>
           </a:p>
         </p:txBody>
@@ -8342,104 +9016,7 @@
           <a:bodyPr/>
           <a:lstStyle/>
           <a:p>
-            <a:r>
-              <a:rPr lang="de-CH" dirty="0" err="1" smtClean="0"/>
-              <a:t>Scrum</a:t>
-            </a:r>
-            <a:r>
-              <a:rPr lang="de-CH" dirty="0" smtClean="0"/>
-              <a:t> Master Sprint 3</a:t>
-            </a:r>
-          </a:p>
-          <a:p>
-            <a:r>
-              <a:rPr lang="de-CH" dirty="0" err="1" smtClean="0"/>
-              <a:t>Health</a:t>
-            </a:r>
-            <a:r>
-              <a:rPr lang="de-CH" dirty="0" smtClean="0"/>
-              <a:t> </a:t>
-            </a:r>
-            <a:r>
-              <a:rPr lang="de-CH" dirty="0" err="1" smtClean="0"/>
-              <a:t>Visitor</a:t>
-            </a:r>
-            <a:r>
-              <a:rPr lang="de-CH" dirty="0" smtClean="0"/>
-              <a:t> Kalender</a:t>
-            </a:r>
-          </a:p>
-          <a:p>
-            <a:pPr lvl="1"/>
-            <a:r>
-              <a:rPr lang="de-CH" dirty="0" smtClean="0"/>
-              <a:t>Monatsansicht</a:t>
-            </a:r>
-          </a:p>
-          <a:p>
-            <a:pPr lvl="1"/>
-            <a:r>
-              <a:rPr lang="de-CH" dirty="0" smtClean="0"/>
-              <a:t>Wochenansicht</a:t>
-            </a:r>
-          </a:p>
-          <a:p>
-            <a:pPr lvl="1"/>
-            <a:r>
-              <a:rPr lang="de-CH" dirty="0" smtClean="0"/>
-              <a:t>Tagesansicht</a:t>
-            </a:r>
-            <a:endParaRPr lang="de-CH" dirty="0"/>
-          </a:p>
-          <a:p>
-            <a:r>
-              <a:rPr lang="de-CH" dirty="0" smtClean="0"/>
-              <a:t>Patienten Liste</a:t>
-            </a:r>
-          </a:p>
-          <a:p>
-            <a:pPr lvl="1"/>
-            <a:r>
-              <a:rPr lang="de-CH" dirty="0" smtClean="0"/>
-              <a:t>Filter</a:t>
-            </a:r>
-            <a:endParaRPr lang="de-CH" dirty="0"/>
-          </a:p>
-          <a:p>
-            <a:r>
-              <a:rPr lang="de-CH" dirty="0" smtClean="0"/>
-              <a:t>Login</a:t>
-            </a:r>
-          </a:p>
-          <a:p>
-            <a:pPr lvl="1"/>
-            <a:r>
-              <a:rPr lang="de-CH" dirty="0" smtClean="0"/>
-              <a:t>Controller</a:t>
-            </a:r>
-          </a:p>
-          <a:p>
-            <a:pPr lvl="1"/>
-            <a:r>
-              <a:rPr lang="de-CH" dirty="0" smtClean="0"/>
-              <a:t>GUI</a:t>
-            </a:r>
-          </a:p>
-          <a:p>
-            <a:r>
-              <a:rPr lang="de-CH" dirty="0" smtClean="0"/>
-              <a:t>JPA Database</a:t>
-            </a:r>
-          </a:p>
-          <a:p>
-            <a:pPr lvl="1"/>
-            <a:r>
-              <a:rPr lang="de-CH" dirty="0" smtClean="0"/>
-              <a:t>Klassen für JPA anpassen</a:t>
-            </a:r>
-          </a:p>
-          <a:p>
-            <a:endParaRPr lang="de-CH" dirty="0" smtClean="0"/>
+            <a:endParaRPr lang="de-DE" dirty="0"/>
           </a:p>
         </p:txBody>
       </p:sp>
@@ -8458,18 +9035,44 @@
           <a:bodyPr/>
           <a:lstStyle/>
           <a:p>
-            <a:r>
-              <a:rPr lang="de-CH" dirty="0" smtClean="0"/>
-              <a:t>Tim Dorner</a:t>
-            </a:r>
-            <a:endParaRPr lang="de-CH" dirty="0"/>
-          </a:p>
-        </p:txBody>
-      </p:sp>
+            <a:endParaRPr lang="de-DE"/>
+          </a:p>
+        </p:txBody>
+      </p:sp>
+      <p:pic>
+        <p:nvPicPr>
+          <p:cNvPr id="5" name="Bild 3"/>
+          <p:cNvPicPr>
+            <a:picLocks noChangeAspect="1"/>
+          </p:cNvPicPr>
+          <p:nvPr/>
+        </p:nvPicPr>
+        <p:blipFill>
+          <a:blip r:embed="rId2">
+            <a:extLst>
+              <a:ext uri="{28A0092B-C50C-407E-A947-70E740481C1C}">
+                <a14:useLocalDpi xmlns:a14="http://schemas.microsoft.com/office/drawing/2010/main" val="0"/>
+              </a:ext>
+            </a:extLst>
+          </a:blip>
+          <a:stretch>
+            <a:fillRect/>
+          </a:stretch>
+        </p:blipFill>
+        <p:spPr>
+          <a:xfrm>
+            <a:off x="701916" y="630000"/>
+            <a:ext cx="7272502" cy="5494779"/>
+          </a:xfrm>
+          <a:prstGeom prst="rect">
+            <a:avLst/>
+          </a:prstGeom>
+        </p:spPr>
+      </p:pic>
     </p:spTree>
     <p:extLst>
       <p:ext uri="{BB962C8B-B14F-4D97-AF65-F5344CB8AC3E}">
-        <p14:creationId xmlns:p14="http://schemas.microsoft.com/office/powerpoint/2010/main" val="3233346993"/>
+        <p14:creationId xmlns:p14="http://schemas.microsoft.com/office/powerpoint/2010/main" val="4055932004"/>
       </p:ext>
     </p:extLst>
   </p:cSld>
@@ -8511,105 +9114,7 @@
           <a:bodyPr/>
           <a:lstStyle/>
           <a:p>
-            <a:r>
-              <a:rPr lang="de-CH" dirty="0"/>
-              <a:t>UI Controller</a:t>
-            </a:r>
-          </a:p>
-          <a:p>
-            <a:pPr lvl="1"/>
-            <a:endParaRPr lang="de-CH" dirty="0"/>
-          </a:p>
-          <a:p>
-            <a:r>
-              <a:rPr lang="de-CH" dirty="0"/>
-              <a:t>Pop </a:t>
-            </a:r>
-            <a:r>
-              <a:rPr lang="de-CH" dirty="0" err="1"/>
-              <a:t>up</a:t>
-            </a:r>
-            <a:endParaRPr lang="de-CH" dirty="0"/>
-          </a:p>
-          <a:p>
-            <a:pPr lvl="1"/>
-            <a:r>
-              <a:rPr lang="de-CH" dirty="0"/>
-              <a:t>Create </a:t>
-            </a:r>
-            <a:r>
-              <a:rPr lang="de-CH" dirty="0" err="1"/>
-              <a:t>Appointment</a:t>
-            </a:r>
-            <a:r>
-              <a:rPr lang="de-CH" dirty="0"/>
-              <a:t>-Ansicht</a:t>
-            </a:r>
-          </a:p>
-          <a:p>
-            <a:pPr lvl="1"/>
-            <a:r>
-              <a:rPr lang="de-CH" dirty="0"/>
-              <a:t>Create Patient-Ansicht</a:t>
-            </a:r>
-          </a:p>
-          <a:p>
-            <a:pPr lvl="1"/>
-            <a:r>
-              <a:rPr lang="de-CH" dirty="0"/>
-              <a:t>Controller &amp; </a:t>
-            </a:r>
-            <a:r>
-              <a:rPr lang="de-CH" dirty="0" err="1"/>
-              <a:t>ClickHandler</a:t>
-            </a:r>
-            <a:endParaRPr lang="de-CH" dirty="0"/>
-          </a:p>
-          <a:p>
-            <a:pPr lvl="1"/>
-            <a:endParaRPr lang="de-CH" dirty="0"/>
-          </a:p>
-          <a:p>
-            <a:r>
-              <a:rPr lang="de-CH" dirty="0"/>
-              <a:t>Detail-Ansicht</a:t>
-            </a:r>
-          </a:p>
-          <a:p>
-            <a:pPr lvl="1"/>
-            <a:r>
-              <a:rPr lang="de-CH" dirty="0"/>
-              <a:t>Info-Ansicht</a:t>
-            </a:r>
-          </a:p>
-          <a:p>
-            <a:pPr lvl="1"/>
-            <a:r>
-              <a:rPr lang="de-CH" dirty="0"/>
-              <a:t>Behandlungsübersicht</a:t>
-            </a:r>
-          </a:p>
-          <a:p>
-            <a:pPr lvl="1"/>
-            <a:r>
-              <a:rPr lang="de-CH" dirty="0"/>
-              <a:t>Terminübersicht</a:t>
-            </a:r>
-          </a:p>
-          <a:p>
-            <a:pPr lvl="1"/>
-            <a:r>
-              <a:rPr lang="de-CH" dirty="0"/>
-              <a:t>Controller &amp; </a:t>
-            </a:r>
-            <a:r>
-              <a:rPr lang="de-CH" dirty="0" err="1"/>
-              <a:t>ClickHandler</a:t>
-            </a:r>
-            <a:endParaRPr lang="de-CH" dirty="0"/>
-          </a:p>
-          <a:p>
-            <a:endParaRPr lang="de-CH" dirty="0"/>
+            <a:endParaRPr lang="de-DE"/>
           </a:p>
         </p:txBody>
       </p:sp>
@@ -8628,24 +9133,128 @@
           <a:bodyPr/>
           <a:lstStyle/>
           <a:p>
-            <a:r>
-              <a:rPr lang="de-CH" dirty="0" smtClean="0"/>
-              <a:t>Fabian Zwahlen</a:t>
-            </a:r>
-            <a:endParaRPr lang="de-CH" dirty="0"/>
-          </a:p>
-        </p:txBody>
-      </p:sp>
+            <a:endParaRPr lang="de-DE"/>
+          </a:p>
+        </p:txBody>
+      </p:sp>
+      <p:pic>
+        <p:nvPicPr>
+          <p:cNvPr id="4" name="Picture 1"/>
+          <p:cNvPicPr/>
+          <p:nvPr/>
+        </p:nvPicPr>
+        <p:blipFill>
+          <a:blip r:embed="rId2" cstate="print">
+            <a:extLst>
+              <a:ext uri="{28A0092B-C50C-407E-A947-70E740481C1C}">
+                <a14:useLocalDpi xmlns:a14="http://schemas.microsoft.com/office/drawing/2010/main" val="0"/>
+              </a:ext>
+            </a:extLst>
+          </a:blip>
+          <a:srcRect/>
+          <a:stretch>
+            <a:fillRect/>
+          </a:stretch>
+        </p:blipFill>
+        <p:spPr bwMode="auto">
+          <a:xfrm>
+            <a:off x="943001" y="274770"/>
+            <a:ext cx="7254727" cy="6051601"/>
+          </a:xfrm>
+          <a:prstGeom prst="rect">
+            <a:avLst/>
+          </a:prstGeom>
+          <a:noFill/>
+          <a:ln>
+            <a:noFill/>
+          </a:ln>
+        </p:spPr>
+      </p:pic>
     </p:spTree>
     <p:extLst>
       <p:ext uri="{BB962C8B-B14F-4D97-AF65-F5344CB8AC3E}">
-        <p14:creationId xmlns:p14="http://schemas.microsoft.com/office/powerpoint/2010/main" val="1846725204"/>
+        <p14:creationId xmlns:p14="http://schemas.microsoft.com/office/powerpoint/2010/main" val="319001847"/>
       </p:ext>
     </p:extLst>
   </p:cSld>
   <p:clrMapOvr>
     <a:masterClrMapping/>
   </p:clrMapOvr>
+  <p:timing>
+    <p:tnLst>
+      <p:par>
+        <p:cTn id="1" dur="indefinite" restart="never" nodeType="tmRoot">
+          <p:childTnLst>
+            <p:seq concurrent="1" nextAc="seek">
+              <p:cTn id="2" dur="indefinite" nodeType="mainSeq">
+                <p:childTnLst>
+                  <p:par>
+                    <p:cTn id="3" fill="hold">
+                      <p:stCondLst>
+                        <p:cond delay="indefinite"/>
+                      </p:stCondLst>
+                      <p:childTnLst>
+                        <p:par>
+                          <p:cTn id="4" fill="hold">
+                            <p:stCondLst>
+                              <p:cond delay="0"/>
+                            </p:stCondLst>
+                            <p:childTnLst>
+                              <p:par>
+                                <p:cTn id="5" presetID="1" presetClass="entr" presetSubtype="0" fill="hold" nodeType="clickEffect">
+                                  <p:stCondLst>
+                                    <p:cond delay="0"/>
+                                  </p:stCondLst>
+                                  <p:childTnLst>
+                                    <p:set>
+                                      <p:cBhvr>
+                                        <p:cTn id="6" dur="1" fill="hold">
+                                          <p:stCondLst>
+                                            <p:cond delay="0"/>
+                                          </p:stCondLst>
+                                        </p:cTn>
+                                        <p:tgtEl>
+                                          <p:spTgt spid="4"/>
+                                        </p:tgtEl>
+                                        <p:attrNameLst>
+                                          <p:attrName>style.visibility</p:attrName>
+                                        </p:attrNameLst>
+                                      </p:cBhvr>
+                                      <p:to>
+                                        <p:strVal val="visible"/>
+                                      </p:to>
+                                    </p:set>
+                                  </p:childTnLst>
+                                </p:cTn>
+                              </p:par>
+                            </p:childTnLst>
+                          </p:cTn>
+                        </p:par>
+                      </p:childTnLst>
+                    </p:cTn>
+                  </p:par>
+                </p:childTnLst>
+              </p:cTn>
+              <p:prevCondLst>
+                <p:cond evt="onPrev" delay="0">
+                  <p:tgtEl>
+                    <p:sldTgt/>
+                  </p:tgtEl>
+                </p:cond>
+              </p:prevCondLst>
+              <p:nextCondLst>
+                <p:cond evt="onNext" delay="0">
+                  <p:tgtEl>
+                    <p:sldTgt/>
+                  </p:tgtEl>
+                </p:cond>
+              </p:nextCondLst>
+            </p:seq>
+          </p:childTnLst>
+        </p:cTn>
+      </p:par>
+    </p:tnLst>
+  </p:timing>
 </p:sld>
 </file>
 
@@ -8687,108 +9296,95 @@
             </a:r>
             <a:r>
               <a:rPr lang="de-CH" dirty="0" smtClean="0"/>
-              <a:t> Master Sprint 1 &amp; 2</a:t>
+              <a:t> Master Sprint 3</a:t>
+            </a:r>
+          </a:p>
+          <a:p>
+            <a:r>
+              <a:rPr lang="de-CH" dirty="0" err="1" smtClean="0"/>
+              <a:t>Health</a:t>
+            </a:r>
+            <a:r>
+              <a:rPr lang="de-CH" dirty="0" smtClean="0"/>
+              <a:t> </a:t>
+            </a:r>
+            <a:r>
+              <a:rPr lang="de-CH" dirty="0" err="1" smtClean="0"/>
+              <a:t>Visitor</a:t>
+            </a:r>
+            <a:r>
+              <a:rPr lang="de-CH" dirty="0" smtClean="0"/>
+              <a:t> Kalender</a:t>
+            </a:r>
+          </a:p>
+          <a:p>
+            <a:pPr lvl="1"/>
+            <a:r>
+              <a:rPr lang="de-CH" dirty="0" smtClean="0"/>
+              <a:t>Monatsansicht</a:t>
+            </a:r>
+          </a:p>
+          <a:p>
+            <a:pPr lvl="1"/>
+            <a:r>
+              <a:rPr lang="de-CH" dirty="0" smtClean="0"/>
+              <a:t>Wochenansicht</a:t>
+            </a:r>
+          </a:p>
+          <a:p>
+            <a:pPr lvl="1"/>
+            <a:r>
+              <a:rPr lang="de-CH" dirty="0" smtClean="0"/>
+              <a:t>Tagesansicht</a:t>
             </a:r>
             <a:endParaRPr lang="de-CH" dirty="0"/>
           </a:p>
           <a:p>
             <a:r>
               <a:rPr lang="de-CH" dirty="0" smtClean="0"/>
-              <a:t>Patient State</a:t>
-            </a:r>
-          </a:p>
-          <a:p>
+              <a:t>Patienten Liste</a:t>
+            </a:r>
+          </a:p>
+          <a:p>
+            <a:pPr lvl="1"/>
             <a:r>
               <a:rPr lang="de-CH" dirty="0" smtClean="0"/>
-              <a:t>Database</a:t>
+              <a:t>Filter</a:t>
+            </a:r>
+            <a:endParaRPr lang="de-CH" dirty="0"/>
+          </a:p>
+          <a:p>
+            <a:r>
+              <a:rPr lang="de-CH" dirty="0" smtClean="0"/>
+              <a:t>Login</a:t>
             </a:r>
           </a:p>
           <a:p>
             <a:pPr lvl="1"/>
             <a:r>
               <a:rPr lang="de-CH" dirty="0" smtClean="0"/>
-              <a:t>DB erstellt und Daten eingefügt</a:t>
+              <a:t>Controller</a:t>
             </a:r>
           </a:p>
           <a:p>
             <a:pPr lvl="1"/>
             <a:r>
               <a:rPr lang="de-CH" dirty="0" smtClean="0"/>
-              <a:t>Klassen für JPA erweitert</a:t>
+              <a:t>GUI</a:t>
+            </a:r>
+          </a:p>
+          <a:p>
+            <a:r>
+              <a:rPr lang="de-CH" dirty="0" smtClean="0"/>
+              <a:t>JPA Database</a:t>
             </a:r>
           </a:p>
           <a:p>
             <a:pPr lvl="1"/>
             <a:r>
               <a:rPr lang="de-CH" dirty="0" smtClean="0"/>
-              <a:t>Connection, Read und Write</a:t>
-            </a:r>
-          </a:p>
-          <a:p>
-            <a:r>
-              <a:rPr lang="de-CH" dirty="0" err="1"/>
-              <a:t>Health</a:t>
-            </a:r>
-            <a:r>
-              <a:rPr lang="de-CH" dirty="0"/>
-              <a:t> </a:t>
-            </a:r>
-            <a:r>
-              <a:rPr lang="de-CH" dirty="0" err="1"/>
-              <a:t>Visitor</a:t>
-            </a:r>
-            <a:r>
-              <a:rPr lang="de-CH" dirty="0"/>
-              <a:t> </a:t>
-            </a:r>
-            <a:r>
-              <a:rPr lang="de-CH" dirty="0" smtClean="0"/>
-              <a:t>Kalender</a:t>
-            </a:r>
-          </a:p>
-          <a:p>
-            <a:r>
-              <a:rPr lang="de-CH" dirty="0" smtClean="0"/>
-              <a:t>Patient List</a:t>
-            </a:r>
-          </a:p>
-          <a:p>
-            <a:r>
-              <a:rPr lang="de-CH" dirty="0" smtClean="0"/>
-              <a:t>Login Controller</a:t>
-            </a:r>
-          </a:p>
-          <a:p>
-            <a:pPr lvl="1"/>
-            <a:r>
-              <a:rPr lang="de-CH" smtClean="0"/>
-              <a:t>Login mit </a:t>
-            </a:r>
-            <a:r>
-              <a:rPr lang="de-CH" dirty="0" smtClean="0"/>
-              <a:t>DB</a:t>
-            </a:r>
-          </a:p>
-          <a:p>
-            <a:r>
-              <a:rPr lang="de-CH" dirty="0" smtClean="0"/>
-              <a:t>Edit Patient</a:t>
-            </a:r>
-          </a:p>
-          <a:p>
-            <a:r>
-              <a:rPr lang="de-CH" dirty="0" smtClean="0"/>
-              <a:t>Etc.</a:t>
-            </a:r>
-          </a:p>
-          <a:p>
-            <a:endParaRPr lang="de-CH" dirty="0"/>
-          </a:p>
-          <a:p>
-            <a:endParaRPr lang="de-CH" dirty="0" smtClean="0"/>
-          </a:p>
-          <a:p>
-            <a:endParaRPr lang="de-CH" dirty="0" smtClean="0"/>
+              <a:t>Klassen für JPA anpassen</a:t>
+            </a:r>
           </a:p>
           <a:p>
             <a:endParaRPr lang="de-CH" dirty="0" smtClean="0"/>
@@ -8812,7 +9408,7 @@
           <a:p>
             <a:r>
               <a:rPr lang="de-CH" dirty="0" smtClean="0"/>
-              <a:t>Stefan Iseli</a:t>
+              <a:t>Tim Dorner</a:t>
             </a:r>
             <a:endParaRPr lang="de-CH" dirty="0"/>
           </a:p>
@@ -8821,7 +9417,7 @@
     </p:spTree>
     <p:extLst>
       <p:ext uri="{BB962C8B-B14F-4D97-AF65-F5344CB8AC3E}">
-        <p14:creationId xmlns:p14="http://schemas.microsoft.com/office/powerpoint/2010/main" val="3080710229"/>
+        <p14:creationId xmlns:p14="http://schemas.microsoft.com/office/powerpoint/2010/main" val="3233346993"/>
       </p:ext>
     </p:extLst>
   </p:cSld>
@@ -9662,11 +10258,12 @@
 </file>
 
 <file path=customXml/item1.xml><?xml version="1.0" encoding="utf-8"?>
-<p:properties xmlns:p="http://schemas.microsoft.com/office/2006/metadata/properties" xmlns:xsi="http://www.w3.org/2001/XMLSchema-instance">
-  <documentManagement>
-    <AVMTitle xmlns="5091c847-84be-4f4f-b16c-c018ad2ca66b">Präsentation BFH_2013</AVMTitle>
-  </documentManagement>
-</p:properties>
+<?mso-contentType ?>
+<FormTemplates xmlns="http://schemas.microsoft.com/sharepoint/v3/contenttype/forms">
+  <Display>DocumentLibraryForm</Display>
+  <Edit>DocumentLibraryForm</Edit>
+  <New>DocumentLibraryForm</New>
+</FormTemplates>
 </file>
 
 <file path=customXml/item2.xml><?xml version="1.0" encoding="utf-8"?>
@@ -9730,25 +10327,17 @@
 </file>
 
 <file path=customXml/item3.xml><?xml version="1.0" encoding="utf-8"?>
-<?mso-contentType ?>
-<FormTemplates xmlns="http://schemas.microsoft.com/sharepoint/v3/contenttype/forms">
-  <Display>DocumentLibraryForm</Display>
-  <Edit>DocumentLibraryForm</Edit>
-  <New>DocumentLibraryForm</New>
-</FormTemplates>
+<p:properties xmlns:p="http://schemas.microsoft.com/office/2006/metadata/properties" xmlns:xsi="http://www.w3.org/2001/XMLSchema-instance">
+  <documentManagement>
+    <AVMTitle xmlns="5091c847-84be-4f4f-b16c-c018ad2ca66b">Präsentation BFH_2013</AVMTitle>
+  </documentManagement>
+</p:properties>
 </file>
 
 <file path=customXml/itemProps1.xml><?xml version="1.0" encoding="utf-8"?>
-<ds:datastoreItem xmlns:ds="http://schemas.openxmlformats.org/officeDocument/2006/customXml" ds:itemID="{32991507-CB83-4F49-BAFB-D322B1D04098}">
+<ds:datastoreItem xmlns:ds="http://schemas.openxmlformats.org/officeDocument/2006/customXml" ds:itemID="{1851D33F-E468-417B-A30C-509B68D2BD09}">
   <ds:schemaRefs>
-    <ds:schemaRef ds:uri="http://purl.org/dc/terms/"/>
-    <ds:schemaRef ds:uri="http://schemas.openxmlformats.org/package/2006/metadata/core-properties"/>
-    <ds:schemaRef ds:uri="http://schemas.microsoft.com/office/2006/documentManagement/types"/>
-    <ds:schemaRef ds:uri="5091c847-84be-4f4f-b16c-c018ad2ca66b"/>
-    <ds:schemaRef ds:uri="http://purl.org/dc/elements/1.1/"/>
-    <ds:schemaRef ds:uri="http://schemas.microsoft.com/office/2006/metadata/properties"/>
-    <ds:schemaRef ds:uri="http://www.w3.org/XML/1998/namespace"/>
-    <ds:schemaRef ds:uri="http://purl.org/dc/dcmitype/"/>
+    <ds:schemaRef ds:uri="http://schemas.microsoft.com/sharepoint/v3/contenttype/forms"/>
   </ds:schemaRefs>
 </ds:datastoreItem>
 </file>
@@ -9771,9 +10360,16 @@
 </file>
 
 <file path=customXml/itemProps3.xml><?xml version="1.0" encoding="utf-8"?>
-<ds:datastoreItem xmlns:ds="http://schemas.openxmlformats.org/officeDocument/2006/customXml" ds:itemID="{1851D33F-E468-417B-A30C-509B68D2BD09}">
+<ds:datastoreItem xmlns:ds="http://schemas.openxmlformats.org/officeDocument/2006/customXml" ds:itemID="{32991507-CB83-4F49-BAFB-D322B1D04098}">
   <ds:schemaRefs>
-    <ds:schemaRef ds:uri="http://schemas.microsoft.com/sharepoint/v3/contenttype/forms"/>
+    <ds:schemaRef ds:uri="http://purl.org/dc/terms/"/>
+    <ds:schemaRef ds:uri="http://schemas.openxmlformats.org/package/2006/metadata/core-properties"/>
+    <ds:schemaRef ds:uri="http://schemas.microsoft.com/office/2006/documentManagement/types"/>
+    <ds:schemaRef ds:uri="5091c847-84be-4f4f-b16c-c018ad2ca66b"/>
+    <ds:schemaRef ds:uri="http://purl.org/dc/elements/1.1/"/>
+    <ds:schemaRef ds:uri="http://schemas.microsoft.com/office/2006/metadata/properties"/>
+    <ds:schemaRef ds:uri="http://www.w3.org/XML/1998/namespace"/>
+    <ds:schemaRef ds:uri="http://purl.org/dc/dcmitype/"/>
   </ds:schemaRefs>
 </ds:datastoreItem>
 </file>
--- a/doc/task14/Task14.pptx
+++ b/doc/task14/Task14.pptx
@@ -6940,11 +6940,7 @@
           <a:p>
             <a:r>
               <a:rPr lang="de-CH" b="1" smtClean="0"/>
-              <a:t>21</a:t>
-            </a:r>
-            <a:r>
-              <a:rPr lang="de-CH" b="1" smtClean="0"/>
-              <a:t>.01.2016</a:t>
+              <a:t>21.01.2016</a:t>
             </a:r>
             <a:r>
               <a:rPr lang="de-CH" b="1" dirty="0" smtClean="0"/>
@@ -6976,6 +6972,45 @@
           </a:p>
         </p:txBody>
       </p:sp>
+      <p:pic>
+        <p:nvPicPr>
+          <p:cNvPr id="1030" name="Picture 6" descr="http://game-solver.com/wp-content/uploads/2015/04/Guess-Up-Emoji-Wet-Willy.png"/>
+          <p:cNvPicPr>
+            <a:picLocks noChangeAspect="1" noChangeArrowheads="1"/>
+          </p:cNvPicPr>
+          <p:nvPr/>
+        </p:nvPicPr>
+        <p:blipFill rotWithShape="1">
+          <a:blip r:embed="rId3">
+            <a:extLst>
+              <a:ext uri="{28A0092B-C50C-407E-A947-70E740481C1C}">
+                <a14:useLocalDpi xmlns:a14="http://schemas.microsoft.com/office/drawing/2010/main" val="0"/>
+              </a:ext>
+            </a:extLst>
+          </a:blip>
+          <a:srcRect l="48617"/>
+          <a:stretch/>
+        </p:blipFill>
+        <p:spPr bwMode="auto">
+          <a:xfrm>
+            <a:off x="4104169" y="1839808"/>
+            <a:ext cx="2491192" cy="2424131"/>
+          </a:xfrm>
+          <a:prstGeom prst="rect">
+            <a:avLst/>
+          </a:prstGeom>
+          <a:noFill/>
+          <a:extLst>
+            <a:ext uri="{909E8E84-426E-40DD-AFC4-6F175D3DCCD1}">
+              <a14:hiddenFill xmlns:a14="http://schemas.microsoft.com/office/drawing/2010/main">
+                <a:solidFill>
+                  <a:srgbClr val="FFFFFF"/>
+                </a:solidFill>
+              </a14:hiddenFill>
+            </a:ext>
+          </a:extLst>
+        </p:spPr>
+      </p:pic>
     </p:spTree>
     <p:extLst>
       <p:ext uri="{BB962C8B-B14F-4D97-AF65-F5344CB8AC3E}">
@@ -7967,11 +8002,7 @@
             <a:pPr lvl="2"/>
             <a:r>
               <a:rPr lang="de-CH" dirty="0" smtClean="0"/>
-              <a:t>Wirklich nur «was gemacht», «was als nächstes</a:t>
-            </a:r>
-            <a:r>
-              <a:rPr lang="de-CH" dirty="0" smtClean="0"/>
-              <a:t>»</a:t>
+              <a:t>Wirklich nur «was gemacht», «was als nächstes»</a:t>
             </a:r>
             <a:endParaRPr lang="de-CH" dirty="0"/>
           </a:p>
@@ -8059,11 +8090,7 @@
             </a:r>
             <a:r>
               <a:rPr lang="de-CH" dirty="0" smtClean="0"/>
-              <a:t> </a:t>
-            </a:r>
-            <a:r>
-              <a:rPr lang="de-CH" dirty="0" smtClean="0"/>
-              <a:t>Master</a:t>
+              <a:t> Master</a:t>
             </a:r>
           </a:p>
           <a:p>
@@ -8214,7 +8241,6 @@
               <a:rPr lang="de-CH" dirty="0" smtClean="0"/>
               <a:t>Zusammenarbeit Team (Niveau-Unterschiede)</a:t>
             </a:r>
-            <a:endParaRPr lang="de-CH" dirty="0" smtClean="0"/>
           </a:p>
           <a:p>
             <a:pPr marL="0" indent="0">
@@ -8239,11 +8265,7 @@
             <a:pPr lvl="1"/>
             <a:r>
               <a:rPr lang="de-CH" dirty="0" smtClean="0"/>
-              <a:t>Durchführung Projekt mit mehreren </a:t>
-            </a:r>
-            <a:r>
-              <a:rPr lang="de-CH" dirty="0" smtClean="0"/>
-              <a:t>Leuten</a:t>
+              <a:t>Durchführung Projekt mit mehreren Leuten</a:t>
             </a:r>
           </a:p>
           <a:p>
@@ -8472,11 +8494,7 @@
           <a:p>
             <a:r>
               <a:rPr lang="de-CH" dirty="0" smtClean="0"/>
-              <a:t>Fabian </a:t>
-            </a:r>
-            <a:r>
-              <a:rPr lang="de-CH" dirty="0" smtClean="0"/>
-              <a:t>Zwahlen</a:t>
+              <a:t>Fabian Zwahlen</a:t>
             </a:r>
           </a:p>
           <a:p>
@@ -8490,11 +8508,7 @@
             <a:pPr lvl="1"/>
             <a:r>
               <a:rPr lang="de-CH" dirty="0" smtClean="0"/>
-              <a:t>Aufteilung der </a:t>
-            </a:r>
-            <a:r>
-              <a:rPr lang="de-CH" dirty="0" smtClean="0"/>
-              <a:t>Arbeiten</a:t>
+              <a:t>Aufteilung der Arbeiten</a:t>
             </a:r>
           </a:p>
           <a:p>
@@ -10258,12 +10272,11 @@
 </file>
 
 <file path=customXml/item1.xml><?xml version="1.0" encoding="utf-8"?>
-<?mso-contentType ?>
-<FormTemplates xmlns="http://schemas.microsoft.com/sharepoint/v3/contenttype/forms">
-  <Display>DocumentLibraryForm</Display>
-  <Edit>DocumentLibraryForm</Edit>
-  <New>DocumentLibraryForm</New>
-</FormTemplates>
+<p:properties xmlns:p="http://schemas.microsoft.com/office/2006/metadata/properties" xmlns:xsi="http://www.w3.org/2001/XMLSchema-instance">
+  <documentManagement>
+    <AVMTitle xmlns="5091c847-84be-4f4f-b16c-c018ad2ca66b">Präsentation BFH_2013</AVMTitle>
+  </documentManagement>
+</p:properties>
 </file>
 
 <file path=customXml/item2.xml><?xml version="1.0" encoding="utf-8"?>
@@ -10327,17 +10340,25 @@
 </file>
 
 <file path=customXml/item3.xml><?xml version="1.0" encoding="utf-8"?>
-<p:properties xmlns:p="http://schemas.microsoft.com/office/2006/metadata/properties" xmlns:xsi="http://www.w3.org/2001/XMLSchema-instance">
-  <documentManagement>
-    <AVMTitle xmlns="5091c847-84be-4f4f-b16c-c018ad2ca66b">Präsentation BFH_2013</AVMTitle>
-  </documentManagement>
-</p:properties>
+<?mso-contentType ?>
+<FormTemplates xmlns="http://schemas.microsoft.com/sharepoint/v3/contenttype/forms">
+  <Display>DocumentLibraryForm</Display>
+  <Edit>DocumentLibraryForm</Edit>
+  <New>DocumentLibraryForm</New>
+</FormTemplates>
 </file>
 
 <file path=customXml/itemProps1.xml><?xml version="1.0" encoding="utf-8"?>
-<ds:datastoreItem xmlns:ds="http://schemas.openxmlformats.org/officeDocument/2006/customXml" ds:itemID="{1851D33F-E468-417B-A30C-509B68D2BD09}">
+<ds:datastoreItem xmlns:ds="http://schemas.openxmlformats.org/officeDocument/2006/customXml" ds:itemID="{32991507-CB83-4F49-BAFB-D322B1D04098}">
   <ds:schemaRefs>
-    <ds:schemaRef ds:uri="http://schemas.microsoft.com/sharepoint/v3/contenttype/forms"/>
+    <ds:schemaRef ds:uri="http://purl.org/dc/terms/"/>
+    <ds:schemaRef ds:uri="http://schemas.openxmlformats.org/package/2006/metadata/core-properties"/>
+    <ds:schemaRef ds:uri="http://schemas.microsoft.com/office/2006/documentManagement/types"/>
+    <ds:schemaRef ds:uri="5091c847-84be-4f4f-b16c-c018ad2ca66b"/>
+    <ds:schemaRef ds:uri="http://purl.org/dc/elements/1.1/"/>
+    <ds:schemaRef ds:uri="http://schemas.microsoft.com/office/2006/metadata/properties"/>
+    <ds:schemaRef ds:uri="http://www.w3.org/XML/1998/namespace"/>
+    <ds:schemaRef ds:uri="http://purl.org/dc/dcmitype/"/>
   </ds:schemaRefs>
 </ds:datastoreItem>
 </file>
@@ -10360,16 +10381,9 @@
 </file>
 
 <file path=customXml/itemProps3.xml><?xml version="1.0" encoding="utf-8"?>
-<ds:datastoreItem xmlns:ds="http://schemas.openxmlformats.org/officeDocument/2006/customXml" ds:itemID="{32991507-CB83-4F49-BAFB-D322B1D04098}">
+<ds:datastoreItem xmlns:ds="http://schemas.openxmlformats.org/officeDocument/2006/customXml" ds:itemID="{1851D33F-E468-417B-A30C-509B68D2BD09}">
   <ds:schemaRefs>
-    <ds:schemaRef ds:uri="http://purl.org/dc/terms/"/>
-    <ds:schemaRef ds:uri="http://schemas.openxmlformats.org/package/2006/metadata/core-properties"/>
-    <ds:schemaRef ds:uri="http://schemas.microsoft.com/office/2006/documentManagement/types"/>
-    <ds:schemaRef ds:uri="5091c847-84be-4f4f-b16c-c018ad2ca66b"/>
-    <ds:schemaRef ds:uri="http://purl.org/dc/elements/1.1/"/>
-    <ds:schemaRef ds:uri="http://schemas.microsoft.com/office/2006/metadata/properties"/>
-    <ds:schemaRef ds:uri="http://www.w3.org/XML/1998/namespace"/>
-    <ds:schemaRef ds:uri="http://purl.org/dc/dcmitype/"/>
+    <ds:schemaRef ds:uri="http://schemas.microsoft.com/sharepoint/v3/contenttype/forms"/>
   </ds:schemaRefs>
 </ds:datastoreItem>
 </file>